--- a/docs/CD Menu.pptx
+++ b/docs/CD Menu.pptx
@@ -7,7 +7,6 @@
   <p:sldIdLst>
     <p:sldId id="256" r:id="rId2"/>
     <p:sldId id="259" r:id="rId3"/>
-    <p:sldId id="260" r:id="rId4"/>
   </p:sldIdLst>
   <p:sldSz cx="12192000" cy="6858000"/>
   <p:notesSz cx="6858000" cy="9144000"/>
@@ -243,7 +242,7 @@
           <a:p>
             <a:fld id="{28BE630F-C39C-4DB9-8258-0B48CA067079}" type="datetimeFigureOut">
               <a:rPr lang="en-US" smtClean="0"/>
-              <a:t>11/29/2021</a:t>
+              <a:t>11/30/2021</a:t>
             </a:fld>
             <a:endParaRPr lang="en-US"/>
           </a:p>
@@ -411,7 +410,7 @@
           <a:p>
             <a:fld id="{28BE630F-C39C-4DB9-8258-0B48CA067079}" type="datetimeFigureOut">
               <a:rPr lang="en-US" smtClean="0"/>
-              <a:t>11/29/2021</a:t>
+              <a:t>11/30/2021</a:t>
             </a:fld>
             <a:endParaRPr lang="en-US"/>
           </a:p>
@@ -589,7 +588,7 @@
           <a:p>
             <a:fld id="{28BE630F-C39C-4DB9-8258-0B48CA067079}" type="datetimeFigureOut">
               <a:rPr lang="en-US" smtClean="0"/>
-              <a:t>11/29/2021</a:t>
+              <a:t>11/30/2021</a:t>
             </a:fld>
             <a:endParaRPr lang="en-US"/>
           </a:p>
@@ -757,7 +756,7 @@
           <a:p>
             <a:fld id="{28BE630F-C39C-4DB9-8258-0B48CA067079}" type="datetimeFigureOut">
               <a:rPr lang="en-US" smtClean="0"/>
-              <a:t>11/29/2021</a:t>
+              <a:t>11/30/2021</a:t>
             </a:fld>
             <a:endParaRPr lang="en-US"/>
           </a:p>
@@ -1002,7 +1001,7 @@
           <a:p>
             <a:fld id="{28BE630F-C39C-4DB9-8258-0B48CA067079}" type="datetimeFigureOut">
               <a:rPr lang="en-US" smtClean="0"/>
-              <a:t>11/29/2021</a:t>
+              <a:t>11/30/2021</a:t>
             </a:fld>
             <a:endParaRPr lang="en-US"/>
           </a:p>
@@ -1231,7 +1230,7 @@
           <a:p>
             <a:fld id="{28BE630F-C39C-4DB9-8258-0B48CA067079}" type="datetimeFigureOut">
               <a:rPr lang="en-US" smtClean="0"/>
-              <a:t>11/29/2021</a:t>
+              <a:t>11/30/2021</a:t>
             </a:fld>
             <a:endParaRPr lang="en-US"/>
           </a:p>
@@ -1595,7 +1594,7 @@
           <a:p>
             <a:fld id="{28BE630F-C39C-4DB9-8258-0B48CA067079}" type="datetimeFigureOut">
               <a:rPr lang="en-US" smtClean="0"/>
-              <a:t>11/29/2021</a:t>
+              <a:t>11/30/2021</a:t>
             </a:fld>
             <a:endParaRPr lang="en-US"/>
           </a:p>
@@ -1712,7 +1711,7 @@
           <a:p>
             <a:fld id="{28BE630F-C39C-4DB9-8258-0B48CA067079}" type="datetimeFigureOut">
               <a:rPr lang="en-US" smtClean="0"/>
-              <a:t>11/29/2021</a:t>
+              <a:t>11/30/2021</a:t>
             </a:fld>
             <a:endParaRPr lang="en-US"/>
           </a:p>
@@ -1807,7 +1806,7 @@
           <a:p>
             <a:fld id="{28BE630F-C39C-4DB9-8258-0B48CA067079}" type="datetimeFigureOut">
               <a:rPr lang="en-US" smtClean="0"/>
-              <a:t>11/29/2021</a:t>
+              <a:t>11/30/2021</a:t>
             </a:fld>
             <a:endParaRPr lang="en-US"/>
           </a:p>
@@ -2082,7 +2081,7 @@
           <a:p>
             <a:fld id="{28BE630F-C39C-4DB9-8258-0B48CA067079}" type="datetimeFigureOut">
               <a:rPr lang="en-US" smtClean="0"/>
-              <a:t>11/29/2021</a:t>
+              <a:t>11/30/2021</a:t>
             </a:fld>
             <a:endParaRPr lang="en-US"/>
           </a:p>
@@ -2334,7 +2333,7 @@
           <a:p>
             <a:fld id="{28BE630F-C39C-4DB9-8258-0B48CA067079}" type="datetimeFigureOut">
               <a:rPr lang="en-US" smtClean="0"/>
-              <a:t>11/29/2021</a:t>
+              <a:t>11/30/2021</a:t>
             </a:fld>
             <a:endParaRPr lang="en-US"/>
           </a:p>
@@ -2545,7 +2544,7 @@
           <a:p>
             <a:fld id="{28BE630F-C39C-4DB9-8258-0B48CA067079}" type="datetimeFigureOut">
               <a:rPr lang="en-US" smtClean="0"/>
-              <a:t>11/29/2021</a:t>
+              <a:t>11/30/2021</a:t>
             </a:fld>
             <a:endParaRPr lang="en-US"/>
           </a:p>
@@ -3207,134 +3206,10 @@
       </p:grpSpPr>
       <p:sp>
         <p:nvSpPr>
-          <p:cNvPr id="52" name="Title 1">
+          <p:cNvPr id="13" name="Rounded Rectangle 4">
             <a:extLst>
               <a:ext uri="{FF2B5EF4-FFF2-40B4-BE49-F238E27FC236}">
-                <a16:creationId xmlns:a16="http://schemas.microsoft.com/office/drawing/2014/main" id="{3B46C00C-F54F-4504-BD29-FC86309D52E2}"/>
-              </a:ext>
-            </a:extLst>
-          </p:cNvPr>
-          <p:cNvSpPr txBox="1">
-            <a:spLocks/>
-          </p:cNvSpPr>
-          <p:nvPr/>
-        </p:nvSpPr>
-        <p:spPr>
-          <a:xfrm>
-            <a:off x="838200" y="365126"/>
-            <a:ext cx="4860235" cy="315912"/>
-          </a:xfrm>
-          <a:prstGeom prst="rect">
-            <a:avLst/>
-          </a:prstGeom>
-        </p:spPr>
-        <p:txBody>
-          <a:bodyPr>
-            <a:normAutofit fontScale="52500" lnSpcReduction="20000"/>
-          </a:bodyPr>
-          <a:lstStyle>
-            <a:lvl1pPr algn="l" defTabSz="914400" rtl="0" eaLnBrk="1" latinLnBrk="0" hangingPunct="1">
-              <a:lnSpc>
-                <a:spcPct val="90000"/>
-              </a:lnSpc>
-              <a:spcBef>
-                <a:spcPct val="0"/>
-              </a:spcBef>
-              <a:buNone/>
-              <a:defRPr sz="4400" kern="1200">
-                <a:solidFill>
-                  <a:schemeClr val="tx1"/>
-                </a:solidFill>
-                <a:latin typeface="+mj-lt"/>
-                <a:ea typeface="+mj-ea"/>
-                <a:cs typeface="+mj-cs"/>
-              </a:defRPr>
-            </a:lvl1pPr>
-          </a:lstStyle>
-          <a:p>
-            <a:r>
-              <a:rPr lang="en-US" sz="3600" b="1"/>
-              <a:t>Sign in Component Diagram</a:t>
-            </a:r>
-            <a:endParaRPr lang="en-US" sz="3600" b="1" dirty="0"/>
-          </a:p>
-        </p:txBody>
-      </p:sp>
-      <p:pic>
-        <p:nvPicPr>
-          <p:cNvPr id="53" name="Picture 52">
-            <a:extLst>
-              <a:ext uri="{FF2B5EF4-FFF2-40B4-BE49-F238E27FC236}">
-                <a16:creationId xmlns:a16="http://schemas.microsoft.com/office/drawing/2014/main" id="{A6D26DDE-01C3-4197-A5AC-5315967356B5}"/>
-              </a:ext>
-            </a:extLst>
-          </p:cNvPr>
-          <p:cNvPicPr>
-            <a:picLocks noChangeAspect="1"/>
-          </p:cNvPicPr>
-          <p:nvPr/>
-        </p:nvPicPr>
-        <p:blipFill>
-          <a:blip r:embed="rId2"/>
-          <a:stretch>
-            <a:fillRect/>
-          </a:stretch>
-        </p:blipFill>
-        <p:spPr>
-          <a:xfrm>
-            <a:off x="310727" y="1147082"/>
-            <a:ext cx="3181350" cy="3533775"/>
-          </a:xfrm>
-          <a:prstGeom prst="rect">
-            <a:avLst/>
-          </a:prstGeom>
-        </p:spPr>
-      </p:pic>
-      <p:sp>
-        <p:nvSpPr>
-          <p:cNvPr id="54" name="TextBox 53">
-            <a:extLst>
-              <a:ext uri="{FF2B5EF4-FFF2-40B4-BE49-F238E27FC236}">
-                <a16:creationId xmlns:a16="http://schemas.microsoft.com/office/drawing/2014/main" id="{993AFA19-7001-4231-B8E9-4668002514D1}"/>
-              </a:ext>
-            </a:extLst>
-          </p:cNvPr>
-          <p:cNvSpPr txBox="1"/>
-          <p:nvPr/>
-        </p:nvSpPr>
-        <p:spPr>
-          <a:xfrm>
-            <a:off x="4895877" y="1741731"/>
-            <a:ext cx="780983" cy="303481"/>
-          </a:xfrm>
-          <a:prstGeom prst="rect">
-            <a:avLst/>
-          </a:prstGeom>
-          <a:noFill/>
-        </p:spPr>
-        <p:txBody>
-          <a:bodyPr wrap="none" rtlCol="0">
-            <a:spAutoFit/>
-          </a:bodyPr>
-          <a:lstStyle/>
-          <a:p>
-            <a:r>
-              <a:rPr lang="en-US" sz="1372" b="1" i="1" dirty="0">
-                <a:solidFill>
-                  <a:srgbClr val="FF0000"/>
-                </a:solidFill>
-              </a:rPr>
-              <a:t>&lt;log-in&gt;</a:t>
-            </a:r>
-          </a:p>
-        </p:txBody>
-      </p:sp>
-      <p:sp>
-        <p:nvSpPr>
-          <p:cNvPr id="59" name="Rounded Rectangle 31">
-            <a:extLst>
-              <a:ext uri="{FF2B5EF4-FFF2-40B4-BE49-F238E27FC236}">
-                <a16:creationId xmlns:a16="http://schemas.microsoft.com/office/drawing/2014/main" id="{7A095B2C-F4DE-43CD-9F4E-A2409E37721A}"/>
+                <a16:creationId xmlns:a16="http://schemas.microsoft.com/office/drawing/2014/main" id="{1C3F6827-73AD-40E5-A9AA-AF1EA15411B0}"/>
               </a:ext>
             </a:extLst>
           </p:cNvPr>
@@ -3343,8 +3218,8 @@
         </p:nvSpPr>
         <p:spPr>
           <a:xfrm>
-            <a:off x="4598504" y="1571151"/>
-            <a:ext cx="1650319" cy="630068"/>
+            <a:off x="1728891" y="2189833"/>
+            <a:ext cx="8703228" cy="567257"/>
           </a:xfrm>
           <a:prstGeom prst="roundRect">
             <a:avLst/>
@@ -3375,7 +3250,101 @@
         </p:style>
         <p:txBody>
           <a:bodyPr rtlCol="0" anchor="ctr"/>
-          <a:lstStyle/>
+          <a:lstStyle>
+            <a:defPPr>
+              <a:defRPr lang="en-US"/>
+            </a:defPPr>
+            <a:lvl1pPr marL="0" algn="l" defTabSz="914400" rtl="0" eaLnBrk="1" latinLnBrk="0" hangingPunct="1">
+              <a:defRPr sz="1800" kern="1200">
+                <a:solidFill>
+                  <a:schemeClr val="lt1"/>
+                </a:solidFill>
+                <a:latin typeface="+mn-lt"/>
+                <a:ea typeface="+mn-ea"/>
+                <a:cs typeface="+mn-cs"/>
+              </a:defRPr>
+            </a:lvl1pPr>
+            <a:lvl2pPr marL="457200" algn="l" defTabSz="914400" rtl="0" eaLnBrk="1" latinLnBrk="0" hangingPunct="1">
+              <a:defRPr sz="1800" kern="1200">
+                <a:solidFill>
+                  <a:schemeClr val="lt1"/>
+                </a:solidFill>
+                <a:latin typeface="+mn-lt"/>
+                <a:ea typeface="+mn-ea"/>
+                <a:cs typeface="+mn-cs"/>
+              </a:defRPr>
+            </a:lvl2pPr>
+            <a:lvl3pPr marL="914400" algn="l" defTabSz="914400" rtl="0" eaLnBrk="1" latinLnBrk="0" hangingPunct="1">
+              <a:defRPr sz="1800" kern="1200">
+                <a:solidFill>
+                  <a:schemeClr val="lt1"/>
+                </a:solidFill>
+                <a:latin typeface="+mn-lt"/>
+                <a:ea typeface="+mn-ea"/>
+                <a:cs typeface="+mn-cs"/>
+              </a:defRPr>
+            </a:lvl3pPr>
+            <a:lvl4pPr marL="1371600" algn="l" defTabSz="914400" rtl="0" eaLnBrk="1" latinLnBrk="0" hangingPunct="1">
+              <a:defRPr sz="1800" kern="1200">
+                <a:solidFill>
+                  <a:schemeClr val="lt1"/>
+                </a:solidFill>
+                <a:latin typeface="+mn-lt"/>
+                <a:ea typeface="+mn-ea"/>
+                <a:cs typeface="+mn-cs"/>
+              </a:defRPr>
+            </a:lvl4pPr>
+            <a:lvl5pPr marL="1828800" algn="l" defTabSz="914400" rtl="0" eaLnBrk="1" latinLnBrk="0" hangingPunct="1">
+              <a:defRPr sz="1800" kern="1200">
+                <a:solidFill>
+                  <a:schemeClr val="lt1"/>
+                </a:solidFill>
+                <a:latin typeface="+mn-lt"/>
+                <a:ea typeface="+mn-ea"/>
+                <a:cs typeface="+mn-cs"/>
+              </a:defRPr>
+            </a:lvl5pPr>
+            <a:lvl6pPr marL="2286000" algn="l" defTabSz="914400" rtl="0" eaLnBrk="1" latinLnBrk="0" hangingPunct="1">
+              <a:defRPr sz="1800" kern="1200">
+                <a:solidFill>
+                  <a:schemeClr val="lt1"/>
+                </a:solidFill>
+                <a:latin typeface="+mn-lt"/>
+                <a:ea typeface="+mn-ea"/>
+                <a:cs typeface="+mn-cs"/>
+              </a:defRPr>
+            </a:lvl6pPr>
+            <a:lvl7pPr marL="2743200" algn="l" defTabSz="914400" rtl="0" eaLnBrk="1" latinLnBrk="0" hangingPunct="1">
+              <a:defRPr sz="1800" kern="1200">
+                <a:solidFill>
+                  <a:schemeClr val="lt1"/>
+                </a:solidFill>
+                <a:latin typeface="+mn-lt"/>
+                <a:ea typeface="+mn-ea"/>
+                <a:cs typeface="+mn-cs"/>
+              </a:defRPr>
+            </a:lvl7pPr>
+            <a:lvl8pPr marL="3200400" algn="l" defTabSz="914400" rtl="0" eaLnBrk="1" latinLnBrk="0" hangingPunct="1">
+              <a:defRPr sz="1800" kern="1200">
+                <a:solidFill>
+                  <a:schemeClr val="lt1"/>
+                </a:solidFill>
+                <a:latin typeface="+mn-lt"/>
+                <a:ea typeface="+mn-ea"/>
+                <a:cs typeface="+mn-cs"/>
+              </a:defRPr>
+            </a:lvl8pPr>
+            <a:lvl9pPr marL="3657600" algn="l" defTabSz="914400" rtl="0" eaLnBrk="1" latinLnBrk="0" hangingPunct="1">
+              <a:defRPr sz="1800" kern="1200">
+                <a:solidFill>
+                  <a:schemeClr val="lt1"/>
+                </a:solidFill>
+                <a:latin typeface="+mn-lt"/>
+                <a:ea typeface="+mn-ea"/>
+                <a:cs typeface="+mn-cs"/>
+              </a:defRPr>
+            </a:lvl9pPr>
+          </a:lstStyle>
           <a:p>
             <a:pPr algn="ctr"/>
             <a:endParaRPr lang="en-US" sz="1372"/>
@@ -3384,10 +3353,10 @@
       </p:sp>
       <p:sp>
         <p:nvSpPr>
-          <p:cNvPr id="65" name="TextBox 64">
+          <p:cNvPr id="14" name="TextBox 3">
             <a:extLst>
               <a:ext uri="{FF2B5EF4-FFF2-40B4-BE49-F238E27FC236}">
-                <a16:creationId xmlns:a16="http://schemas.microsoft.com/office/drawing/2014/main" id="{1557ABEB-5D05-4619-970D-C0DCC800E4EE}"/>
+                <a16:creationId xmlns:a16="http://schemas.microsoft.com/office/drawing/2014/main" id="{DBA6053D-382F-40BC-A6BB-EBFF64E52C2D}"/>
               </a:ext>
             </a:extLst>
           </p:cNvPr>
@@ -3396,7 +3365,7 @@
         </p:nvSpPr>
         <p:spPr>
           <a:xfrm>
-            <a:off x="9235964" y="1589990"/>
+            <a:off x="4145345" y="1287264"/>
             <a:ext cx="639919" cy="303481"/>
           </a:xfrm>
           <a:prstGeom prst="rect">
@@ -3408,7 +3377,101 @@
           <a:bodyPr wrap="none" rtlCol="0">
             <a:spAutoFit/>
           </a:bodyPr>
-          <a:lstStyle/>
+          <a:lstStyle>
+            <a:defPPr>
+              <a:defRPr lang="en-US"/>
+            </a:defPPr>
+            <a:lvl1pPr marL="0" algn="l" defTabSz="914400" rtl="0" eaLnBrk="1" latinLnBrk="0" hangingPunct="1">
+              <a:defRPr sz="1800" kern="1200">
+                <a:solidFill>
+                  <a:schemeClr val="tx1"/>
+                </a:solidFill>
+                <a:latin typeface="+mn-lt"/>
+                <a:ea typeface="+mn-ea"/>
+                <a:cs typeface="+mn-cs"/>
+              </a:defRPr>
+            </a:lvl1pPr>
+            <a:lvl2pPr marL="457200" algn="l" defTabSz="914400" rtl="0" eaLnBrk="1" latinLnBrk="0" hangingPunct="1">
+              <a:defRPr sz="1800" kern="1200">
+                <a:solidFill>
+                  <a:schemeClr val="tx1"/>
+                </a:solidFill>
+                <a:latin typeface="+mn-lt"/>
+                <a:ea typeface="+mn-ea"/>
+                <a:cs typeface="+mn-cs"/>
+              </a:defRPr>
+            </a:lvl2pPr>
+            <a:lvl3pPr marL="914400" algn="l" defTabSz="914400" rtl="0" eaLnBrk="1" latinLnBrk="0" hangingPunct="1">
+              <a:defRPr sz="1800" kern="1200">
+                <a:solidFill>
+                  <a:schemeClr val="tx1"/>
+                </a:solidFill>
+                <a:latin typeface="+mn-lt"/>
+                <a:ea typeface="+mn-ea"/>
+                <a:cs typeface="+mn-cs"/>
+              </a:defRPr>
+            </a:lvl3pPr>
+            <a:lvl4pPr marL="1371600" algn="l" defTabSz="914400" rtl="0" eaLnBrk="1" latinLnBrk="0" hangingPunct="1">
+              <a:defRPr sz="1800" kern="1200">
+                <a:solidFill>
+                  <a:schemeClr val="tx1"/>
+                </a:solidFill>
+                <a:latin typeface="+mn-lt"/>
+                <a:ea typeface="+mn-ea"/>
+                <a:cs typeface="+mn-cs"/>
+              </a:defRPr>
+            </a:lvl4pPr>
+            <a:lvl5pPr marL="1828800" algn="l" defTabSz="914400" rtl="0" eaLnBrk="1" latinLnBrk="0" hangingPunct="1">
+              <a:defRPr sz="1800" kern="1200">
+                <a:solidFill>
+                  <a:schemeClr val="tx1"/>
+                </a:solidFill>
+                <a:latin typeface="+mn-lt"/>
+                <a:ea typeface="+mn-ea"/>
+                <a:cs typeface="+mn-cs"/>
+              </a:defRPr>
+            </a:lvl5pPr>
+            <a:lvl6pPr marL="2286000" algn="l" defTabSz="914400" rtl="0" eaLnBrk="1" latinLnBrk="0" hangingPunct="1">
+              <a:defRPr sz="1800" kern="1200">
+                <a:solidFill>
+                  <a:schemeClr val="tx1"/>
+                </a:solidFill>
+                <a:latin typeface="+mn-lt"/>
+                <a:ea typeface="+mn-ea"/>
+                <a:cs typeface="+mn-cs"/>
+              </a:defRPr>
+            </a:lvl6pPr>
+            <a:lvl7pPr marL="2743200" algn="l" defTabSz="914400" rtl="0" eaLnBrk="1" latinLnBrk="0" hangingPunct="1">
+              <a:defRPr sz="1800" kern="1200">
+                <a:solidFill>
+                  <a:schemeClr val="tx1"/>
+                </a:solidFill>
+                <a:latin typeface="+mn-lt"/>
+                <a:ea typeface="+mn-ea"/>
+                <a:cs typeface="+mn-cs"/>
+              </a:defRPr>
+            </a:lvl7pPr>
+            <a:lvl8pPr marL="3200400" algn="l" defTabSz="914400" rtl="0" eaLnBrk="1" latinLnBrk="0" hangingPunct="1">
+              <a:defRPr sz="1800" kern="1200">
+                <a:solidFill>
+                  <a:schemeClr val="tx1"/>
+                </a:solidFill>
+                <a:latin typeface="+mn-lt"/>
+                <a:ea typeface="+mn-ea"/>
+                <a:cs typeface="+mn-cs"/>
+              </a:defRPr>
+            </a:lvl8pPr>
+            <a:lvl9pPr marL="3657600" algn="l" defTabSz="914400" rtl="0" eaLnBrk="1" latinLnBrk="0" hangingPunct="1">
+              <a:defRPr sz="1800" kern="1200">
+                <a:solidFill>
+                  <a:schemeClr val="tx1"/>
+                </a:solidFill>
+                <a:latin typeface="+mn-lt"/>
+                <a:ea typeface="+mn-ea"/>
+                <a:cs typeface="+mn-cs"/>
+              </a:defRPr>
+            </a:lvl9pPr>
+          </a:lstStyle>
           <a:p>
             <a:r>
               <a:rPr lang="en-US" sz="1372" b="1" i="1" dirty="0">
@@ -3423,10 +3486,10 @@
       </p:sp>
       <p:sp>
         <p:nvSpPr>
-          <p:cNvPr id="66" name="Rounded Rectangle 31">
+          <p:cNvPr id="15" name="Right Arrow 21">
             <a:extLst>
               <a:ext uri="{FF2B5EF4-FFF2-40B4-BE49-F238E27FC236}">
-                <a16:creationId xmlns:a16="http://schemas.microsoft.com/office/drawing/2014/main" id="{91E3641F-66F9-49A0-BBD1-B7396D7FE14B}"/>
+                <a16:creationId xmlns:a16="http://schemas.microsoft.com/office/drawing/2014/main" id="{121A9F91-57E1-44B3-ABC4-46259DB9D38E}"/>
               </a:ext>
             </a:extLst>
           </p:cNvPr>
@@ -3435,8 +3498,429 @@
         </p:nvSpPr>
         <p:spPr>
           <a:xfrm>
-            <a:off x="8766313" y="1504890"/>
-            <a:ext cx="1650319" cy="853997"/>
+            <a:off x="5392159" y="1430513"/>
+            <a:ext cx="510152" cy="253427"/>
+          </a:xfrm>
+          <a:prstGeom prst="rightArrow">
+            <a:avLst/>
+          </a:prstGeom>
+        </p:spPr>
+        <p:style>
+          <a:lnRef idx="1">
+            <a:schemeClr val="accent1"/>
+          </a:lnRef>
+          <a:fillRef idx="3">
+            <a:schemeClr val="accent1"/>
+          </a:fillRef>
+          <a:effectRef idx="2">
+            <a:schemeClr val="accent1"/>
+          </a:effectRef>
+          <a:fontRef idx="minor">
+            <a:schemeClr val="lt1"/>
+          </a:fontRef>
+        </p:style>
+        <p:txBody>
+          <a:bodyPr rot="0" spcFirstLastPara="0" vert="horz" wrap="square" lIns="69681" tIns="34840" rIns="69681" bIns="34840" numCol="1" spcCol="0" rtlCol="0" fromWordArt="0" anchor="ctr" anchorCtr="0" forceAA="0" compatLnSpc="1">
+            <a:prstTxWarp prst="textNoShape">
+              <a:avLst/>
+            </a:prstTxWarp>
+            <a:noAutofit/>
+          </a:bodyPr>
+          <a:lstStyle>
+            <a:defPPr>
+              <a:defRPr lang="en-US"/>
+            </a:defPPr>
+            <a:lvl1pPr marL="0" algn="l" defTabSz="914400" rtl="0" eaLnBrk="1" latinLnBrk="0" hangingPunct="1">
+              <a:defRPr sz="1800" kern="1200">
+                <a:solidFill>
+                  <a:schemeClr val="lt1"/>
+                </a:solidFill>
+                <a:latin typeface="+mn-lt"/>
+                <a:ea typeface="+mn-ea"/>
+                <a:cs typeface="+mn-cs"/>
+              </a:defRPr>
+            </a:lvl1pPr>
+            <a:lvl2pPr marL="457200" algn="l" defTabSz="914400" rtl="0" eaLnBrk="1" latinLnBrk="0" hangingPunct="1">
+              <a:defRPr sz="1800" kern="1200">
+                <a:solidFill>
+                  <a:schemeClr val="lt1"/>
+                </a:solidFill>
+                <a:latin typeface="+mn-lt"/>
+                <a:ea typeface="+mn-ea"/>
+                <a:cs typeface="+mn-cs"/>
+              </a:defRPr>
+            </a:lvl2pPr>
+            <a:lvl3pPr marL="914400" algn="l" defTabSz="914400" rtl="0" eaLnBrk="1" latinLnBrk="0" hangingPunct="1">
+              <a:defRPr sz="1800" kern="1200">
+                <a:solidFill>
+                  <a:schemeClr val="lt1"/>
+                </a:solidFill>
+                <a:latin typeface="+mn-lt"/>
+                <a:ea typeface="+mn-ea"/>
+                <a:cs typeface="+mn-cs"/>
+              </a:defRPr>
+            </a:lvl3pPr>
+            <a:lvl4pPr marL="1371600" algn="l" defTabSz="914400" rtl="0" eaLnBrk="1" latinLnBrk="0" hangingPunct="1">
+              <a:defRPr sz="1800" kern="1200">
+                <a:solidFill>
+                  <a:schemeClr val="lt1"/>
+                </a:solidFill>
+                <a:latin typeface="+mn-lt"/>
+                <a:ea typeface="+mn-ea"/>
+                <a:cs typeface="+mn-cs"/>
+              </a:defRPr>
+            </a:lvl4pPr>
+            <a:lvl5pPr marL="1828800" algn="l" defTabSz="914400" rtl="0" eaLnBrk="1" latinLnBrk="0" hangingPunct="1">
+              <a:defRPr sz="1800" kern="1200">
+                <a:solidFill>
+                  <a:schemeClr val="lt1"/>
+                </a:solidFill>
+                <a:latin typeface="+mn-lt"/>
+                <a:ea typeface="+mn-ea"/>
+                <a:cs typeface="+mn-cs"/>
+              </a:defRPr>
+            </a:lvl5pPr>
+            <a:lvl6pPr marL="2286000" algn="l" defTabSz="914400" rtl="0" eaLnBrk="1" latinLnBrk="0" hangingPunct="1">
+              <a:defRPr sz="1800" kern="1200">
+                <a:solidFill>
+                  <a:schemeClr val="lt1"/>
+                </a:solidFill>
+                <a:latin typeface="+mn-lt"/>
+                <a:ea typeface="+mn-ea"/>
+                <a:cs typeface="+mn-cs"/>
+              </a:defRPr>
+            </a:lvl6pPr>
+            <a:lvl7pPr marL="2743200" algn="l" defTabSz="914400" rtl="0" eaLnBrk="1" latinLnBrk="0" hangingPunct="1">
+              <a:defRPr sz="1800" kern="1200">
+                <a:solidFill>
+                  <a:schemeClr val="lt1"/>
+                </a:solidFill>
+                <a:latin typeface="+mn-lt"/>
+                <a:ea typeface="+mn-ea"/>
+                <a:cs typeface="+mn-cs"/>
+              </a:defRPr>
+            </a:lvl7pPr>
+            <a:lvl8pPr marL="3200400" algn="l" defTabSz="914400" rtl="0" eaLnBrk="1" latinLnBrk="0" hangingPunct="1">
+              <a:defRPr sz="1800" kern="1200">
+                <a:solidFill>
+                  <a:schemeClr val="lt1"/>
+                </a:solidFill>
+                <a:latin typeface="+mn-lt"/>
+                <a:ea typeface="+mn-ea"/>
+                <a:cs typeface="+mn-cs"/>
+              </a:defRPr>
+            </a:lvl8pPr>
+            <a:lvl9pPr marL="3657600" algn="l" defTabSz="914400" rtl="0" eaLnBrk="1" latinLnBrk="0" hangingPunct="1">
+              <a:defRPr sz="1800" kern="1200">
+                <a:solidFill>
+                  <a:schemeClr val="lt1"/>
+                </a:solidFill>
+                <a:latin typeface="+mn-lt"/>
+                <a:ea typeface="+mn-ea"/>
+                <a:cs typeface="+mn-cs"/>
+              </a:defRPr>
+            </a:lvl9pPr>
+          </a:lstStyle>
+          <a:p>
+            <a:pPr algn="ctr"/>
+            <a:endParaRPr lang="en-US" sz="1372">
+              <a:ln w="0"/>
+              <a:solidFill>
+                <a:schemeClr val="accent1"/>
+              </a:solidFill>
+              <a:effectLst>
+                <a:outerShdw blurRad="38100" dist="25400" dir="5400000" algn="ctr" rotWithShape="0">
+                  <a:srgbClr val="6E747A">
+                    <a:alpha val="43000"/>
+                  </a:srgbClr>
+                </a:outerShdw>
+              </a:effectLst>
+            </a:endParaRPr>
+          </a:p>
+        </p:txBody>
+      </p:sp>
+      <p:sp>
+        <p:nvSpPr>
+          <p:cNvPr id="16" name="TextBox 6">
+            <a:extLst>
+              <a:ext uri="{FF2B5EF4-FFF2-40B4-BE49-F238E27FC236}">
+                <a16:creationId xmlns:a16="http://schemas.microsoft.com/office/drawing/2014/main" id="{4ADC46AF-9F7F-45D0-BE17-61EBAE755FBB}"/>
+              </a:ext>
+            </a:extLst>
+          </p:cNvPr>
+          <p:cNvSpPr txBox="1"/>
+          <p:nvPr/>
+        </p:nvSpPr>
+        <p:spPr>
+          <a:xfrm>
+            <a:off x="5287455" y="1192558"/>
+            <a:ext cx="838756" cy="303481"/>
+          </a:xfrm>
+          <a:prstGeom prst="rect">
+            <a:avLst/>
+          </a:prstGeom>
+          <a:noFill/>
+        </p:spPr>
+        <p:txBody>
+          <a:bodyPr wrap="none" rtlCol="0">
+            <a:spAutoFit/>
+          </a:bodyPr>
+          <a:lstStyle>
+            <a:defPPr>
+              <a:defRPr lang="en-US"/>
+            </a:defPPr>
+            <a:lvl1pPr marL="0" algn="l" defTabSz="914400" rtl="0" eaLnBrk="1" latinLnBrk="0" hangingPunct="1">
+              <a:defRPr sz="1800" kern="1200">
+                <a:solidFill>
+                  <a:schemeClr val="tx1"/>
+                </a:solidFill>
+                <a:latin typeface="+mn-lt"/>
+                <a:ea typeface="+mn-ea"/>
+                <a:cs typeface="+mn-cs"/>
+              </a:defRPr>
+            </a:lvl1pPr>
+            <a:lvl2pPr marL="457200" algn="l" defTabSz="914400" rtl="0" eaLnBrk="1" latinLnBrk="0" hangingPunct="1">
+              <a:defRPr sz="1800" kern="1200">
+                <a:solidFill>
+                  <a:schemeClr val="tx1"/>
+                </a:solidFill>
+                <a:latin typeface="+mn-lt"/>
+                <a:ea typeface="+mn-ea"/>
+                <a:cs typeface="+mn-cs"/>
+              </a:defRPr>
+            </a:lvl2pPr>
+            <a:lvl3pPr marL="914400" algn="l" defTabSz="914400" rtl="0" eaLnBrk="1" latinLnBrk="0" hangingPunct="1">
+              <a:defRPr sz="1800" kern="1200">
+                <a:solidFill>
+                  <a:schemeClr val="tx1"/>
+                </a:solidFill>
+                <a:latin typeface="+mn-lt"/>
+                <a:ea typeface="+mn-ea"/>
+                <a:cs typeface="+mn-cs"/>
+              </a:defRPr>
+            </a:lvl3pPr>
+            <a:lvl4pPr marL="1371600" algn="l" defTabSz="914400" rtl="0" eaLnBrk="1" latinLnBrk="0" hangingPunct="1">
+              <a:defRPr sz="1800" kern="1200">
+                <a:solidFill>
+                  <a:schemeClr val="tx1"/>
+                </a:solidFill>
+                <a:latin typeface="+mn-lt"/>
+                <a:ea typeface="+mn-ea"/>
+                <a:cs typeface="+mn-cs"/>
+              </a:defRPr>
+            </a:lvl4pPr>
+            <a:lvl5pPr marL="1828800" algn="l" defTabSz="914400" rtl="0" eaLnBrk="1" latinLnBrk="0" hangingPunct="1">
+              <a:defRPr sz="1800" kern="1200">
+                <a:solidFill>
+                  <a:schemeClr val="tx1"/>
+                </a:solidFill>
+                <a:latin typeface="+mn-lt"/>
+                <a:ea typeface="+mn-ea"/>
+                <a:cs typeface="+mn-cs"/>
+              </a:defRPr>
+            </a:lvl5pPr>
+            <a:lvl6pPr marL="2286000" algn="l" defTabSz="914400" rtl="0" eaLnBrk="1" latinLnBrk="0" hangingPunct="1">
+              <a:defRPr sz="1800" kern="1200">
+                <a:solidFill>
+                  <a:schemeClr val="tx1"/>
+                </a:solidFill>
+                <a:latin typeface="+mn-lt"/>
+                <a:ea typeface="+mn-ea"/>
+                <a:cs typeface="+mn-cs"/>
+              </a:defRPr>
+            </a:lvl6pPr>
+            <a:lvl7pPr marL="2743200" algn="l" defTabSz="914400" rtl="0" eaLnBrk="1" latinLnBrk="0" hangingPunct="1">
+              <a:defRPr sz="1800" kern="1200">
+                <a:solidFill>
+                  <a:schemeClr val="tx1"/>
+                </a:solidFill>
+                <a:latin typeface="+mn-lt"/>
+                <a:ea typeface="+mn-ea"/>
+                <a:cs typeface="+mn-cs"/>
+              </a:defRPr>
+            </a:lvl7pPr>
+            <a:lvl8pPr marL="3200400" algn="l" defTabSz="914400" rtl="0" eaLnBrk="1" latinLnBrk="0" hangingPunct="1">
+              <a:defRPr sz="1800" kern="1200">
+                <a:solidFill>
+                  <a:schemeClr val="tx1"/>
+                </a:solidFill>
+                <a:latin typeface="+mn-lt"/>
+                <a:ea typeface="+mn-ea"/>
+                <a:cs typeface="+mn-cs"/>
+              </a:defRPr>
+            </a:lvl8pPr>
+            <a:lvl9pPr marL="3657600" algn="l" defTabSz="914400" rtl="0" eaLnBrk="1" latinLnBrk="0" hangingPunct="1">
+              <a:defRPr sz="1800" kern="1200">
+                <a:solidFill>
+                  <a:schemeClr val="tx1"/>
+                </a:solidFill>
+                <a:latin typeface="+mn-lt"/>
+                <a:ea typeface="+mn-ea"/>
+                <a:cs typeface="+mn-cs"/>
+              </a:defRPr>
+            </a:lvl9pPr>
+          </a:lstStyle>
+          <a:p>
+            <a:r>
+              <a:rPr lang="en-US" sz="1372" b="1" dirty="0">
+                <a:solidFill>
+                  <a:schemeClr val="accent1"/>
+                </a:solidFill>
+              </a:rPr>
+              <a:t>PROVIDE</a:t>
+            </a:r>
+          </a:p>
+        </p:txBody>
+      </p:sp>
+      <p:sp>
+        <p:nvSpPr>
+          <p:cNvPr id="17" name="TextBox 7">
+            <a:extLst>
+              <a:ext uri="{FF2B5EF4-FFF2-40B4-BE49-F238E27FC236}">
+                <a16:creationId xmlns:a16="http://schemas.microsoft.com/office/drawing/2014/main" id="{FF499AE0-39F9-4A7E-A432-0E348C62BE45}"/>
+              </a:ext>
+            </a:extLst>
+          </p:cNvPr>
+          <p:cNvSpPr txBox="1"/>
+          <p:nvPr/>
+        </p:nvSpPr>
+        <p:spPr>
+          <a:xfrm>
+            <a:off x="6825045" y="1223764"/>
+            <a:ext cx="1149674" cy="303481"/>
+          </a:xfrm>
+          <a:prstGeom prst="rect">
+            <a:avLst/>
+          </a:prstGeom>
+          <a:noFill/>
+        </p:spPr>
+        <p:txBody>
+          <a:bodyPr wrap="none" rtlCol="0">
+            <a:spAutoFit/>
+          </a:bodyPr>
+          <a:lstStyle>
+            <a:defPPr>
+              <a:defRPr lang="en-US"/>
+            </a:defPPr>
+            <a:lvl1pPr marL="0" algn="l" defTabSz="914400" rtl="0" eaLnBrk="1" latinLnBrk="0" hangingPunct="1">
+              <a:defRPr sz="1800" kern="1200">
+                <a:solidFill>
+                  <a:schemeClr val="tx1"/>
+                </a:solidFill>
+                <a:latin typeface="+mn-lt"/>
+                <a:ea typeface="+mn-ea"/>
+                <a:cs typeface="+mn-cs"/>
+              </a:defRPr>
+            </a:lvl1pPr>
+            <a:lvl2pPr marL="457200" algn="l" defTabSz="914400" rtl="0" eaLnBrk="1" latinLnBrk="0" hangingPunct="1">
+              <a:defRPr sz="1800" kern="1200">
+                <a:solidFill>
+                  <a:schemeClr val="tx1"/>
+                </a:solidFill>
+                <a:latin typeface="+mn-lt"/>
+                <a:ea typeface="+mn-ea"/>
+                <a:cs typeface="+mn-cs"/>
+              </a:defRPr>
+            </a:lvl2pPr>
+            <a:lvl3pPr marL="914400" algn="l" defTabSz="914400" rtl="0" eaLnBrk="1" latinLnBrk="0" hangingPunct="1">
+              <a:defRPr sz="1800" kern="1200">
+                <a:solidFill>
+                  <a:schemeClr val="tx1"/>
+                </a:solidFill>
+                <a:latin typeface="+mn-lt"/>
+                <a:ea typeface="+mn-ea"/>
+                <a:cs typeface="+mn-cs"/>
+              </a:defRPr>
+            </a:lvl3pPr>
+            <a:lvl4pPr marL="1371600" algn="l" defTabSz="914400" rtl="0" eaLnBrk="1" latinLnBrk="0" hangingPunct="1">
+              <a:defRPr sz="1800" kern="1200">
+                <a:solidFill>
+                  <a:schemeClr val="tx1"/>
+                </a:solidFill>
+                <a:latin typeface="+mn-lt"/>
+                <a:ea typeface="+mn-ea"/>
+                <a:cs typeface="+mn-cs"/>
+              </a:defRPr>
+            </a:lvl4pPr>
+            <a:lvl5pPr marL="1828800" algn="l" defTabSz="914400" rtl="0" eaLnBrk="1" latinLnBrk="0" hangingPunct="1">
+              <a:defRPr sz="1800" kern="1200">
+                <a:solidFill>
+                  <a:schemeClr val="tx1"/>
+                </a:solidFill>
+                <a:latin typeface="+mn-lt"/>
+                <a:ea typeface="+mn-ea"/>
+                <a:cs typeface="+mn-cs"/>
+              </a:defRPr>
+            </a:lvl5pPr>
+            <a:lvl6pPr marL="2286000" algn="l" defTabSz="914400" rtl="0" eaLnBrk="1" latinLnBrk="0" hangingPunct="1">
+              <a:defRPr sz="1800" kern="1200">
+                <a:solidFill>
+                  <a:schemeClr val="tx1"/>
+                </a:solidFill>
+                <a:latin typeface="+mn-lt"/>
+                <a:ea typeface="+mn-ea"/>
+                <a:cs typeface="+mn-cs"/>
+              </a:defRPr>
+            </a:lvl6pPr>
+            <a:lvl7pPr marL="2743200" algn="l" defTabSz="914400" rtl="0" eaLnBrk="1" latinLnBrk="0" hangingPunct="1">
+              <a:defRPr sz="1800" kern="1200">
+                <a:solidFill>
+                  <a:schemeClr val="tx1"/>
+                </a:solidFill>
+                <a:latin typeface="+mn-lt"/>
+                <a:ea typeface="+mn-ea"/>
+                <a:cs typeface="+mn-cs"/>
+              </a:defRPr>
+            </a:lvl7pPr>
+            <a:lvl8pPr marL="3200400" algn="l" defTabSz="914400" rtl="0" eaLnBrk="1" latinLnBrk="0" hangingPunct="1">
+              <a:defRPr sz="1800" kern="1200">
+                <a:solidFill>
+                  <a:schemeClr val="tx1"/>
+                </a:solidFill>
+                <a:latin typeface="+mn-lt"/>
+                <a:ea typeface="+mn-ea"/>
+                <a:cs typeface="+mn-cs"/>
+              </a:defRPr>
+            </a:lvl8pPr>
+            <a:lvl9pPr marL="3657600" algn="l" defTabSz="914400" rtl="0" eaLnBrk="1" latinLnBrk="0" hangingPunct="1">
+              <a:defRPr sz="1800" kern="1200">
+                <a:solidFill>
+                  <a:schemeClr val="tx1"/>
+                </a:solidFill>
+                <a:latin typeface="+mn-lt"/>
+                <a:ea typeface="+mn-ea"/>
+                <a:cs typeface="+mn-cs"/>
+              </a:defRPr>
+            </a:lvl9pPr>
+          </a:lstStyle>
+          <a:p>
+            <a:r>
+              <a:rPr lang="en-US" sz="1372" b="1" i="1" dirty="0">
+                <a:solidFill>
+                  <a:srgbClr val="FF0000"/>
+                </a:solidFill>
+              </a:rPr>
+              <a:t>&lt;navigation&gt;</a:t>
+            </a:r>
+          </a:p>
+        </p:txBody>
+      </p:sp>
+      <p:sp>
+        <p:nvSpPr>
+          <p:cNvPr id="18" name="Rounded Rectangle 4">
+            <a:extLst>
+              <a:ext uri="{FF2B5EF4-FFF2-40B4-BE49-F238E27FC236}">
+                <a16:creationId xmlns:a16="http://schemas.microsoft.com/office/drawing/2014/main" id="{E71D95A2-4801-411B-8E13-60570F6FDEB8}"/>
+              </a:ext>
+            </a:extLst>
+          </p:cNvPr>
+          <p:cNvSpPr/>
+          <p:nvPr/>
+        </p:nvSpPr>
+        <p:spPr>
+          <a:xfrm>
+            <a:off x="6599754" y="1116683"/>
+            <a:ext cx="1650319" cy="567257"/>
           </a:xfrm>
           <a:prstGeom prst="roundRect">
             <a:avLst/>
@@ -3467,7 +3951,101 @@
         </p:style>
         <p:txBody>
           <a:bodyPr rtlCol="0" anchor="ctr"/>
-          <a:lstStyle/>
+          <a:lstStyle>
+            <a:defPPr>
+              <a:defRPr lang="en-US"/>
+            </a:defPPr>
+            <a:lvl1pPr marL="0" algn="l" defTabSz="914400" rtl="0" eaLnBrk="1" latinLnBrk="0" hangingPunct="1">
+              <a:defRPr sz="1800" kern="1200">
+                <a:solidFill>
+                  <a:schemeClr val="lt1"/>
+                </a:solidFill>
+                <a:latin typeface="+mn-lt"/>
+                <a:ea typeface="+mn-ea"/>
+                <a:cs typeface="+mn-cs"/>
+              </a:defRPr>
+            </a:lvl1pPr>
+            <a:lvl2pPr marL="457200" algn="l" defTabSz="914400" rtl="0" eaLnBrk="1" latinLnBrk="0" hangingPunct="1">
+              <a:defRPr sz="1800" kern="1200">
+                <a:solidFill>
+                  <a:schemeClr val="lt1"/>
+                </a:solidFill>
+                <a:latin typeface="+mn-lt"/>
+                <a:ea typeface="+mn-ea"/>
+                <a:cs typeface="+mn-cs"/>
+              </a:defRPr>
+            </a:lvl2pPr>
+            <a:lvl3pPr marL="914400" algn="l" defTabSz="914400" rtl="0" eaLnBrk="1" latinLnBrk="0" hangingPunct="1">
+              <a:defRPr sz="1800" kern="1200">
+                <a:solidFill>
+                  <a:schemeClr val="lt1"/>
+                </a:solidFill>
+                <a:latin typeface="+mn-lt"/>
+                <a:ea typeface="+mn-ea"/>
+                <a:cs typeface="+mn-cs"/>
+              </a:defRPr>
+            </a:lvl3pPr>
+            <a:lvl4pPr marL="1371600" algn="l" defTabSz="914400" rtl="0" eaLnBrk="1" latinLnBrk="0" hangingPunct="1">
+              <a:defRPr sz="1800" kern="1200">
+                <a:solidFill>
+                  <a:schemeClr val="lt1"/>
+                </a:solidFill>
+                <a:latin typeface="+mn-lt"/>
+                <a:ea typeface="+mn-ea"/>
+                <a:cs typeface="+mn-cs"/>
+              </a:defRPr>
+            </a:lvl4pPr>
+            <a:lvl5pPr marL="1828800" algn="l" defTabSz="914400" rtl="0" eaLnBrk="1" latinLnBrk="0" hangingPunct="1">
+              <a:defRPr sz="1800" kern="1200">
+                <a:solidFill>
+                  <a:schemeClr val="lt1"/>
+                </a:solidFill>
+                <a:latin typeface="+mn-lt"/>
+                <a:ea typeface="+mn-ea"/>
+                <a:cs typeface="+mn-cs"/>
+              </a:defRPr>
+            </a:lvl5pPr>
+            <a:lvl6pPr marL="2286000" algn="l" defTabSz="914400" rtl="0" eaLnBrk="1" latinLnBrk="0" hangingPunct="1">
+              <a:defRPr sz="1800" kern="1200">
+                <a:solidFill>
+                  <a:schemeClr val="lt1"/>
+                </a:solidFill>
+                <a:latin typeface="+mn-lt"/>
+                <a:ea typeface="+mn-ea"/>
+                <a:cs typeface="+mn-cs"/>
+              </a:defRPr>
+            </a:lvl6pPr>
+            <a:lvl7pPr marL="2743200" algn="l" defTabSz="914400" rtl="0" eaLnBrk="1" latinLnBrk="0" hangingPunct="1">
+              <a:defRPr sz="1800" kern="1200">
+                <a:solidFill>
+                  <a:schemeClr val="lt1"/>
+                </a:solidFill>
+                <a:latin typeface="+mn-lt"/>
+                <a:ea typeface="+mn-ea"/>
+                <a:cs typeface="+mn-cs"/>
+              </a:defRPr>
+            </a:lvl7pPr>
+            <a:lvl8pPr marL="3200400" algn="l" defTabSz="914400" rtl="0" eaLnBrk="1" latinLnBrk="0" hangingPunct="1">
+              <a:defRPr sz="1800" kern="1200">
+                <a:solidFill>
+                  <a:schemeClr val="lt1"/>
+                </a:solidFill>
+                <a:latin typeface="+mn-lt"/>
+                <a:ea typeface="+mn-ea"/>
+                <a:cs typeface="+mn-cs"/>
+              </a:defRPr>
+            </a:lvl8pPr>
+            <a:lvl9pPr marL="3657600" algn="l" defTabSz="914400" rtl="0" eaLnBrk="1" latinLnBrk="0" hangingPunct="1">
+              <a:defRPr sz="1800" kern="1200">
+                <a:solidFill>
+                  <a:schemeClr val="lt1"/>
+                </a:solidFill>
+                <a:latin typeface="+mn-lt"/>
+                <a:ea typeface="+mn-ea"/>
+                <a:cs typeface="+mn-cs"/>
+              </a:defRPr>
+            </a:lvl9pPr>
+          </a:lstStyle>
           <a:p>
             <a:pPr algn="ctr"/>
             <a:endParaRPr lang="en-US" sz="1372"/>
@@ -3476,49 +4054,10 @@
       </p:sp>
       <p:sp>
         <p:nvSpPr>
-          <p:cNvPr id="67" name="TextBox 66">
+          <p:cNvPr id="19" name="Rounded Rectangle 4">
             <a:extLst>
               <a:ext uri="{FF2B5EF4-FFF2-40B4-BE49-F238E27FC236}">
-                <a16:creationId xmlns:a16="http://schemas.microsoft.com/office/drawing/2014/main" id="{81CE266F-1308-4FAF-9078-25288F0C0BF9}"/>
-              </a:ext>
-            </a:extLst>
-          </p:cNvPr>
-          <p:cNvSpPr txBox="1"/>
-          <p:nvPr/>
-        </p:nvSpPr>
-        <p:spPr>
-          <a:xfrm>
-            <a:off x="9235963" y="1912311"/>
-            <a:ext cx="587020" cy="303481"/>
-          </a:xfrm>
-          <a:prstGeom prst="rect">
-            <a:avLst/>
-          </a:prstGeom>
-          <a:noFill/>
-        </p:spPr>
-        <p:txBody>
-          <a:bodyPr wrap="none" rtlCol="0">
-            <a:spAutoFit/>
-          </a:bodyPr>
-          <a:lstStyle/>
-          <a:p>
-            <a:r>
-              <a:rPr lang="en-US" sz="1372" b="1" i="1" dirty="0">
-                <a:solidFill>
-                  <a:srgbClr val="FF0000"/>
-                </a:solidFill>
-              </a:rPr>
-              <a:t>Users</a:t>
-            </a:r>
-          </a:p>
-        </p:txBody>
-      </p:sp>
-      <p:sp>
-        <p:nvSpPr>
-          <p:cNvPr id="68" name="Arrow: Down 67">
-            <a:extLst>
-              <a:ext uri="{FF2B5EF4-FFF2-40B4-BE49-F238E27FC236}">
-                <a16:creationId xmlns:a16="http://schemas.microsoft.com/office/drawing/2014/main" id="{DA179539-066A-405E-B2C4-069860F42824}"/>
+                <a16:creationId xmlns:a16="http://schemas.microsoft.com/office/drawing/2014/main" id="{32ADA94A-27F9-4D5A-B400-CA07138373C9}"/>
               </a:ext>
             </a:extLst>
           </p:cNvPr>
@@ -3526,312 +4065,9 @@
           <p:nvPr/>
         </p:nvSpPr>
         <p:spPr>
-          <a:xfrm rot="16200000">
-            <a:off x="6809452" y="1153364"/>
-            <a:ext cx="172192" cy="1293450"/>
-          </a:xfrm>
-          <a:prstGeom prst="downArrow">
-            <a:avLst/>
-          </a:prstGeom>
-        </p:spPr>
-        <p:style>
-          <a:lnRef idx="2">
-            <a:schemeClr val="accent6">
-              <a:shade val="50000"/>
-            </a:schemeClr>
-          </a:lnRef>
-          <a:fillRef idx="1">
-            <a:schemeClr val="accent6"/>
-          </a:fillRef>
-          <a:effectRef idx="0">
-            <a:schemeClr val="accent6"/>
-          </a:effectRef>
-          <a:fontRef idx="minor">
-            <a:schemeClr val="lt1"/>
-          </a:fontRef>
-        </p:style>
-        <p:txBody>
-          <a:bodyPr rtlCol="0" anchor="ctr"/>
-          <a:lstStyle/>
-          <a:p>
-            <a:pPr algn="ctr"/>
-            <a:endParaRPr lang="en-US">
-              <a:solidFill>
-                <a:srgbClr val="FF0000"/>
-              </a:solidFill>
-            </a:endParaRPr>
-          </a:p>
-        </p:txBody>
-      </p:sp>
-      <p:sp>
-        <p:nvSpPr>
-          <p:cNvPr id="69" name="TextBox 68">
-            <a:extLst>
-              <a:ext uri="{FF2B5EF4-FFF2-40B4-BE49-F238E27FC236}">
-                <a16:creationId xmlns:a16="http://schemas.microsoft.com/office/drawing/2014/main" id="{EEDFFC01-625E-4B9B-B8AF-1ECEB30C6B9F}"/>
-              </a:ext>
-            </a:extLst>
-          </p:cNvPr>
-          <p:cNvSpPr txBox="1"/>
-          <p:nvPr/>
-        </p:nvSpPr>
-        <p:spPr>
           <a:xfrm>
-            <a:off x="6385425" y="1819423"/>
-            <a:ext cx="849913" cy="338554"/>
-          </a:xfrm>
-          <a:prstGeom prst="rect">
-            <a:avLst/>
-          </a:prstGeom>
-          <a:noFill/>
-        </p:spPr>
-        <p:txBody>
-          <a:bodyPr wrap="square" rtlCol="0">
-            <a:spAutoFit/>
-          </a:bodyPr>
-          <a:lstStyle/>
-          <a:p>
-            <a:r>
-              <a:rPr lang="en-US" sz="1600" dirty="0"/>
-              <a:t>user</a:t>
-            </a:r>
-          </a:p>
-        </p:txBody>
-      </p:sp>
-      <p:sp>
-        <p:nvSpPr>
-          <p:cNvPr id="70" name="TextBox 69">
-            <a:extLst>
-              <a:ext uri="{FF2B5EF4-FFF2-40B4-BE49-F238E27FC236}">
-                <a16:creationId xmlns:a16="http://schemas.microsoft.com/office/drawing/2014/main" id="{E56F69CA-2766-4032-AF6E-FC1682D0EB91}"/>
-              </a:ext>
-            </a:extLst>
-          </p:cNvPr>
-          <p:cNvSpPr txBox="1"/>
-          <p:nvPr/>
-        </p:nvSpPr>
-        <p:spPr>
-          <a:xfrm>
-            <a:off x="4293704" y="3273287"/>
-            <a:ext cx="6546574" cy="1200329"/>
-          </a:xfrm>
-          <a:prstGeom prst="rect">
-            <a:avLst/>
-          </a:prstGeom>
-          <a:noFill/>
-        </p:spPr>
-        <p:txBody>
-          <a:bodyPr wrap="square" rtlCol="0">
-            <a:spAutoFit/>
-          </a:bodyPr>
-          <a:lstStyle/>
-          <a:p>
-            <a:r>
-              <a:rPr lang="en-US" dirty="0"/>
-              <a:t>WHAT WILL HAPPENED:</a:t>
-            </a:r>
-          </a:p>
-          <a:p>
-            <a:pPr marL="285750" indent="-285750">
-              <a:buFontTx/>
-              <a:buChar char="-"/>
-            </a:pPr>
-            <a:r>
-              <a:rPr lang="en-US" dirty="0"/>
-              <a:t>Compare or check of email, and password match to the information that we signed before.</a:t>
-            </a:r>
-          </a:p>
-          <a:p>
-            <a:pPr marL="285750" indent="-285750">
-              <a:buFontTx/>
-              <a:buChar char="-"/>
-            </a:pPr>
-            <a:r>
-              <a:rPr lang="en-US" dirty="0"/>
-              <a:t> If email and pass don’t match, cannot login.</a:t>
-            </a:r>
-          </a:p>
-        </p:txBody>
-      </p:sp>
-      <p:sp>
-        <p:nvSpPr>
-          <p:cNvPr id="71" name="TextBox 70">
-            <a:extLst>
-              <a:ext uri="{FF2B5EF4-FFF2-40B4-BE49-F238E27FC236}">
-                <a16:creationId xmlns:a16="http://schemas.microsoft.com/office/drawing/2014/main" id="{B5AA14E7-3E10-4823-BE1C-FC74D4AC4F9A}"/>
-              </a:ext>
-            </a:extLst>
-          </p:cNvPr>
-          <p:cNvSpPr txBox="1"/>
-          <p:nvPr/>
-        </p:nvSpPr>
-        <p:spPr>
-          <a:xfrm>
-            <a:off x="6281528" y="1412635"/>
-            <a:ext cx="523605" cy="307777"/>
-          </a:xfrm>
-          <a:prstGeom prst="rect">
-            <a:avLst/>
-          </a:prstGeom>
-          <a:noFill/>
-        </p:spPr>
-        <p:txBody>
-          <a:bodyPr wrap="none" rtlCol="0">
-            <a:spAutoFit/>
-          </a:bodyPr>
-          <a:lstStyle/>
-          <a:p>
-            <a:r>
-              <a:rPr lang="en-US" sz="1400" b="1" i="1" dirty="0">
-                <a:solidFill>
-                  <a:srgbClr val="FF0000"/>
-                </a:solidFill>
-              </a:rPr>
-              <a:t>Emit</a:t>
-            </a:r>
-          </a:p>
-        </p:txBody>
-      </p:sp>
-    </p:spTree>
-    <p:extLst>
-      <p:ext uri="{BB962C8B-B14F-4D97-AF65-F5344CB8AC3E}">
-        <p14:creationId xmlns:p14="http://schemas.microsoft.com/office/powerpoint/2010/main" val="2923802873"/>
-      </p:ext>
-    </p:extLst>
-  </p:cSld>
-  <p:clrMapOvr>
-    <a:masterClrMapping/>
-  </p:clrMapOvr>
-</p:sld>
-</file>
-
-<file path=ppt/slides/slide3.xml><?xml version="1.0" encoding="utf-8"?>
-<p:sld xmlns:a="http://schemas.openxmlformats.org/drawingml/2006/main" xmlns:r="http://schemas.openxmlformats.org/officeDocument/2006/relationships" xmlns:p="http://schemas.openxmlformats.org/presentationml/2006/main">
-  <p:cSld>
-    <p:spTree>
-      <p:nvGrpSpPr>
-        <p:cNvPr id="1" name=""/>
-        <p:cNvGrpSpPr/>
-        <p:nvPr/>
-      </p:nvGrpSpPr>
-      <p:grpSpPr>
-        <a:xfrm>
-          <a:off x="0" y="0"/>
-          <a:ext cx="0" cy="0"/>
-          <a:chOff x="0" y="0"/>
-          <a:chExt cx="0" cy="0"/>
-        </a:xfrm>
-      </p:grpSpPr>
-      <p:sp>
-        <p:nvSpPr>
-          <p:cNvPr id="2" name="Title 1">
-            <a:extLst>
-              <a:ext uri="{FF2B5EF4-FFF2-40B4-BE49-F238E27FC236}">
-                <a16:creationId xmlns:a16="http://schemas.microsoft.com/office/drawing/2014/main" id="{5DF505AA-43FF-4CD4-90AD-84125007DF24}"/>
-              </a:ext>
-            </a:extLst>
-          </p:cNvPr>
-          <p:cNvSpPr txBox="1">
-            <a:spLocks/>
-          </p:cNvSpPr>
-          <p:nvPr/>
-        </p:nvSpPr>
-        <p:spPr>
-          <a:xfrm>
-            <a:off x="838200" y="365126"/>
-            <a:ext cx="4860235" cy="315912"/>
-          </a:xfrm>
-          <a:prstGeom prst="rect">
-            <a:avLst/>
-          </a:prstGeom>
-        </p:spPr>
-        <p:txBody>
-          <a:bodyPr>
-            <a:normAutofit fontScale="52500" lnSpcReduction="20000"/>
-          </a:bodyPr>
-          <a:lstStyle>
-            <a:lvl1pPr algn="l" defTabSz="914400" rtl="0" eaLnBrk="1" latinLnBrk="0" hangingPunct="1">
-              <a:lnSpc>
-                <a:spcPct val="90000"/>
-              </a:lnSpc>
-              <a:spcBef>
-                <a:spcPct val="0"/>
-              </a:spcBef>
-              <a:buNone/>
-              <a:defRPr sz="4400" kern="1200">
-                <a:solidFill>
-                  <a:schemeClr val="tx1"/>
-                </a:solidFill>
-                <a:latin typeface="+mj-lt"/>
-                <a:ea typeface="+mj-ea"/>
-                <a:cs typeface="+mj-cs"/>
-              </a:defRPr>
-            </a:lvl1pPr>
-          </a:lstStyle>
-          <a:p>
-            <a:r>
-              <a:rPr lang="en-US" sz="3600" b="1"/>
-              <a:t>Sign up Component Diagram</a:t>
-            </a:r>
-            <a:endParaRPr lang="en-US" sz="3600" b="1" dirty="0"/>
-          </a:p>
-        </p:txBody>
-      </p:sp>
-      <p:sp>
-        <p:nvSpPr>
-          <p:cNvPr id="3" name="TextBox 2">
-            <a:extLst>
-              <a:ext uri="{FF2B5EF4-FFF2-40B4-BE49-F238E27FC236}">
-                <a16:creationId xmlns:a16="http://schemas.microsoft.com/office/drawing/2014/main" id="{9E5F5BE2-723C-4B8F-88E4-39218E73EEA8}"/>
-              </a:ext>
-            </a:extLst>
-          </p:cNvPr>
-          <p:cNvSpPr txBox="1"/>
-          <p:nvPr/>
-        </p:nvSpPr>
-        <p:spPr>
-          <a:xfrm>
-            <a:off x="4895877" y="1741731"/>
-            <a:ext cx="921663" cy="303481"/>
-          </a:xfrm>
-          <a:prstGeom prst="rect">
-            <a:avLst/>
-          </a:prstGeom>
-          <a:noFill/>
-        </p:spPr>
-        <p:txBody>
-          <a:bodyPr wrap="none" rtlCol="0">
-            <a:spAutoFit/>
-          </a:bodyPr>
-          <a:lstStyle/>
-          <a:p>
-            <a:r>
-              <a:rPr lang="en-US" sz="1372" b="1" i="1" dirty="0">
-                <a:solidFill>
-                  <a:srgbClr val="FF0000"/>
-                </a:solidFill>
-              </a:rPr>
-              <a:t>&lt;register&gt;</a:t>
-            </a:r>
-          </a:p>
-        </p:txBody>
-      </p:sp>
-      <p:sp>
-        <p:nvSpPr>
-          <p:cNvPr id="4" name="Rounded Rectangle 31">
-            <a:extLst>
-              <a:ext uri="{FF2B5EF4-FFF2-40B4-BE49-F238E27FC236}">
-                <a16:creationId xmlns:a16="http://schemas.microsoft.com/office/drawing/2014/main" id="{B56D2429-851C-4B8E-85B8-1FF4D3C1AEB3}"/>
-              </a:ext>
-            </a:extLst>
-          </p:cNvPr>
-          <p:cNvSpPr/>
-          <p:nvPr/>
-        </p:nvSpPr>
-        <p:spPr>
-          <a:xfrm>
-            <a:off x="4598504" y="1571151"/>
-            <a:ext cx="1650319" cy="630068"/>
+            <a:off x="3702247" y="1187601"/>
+            <a:ext cx="1650319" cy="567257"/>
           </a:xfrm>
           <a:prstGeom prst="roundRect">
             <a:avLst/>
@@ -3862,7 +4098,101 @@
         </p:style>
         <p:txBody>
           <a:bodyPr rtlCol="0" anchor="ctr"/>
-          <a:lstStyle/>
+          <a:lstStyle>
+            <a:defPPr>
+              <a:defRPr lang="en-US"/>
+            </a:defPPr>
+            <a:lvl1pPr marL="0" algn="l" defTabSz="914400" rtl="0" eaLnBrk="1" latinLnBrk="0" hangingPunct="1">
+              <a:defRPr sz="1800" kern="1200">
+                <a:solidFill>
+                  <a:schemeClr val="lt1"/>
+                </a:solidFill>
+                <a:latin typeface="+mn-lt"/>
+                <a:ea typeface="+mn-ea"/>
+                <a:cs typeface="+mn-cs"/>
+              </a:defRPr>
+            </a:lvl1pPr>
+            <a:lvl2pPr marL="457200" algn="l" defTabSz="914400" rtl="0" eaLnBrk="1" latinLnBrk="0" hangingPunct="1">
+              <a:defRPr sz="1800" kern="1200">
+                <a:solidFill>
+                  <a:schemeClr val="lt1"/>
+                </a:solidFill>
+                <a:latin typeface="+mn-lt"/>
+                <a:ea typeface="+mn-ea"/>
+                <a:cs typeface="+mn-cs"/>
+              </a:defRPr>
+            </a:lvl2pPr>
+            <a:lvl3pPr marL="914400" algn="l" defTabSz="914400" rtl="0" eaLnBrk="1" latinLnBrk="0" hangingPunct="1">
+              <a:defRPr sz="1800" kern="1200">
+                <a:solidFill>
+                  <a:schemeClr val="lt1"/>
+                </a:solidFill>
+                <a:latin typeface="+mn-lt"/>
+                <a:ea typeface="+mn-ea"/>
+                <a:cs typeface="+mn-cs"/>
+              </a:defRPr>
+            </a:lvl3pPr>
+            <a:lvl4pPr marL="1371600" algn="l" defTabSz="914400" rtl="0" eaLnBrk="1" latinLnBrk="0" hangingPunct="1">
+              <a:defRPr sz="1800" kern="1200">
+                <a:solidFill>
+                  <a:schemeClr val="lt1"/>
+                </a:solidFill>
+                <a:latin typeface="+mn-lt"/>
+                <a:ea typeface="+mn-ea"/>
+                <a:cs typeface="+mn-cs"/>
+              </a:defRPr>
+            </a:lvl4pPr>
+            <a:lvl5pPr marL="1828800" algn="l" defTabSz="914400" rtl="0" eaLnBrk="1" latinLnBrk="0" hangingPunct="1">
+              <a:defRPr sz="1800" kern="1200">
+                <a:solidFill>
+                  <a:schemeClr val="lt1"/>
+                </a:solidFill>
+                <a:latin typeface="+mn-lt"/>
+                <a:ea typeface="+mn-ea"/>
+                <a:cs typeface="+mn-cs"/>
+              </a:defRPr>
+            </a:lvl5pPr>
+            <a:lvl6pPr marL="2286000" algn="l" defTabSz="914400" rtl="0" eaLnBrk="1" latinLnBrk="0" hangingPunct="1">
+              <a:defRPr sz="1800" kern="1200">
+                <a:solidFill>
+                  <a:schemeClr val="lt1"/>
+                </a:solidFill>
+                <a:latin typeface="+mn-lt"/>
+                <a:ea typeface="+mn-ea"/>
+                <a:cs typeface="+mn-cs"/>
+              </a:defRPr>
+            </a:lvl6pPr>
+            <a:lvl7pPr marL="2743200" algn="l" defTabSz="914400" rtl="0" eaLnBrk="1" latinLnBrk="0" hangingPunct="1">
+              <a:defRPr sz="1800" kern="1200">
+                <a:solidFill>
+                  <a:schemeClr val="lt1"/>
+                </a:solidFill>
+                <a:latin typeface="+mn-lt"/>
+                <a:ea typeface="+mn-ea"/>
+                <a:cs typeface="+mn-cs"/>
+              </a:defRPr>
+            </a:lvl7pPr>
+            <a:lvl8pPr marL="3200400" algn="l" defTabSz="914400" rtl="0" eaLnBrk="1" latinLnBrk="0" hangingPunct="1">
+              <a:defRPr sz="1800" kern="1200">
+                <a:solidFill>
+                  <a:schemeClr val="lt1"/>
+                </a:solidFill>
+                <a:latin typeface="+mn-lt"/>
+                <a:ea typeface="+mn-ea"/>
+                <a:cs typeface="+mn-cs"/>
+              </a:defRPr>
+            </a:lvl8pPr>
+            <a:lvl9pPr marL="3657600" algn="l" defTabSz="914400" rtl="0" eaLnBrk="1" latinLnBrk="0" hangingPunct="1">
+              <a:defRPr sz="1800" kern="1200">
+                <a:solidFill>
+                  <a:schemeClr val="lt1"/>
+                </a:solidFill>
+                <a:latin typeface="+mn-lt"/>
+                <a:ea typeface="+mn-ea"/>
+                <a:cs typeface="+mn-cs"/>
+              </a:defRPr>
+            </a:lvl9pPr>
+          </a:lstStyle>
           <a:p>
             <a:pPr algn="ctr"/>
             <a:endParaRPr lang="en-US" sz="1372"/>
@@ -3871,10 +4201,10 @@
       </p:sp>
       <p:sp>
         <p:nvSpPr>
-          <p:cNvPr id="5" name="TextBox 4">
+          <p:cNvPr id="20" name="TextBox 10">
             <a:extLst>
               <a:ext uri="{FF2B5EF4-FFF2-40B4-BE49-F238E27FC236}">
-                <a16:creationId xmlns:a16="http://schemas.microsoft.com/office/drawing/2014/main" id="{D5ED6753-21F7-4B02-B8CC-8354AC96CD4F}"/>
+                <a16:creationId xmlns:a16="http://schemas.microsoft.com/office/drawing/2014/main" id="{531B3B2F-6EFB-48C8-8CF5-B2320489B760}"/>
               </a:ext>
             </a:extLst>
           </p:cNvPr>
@@ -3883,8 +4213,8 @@
         </p:nvSpPr>
         <p:spPr>
           <a:xfrm>
-            <a:off x="8652869" y="1589990"/>
-            <a:ext cx="639919" cy="303481"/>
+            <a:off x="5585368" y="2296493"/>
+            <a:ext cx="1215717" cy="303481"/>
           </a:xfrm>
           <a:prstGeom prst="rect">
             <a:avLst/>
@@ -3895,7 +4225,101 @@
           <a:bodyPr wrap="none" rtlCol="0">
             <a:spAutoFit/>
           </a:bodyPr>
-          <a:lstStyle/>
+          <a:lstStyle>
+            <a:defPPr>
+              <a:defRPr lang="en-US"/>
+            </a:defPPr>
+            <a:lvl1pPr marL="0" algn="l" defTabSz="914400" rtl="0" eaLnBrk="1" latinLnBrk="0" hangingPunct="1">
+              <a:defRPr sz="1800" kern="1200">
+                <a:solidFill>
+                  <a:schemeClr val="tx1"/>
+                </a:solidFill>
+                <a:latin typeface="+mn-lt"/>
+                <a:ea typeface="+mn-ea"/>
+                <a:cs typeface="+mn-cs"/>
+              </a:defRPr>
+            </a:lvl1pPr>
+            <a:lvl2pPr marL="457200" algn="l" defTabSz="914400" rtl="0" eaLnBrk="1" latinLnBrk="0" hangingPunct="1">
+              <a:defRPr sz="1800" kern="1200">
+                <a:solidFill>
+                  <a:schemeClr val="tx1"/>
+                </a:solidFill>
+                <a:latin typeface="+mn-lt"/>
+                <a:ea typeface="+mn-ea"/>
+                <a:cs typeface="+mn-cs"/>
+              </a:defRPr>
+            </a:lvl2pPr>
+            <a:lvl3pPr marL="914400" algn="l" defTabSz="914400" rtl="0" eaLnBrk="1" latinLnBrk="0" hangingPunct="1">
+              <a:defRPr sz="1800" kern="1200">
+                <a:solidFill>
+                  <a:schemeClr val="tx1"/>
+                </a:solidFill>
+                <a:latin typeface="+mn-lt"/>
+                <a:ea typeface="+mn-ea"/>
+                <a:cs typeface="+mn-cs"/>
+              </a:defRPr>
+            </a:lvl3pPr>
+            <a:lvl4pPr marL="1371600" algn="l" defTabSz="914400" rtl="0" eaLnBrk="1" latinLnBrk="0" hangingPunct="1">
+              <a:defRPr sz="1800" kern="1200">
+                <a:solidFill>
+                  <a:schemeClr val="tx1"/>
+                </a:solidFill>
+                <a:latin typeface="+mn-lt"/>
+                <a:ea typeface="+mn-ea"/>
+                <a:cs typeface="+mn-cs"/>
+              </a:defRPr>
+            </a:lvl4pPr>
+            <a:lvl5pPr marL="1828800" algn="l" defTabSz="914400" rtl="0" eaLnBrk="1" latinLnBrk="0" hangingPunct="1">
+              <a:defRPr sz="1800" kern="1200">
+                <a:solidFill>
+                  <a:schemeClr val="tx1"/>
+                </a:solidFill>
+                <a:latin typeface="+mn-lt"/>
+                <a:ea typeface="+mn-ea"/>
+                <a:cs typeface="+mn-cs"/>
+              </a:defRPr>
+            </a:lvl5pPr>
+            <a:lvl6pPr marL="2286000" algn="l" defTabSz="914400" rtl="0" eaLnBrk="1" latinLnBrk="0" hangingPunct="1">
+              <a:defRPr sz="1800" kern="1200">
+                <a:solidFill>
+                  <a:schemeClr val="tx1"/>
+                </a:solidFill>
+                <a:latin typeface="+mn-lt"/>
+                <a:ea typeface="+mn-ea"/>
+                <a:cs typeface="+mn-cs"/>
+              </a:defRPr>
+            </a:lvl6pPr>
+            <a:lvl7pPr marL="2743200" algn="l" defTabSz="914400" rtl="0" eaLnBrk="1" latinLnBrk="0" hangingPunct="1">
+              <a:defRPr sz="1800" kern="1200">
+                <a:solidFill>
+                  <a:schemeClr val="tx1"/>
+                </a:solidFill>
+                <a:latin typeface="+mn-lt"/>
+                <a:ea typeface="+mn-ea"/>
+                <a:cs typeface="+mn-cs"/>
+              </a:defRPr>
+            </a:lvl7pPr>
+            <a:lvl8pPr marL="3200400" algn="l" defTabSz="914400" rtl="0" eaLnBrk="1" latinLnBrk="0" hangingPunct="1">
+              <a:defRPr sz="1800" kern="1200">
+                <a:solidFill>
+                  <a:schemeClr val="tx1"/>
+                </a:solidFill>
+                <a:latin typeface="+mn-lt"/>
+                <a:ea typeface="+mn-ea"/>
+                <a:cs typeface="+mn-cs"/>
+              </a:defRPr>
+            </a:lvl8pPr>
+            <a:lvl9pPr marL="3657600" algn="l" defTabSz="914400" rtl="0" eaLnBrk="1" latinLnBrk="0" hangingPunct="1">
+              <a:defRPr sz="1800" kern="1200">
+                <a:solidFill>
+                  <a:schemeClr val="tx1"/>
+                </a:solidFill>
+                <a:latin typeface="+mn-lt"/>
+                <a:ea typeface="+mn-ea"/>
+                <a:cs typeface="+mn-cs"/>
+              </a:defRPr>
+            </a:lvl9pPr>
+          </a:lstStyle>
           <a:p>
             <a:r>
               <a:rPr lang="en-US" sz="1372" b="1" i="1" dirty="0">
@@ -3903,17 +4327,58 @@
                   <a:srgbClr val="FF0000"/>
                 </a:solidFill>
               </a:rPr>
-              <a:t>&lt;app&gt;</a:t>
+              <a:t>&lt;router-view&gt;</a:t>
             </a:r>
           </a:p>
         </p:txBody>
       </p:sp>
-      <p:sp>
-        <p:nvSpPr>
-          <p:cNvPr id="6" name="Rounded Rectangle 31">
+      <p:cxnSp>
+        <p:nvCxnSpPr>
+          <p:cNvPr id="21" name="Straight Arrow Connector 20">
             <a:extLst>
               <a:ext uri="{FF2B5EF4-FFF2-40B4-BE49-F238E27FC236}">
-                <a16:creationId xmlns:a16="http://schemas.microsoft.com/office/drawing/2014/main" id="{0E57BF41-3D1E-4DA0-92C7-8DEDC347E563}"/>
+                <a16:creationId xmlns:a16="http://schemas.microsoft.com/office/drawing/2014/main" id="{A9F3CA7B-A1E3-44DE-BFAE-D21F2647A6BA}"/>
+              </a:ext>
+            </a:extLst>
+          </p:cNvPr>
+          <p:cNvCxnSpPr>
+            <a:stCxn id="18" idx="2"/>
+          </p:cNvCxnSpPr>
+          <p:nvPr/>
+        </p:nvCxnSpPr>
+        <p:spPr>
+          <a:xfrm flipH="1">
+            <a:off x="7424913" y="1683940"/>
+            <a:ext cx="1" cy="505893"/>
+          </a:xfrm>
+          <a:prstGeom prst="straightConnector1">
+            <a:avLst/>
+          </a:prstGeom>
+          <a:ln>
+            <a:tailEnd type="triangle"/>
+          </a:ln>
+        </p:spPr>
+        <p:style>
+          <a:lnRef idx="3">
+            <a:schemeClr val="accent1"/>
+          </a:lnRef>
+          <a:fillRef idx="0">
+            <a:schemeClr val="accent1"/>
+          </a:fillRef>
+          <a:effectRef idx="2">
+            <a:schemeClr val="accent1"/>
+          </a:effectRef>
+          <a:fontRef idx="minor">
+            <a:schemeClr val="tx1"/>
+          </a:fontRef>
+        </p:style>
+      </p:cxnSp>
+      <p:sp>
+        <p:nvSpPr>
+          <p:cNvPr id="22" name="Rounded Rectangle 4">
+            <a:extLst>
+              <a:ext uri="{FF2B5EF4-FFF2-40B4-BE49-F238E27FC236}">
+                <a16:creationId xmlns:a16="http://schemas.microsoft.com/office/drawing/2014/main" id="{24F74C3E-E81A-4BF3-BB56-95631F485D72}"/>
               </a:ext>
             </a:extLst>
           </p:cNvPr>
@@ -3922,8 +4387,8 @@
         </p:nvSpPr>
         <p:spPr>
           <a:xfrm>
-            <a:off x="8183218" y="1504890"/>
-            <a:ext cx="1650319" cy="853997"/>
+            <a:off x="1727452" y="3323287"/>
+            <a:ext cx="1650319" cy="567257"/>
           </a:xfrm>
           <a:prstGeom prst="roundRect">
             <a:avLst/>
@@ -3954,7 +4419,101 @@
         </p:style>
         <p:txBody>
           <a:bodyPr rtlCol="0" anchor="ctr"/>
-          <a:lstStyle/>
+          <a:lstStyle>
+            <a:defPPr>
+              <a:defRPr lang="en-US"/>
+            </a:defPPr>
+            <a:lvl1pPr marL="0" algn="l" defTabSz="914400" rtl="0" eaLnBrk="1" latinLnBrk="0" hangingPunct="1">
+              <a:defRPr sz="1800" kern="1200">
+                <a:solidFill>
+                  <a:schemeClr val="lt1"/>
+                </a:solidFill>
+                <a:latin typeface="+mn-lt"/>
+                <a:ea typeface="+mn-ea"/>
+                <a:cs typeface="+mn-cs"/>
+              </a:defRPr>
+            </a:lvl1pPr>
+            <a:lvl2pPr marL="457200" algn="l" defTabSz="914400" rtl="0" eaLnBrk="1" latinLnBrk="0" hangingPunct="1">
+              <a:defRPr sz="1800" kern="1200">
+                <a:solidFill>
+                  <a:schemeClr val="lt1"/>
+                </a:solidFill>
+                <a:latin typeface="+mn-lt"/>
+                <a:ea typeface="+mn-ea"/>
+                <a:cs typeface="+mn-cs"/>
+              </a:defRPr>
+            </a:lvl2pPr>
+            <a:lvl3pPr marL="914400" algn="l" defTabSz="914400" rtl="0" eaLnBrk="1" latinLnBrk="0" hangingPunct="1">
+              <a:defRPr sz="1800" kern="1200">
+                <a:solidFill>
+                  <a:schemeClr val="lt1"/>
+                </a:solidFill>
+                <a:latin typeface="+mn-lt"/>
+                <a:ea typeface="+mn-ea"/>
+                <a:cs typeface="+mn-cs"/>
+              </a:defRPr>
+            </a:lvl3pPr>
+            <a:lvl4pPr marL="1371600" algn="l" defTabSz="914400" rtl="0" eaLnBrk="1" latinLnBrk="0" hangingPunct="1">
+              <a:defRPr sz="1800" kern="1200">
+                <a:solidFill>
+                  <a:schemeClr val="lt1"/>
+                </a:solidFill>
+                <a:latin typeface="+mn-lt"/>
+                <a:ea typeface="+mn-ea"/>
+                <a:cs typeface="+mn-cs"/>
+              </a:defRPr>
+            </a:lvl4pPr>
+            <a:lvl5pPr marL="1828800" algn="l" defTabSz="914400" rtl="0" eaLnBrk="1" latinLnBrk="0" hangingPunct="1">
+              <a:defRPr sz="1800" kern="1200">
+                <a:solidFill>
+                  <a:schemeClr val="lt1"/>
+                </a:solidFill>
+                <a:latin typeface="+mn-lt"/>
+                <a:ea typeface="+mn-ea"/>
+                <a:cs typeface="+mn-cs"/>
+              </a:defRPr>
+            </a:lvl5pPr>
+            <a:lvl6pPr marL="2286000" algn="l" defTabSz="914400" rtl="0" eaLnBrk="1" latinLnBrk="0" hangingPunct="1">
+              <a:defRPr sz="1800" kern="1200">
+                <a:solidFill>
+                  <a:schemeClr val="lt1"/>
+                </a:solidFill>
+                <a:latin typeface="+mn-lt"/>
+                <a:ea typeface="+mn-ea"/>
+                <a:cs typeface="+mn-cs"/>
+              </a:defRPr>
+            </a:lvl6pPr>
+            <a:lvl7pPr marL="2743200" algn="l" defTabSz="914400" rtl="0" eaLnBrk="1" latinLnBrk="0" hangingPunct="1">
+              <a:defRPr sz="1800" kern="1200">
+                <a:solidFill>
+                  <a:schemeClr val="lt1"/>
+                </a:solidFill>
+                <a:latin typeface="+mn-lt"/>
+                <a:ea typeface="+mn-ea"/>
+                <a:cs typeface="+mn-cs"/>
+              </a:defRPr>
+            </a:lvl7pPr>
+            <a:lvl8pPr marL="3200400" algn="l" defTabSz="914400" rtl="0" eaLnBrk="1" latinLnBrk="0" hangingPunct="1">
+              <a:defRPr sz="1800" kern="1200">
+                <a:solidFill>
+                  <a:schemeClr val="lt1"/>
+                </a:solidFill>
+                <a:latin typeface="+mn-lt"/>
+                <a:ea typeface="+mn-ea"/>
+                <a:cs typeface="+mn-cs"/>
+              </a:defRPr>
+            </a:lvl8pPr>
+            <a:lvl9pPr marL="3657600" algn="l" defTabSz="914400" rtl="0" eaLnBrk="1" latinLnBrk="0" hangingPunct="1">
+              <a:defRPr sz="1800" kern="1200">
+                <a:solidFill>
+                  <a:schemeClr val="lt1"/>
+                </a:solidFill>
+                <a:latin typeface="+mn-lt"/>
+                <a:ea typeface="+mn-ea"/>
+                <a:cs typeface="+mn-cs"/>
+              </a:defRPr>
+            </a:lvl9pPr>
+          </a:lstStyle>
           <a:p>
             <a:pPr algn="ctr"/>
             <a:endParaRPr lang="en-US" sz="1372"/>
@@ -3963,10 +4522,619 @@
       </p:sp>
       <p:sp>
         <p:nvSpPr>
-          <p:cNvPr id="7" name="TextBox 6">
+          <p:cNvPr id="23" name="Rounded Rectangle 4">
             <a:extLst>
               <a:ext uri="{FF2B5EF4-FFF2-40B4-BE49-F238E27FC236}">
-                <a16:creationId xmlns:a16="http://schemas.microsoft.com/office/drawing/2014/main" id="{2851DF73-1824-4CC0-BD65-523061B3BD7F}"/>
+                <a16:creationId xmlns:a16="http://schemas.microsoft.com/office/drawing/2014/main" id="{92551659-18A6-4CEA-BAEC-32546F63453A}"/>
+              </a:ext>
+            </a:extLst>
+          </p:cNvPr>
+          <p:cNvSpPr/>
+          <p:nvPr/>
+        </p:nvSpPr>
+        <p:spPr>
+          <a:xfrm>
+            <a:off x="4118850" y="3323286"/>
+            <a:ext cx="1650319" cy="567257"/>
+          </a:xfrm>
+          <a:prstGeom prst="roundRect">
+            <a:avLst/>
+          </a:prstGeom>
+          <a:noFill/>
+          <a:ln>
+            <a:solidFill>
+              <a:srgbClr val="FF0000"/>
+            </a:solidFill>
+            <a:prstDash val="lgDash"/>
+          </a:ln>
+        </p:spPr>
+        <p:style>
+          <a:lnRef idx="2">
+            <a:schemeClr val="accent1">
+              <a:shade val="50000"/>
+            </a:schemeClr>
+          </a:lnRef>
+          <a:fillRef idx="1">
+            <a:schemeClr val="accent1"/>
+          </a:fillRef>
+          <a:effectRef idx="0">
+            <a:schemeClr val="accent1"/>
+          </a:effectRef>
+          <a:fontRef idx="minor">
+            <a:schemeClr val="lt1"/>
+          </a:fontRef>
+        </p:style>
+        <p:txBody>
+          <a:bodyPr rtlCol="0" anchor="ctr"/>
+          <a:lstStyle>
+            <a:defPPr>
+              <a:defRPr lang="en-US"/>
+            </a:defPPr>
+            <a:lvl1pPr marL="0" algn="l" defTabSz="914400" rtl="0" eaLnBrk="1" latinLnBrk="0" hangingPunct="1">
+              <a:defRPr sz="1800" kern="1200">
+                <a:solidFill>
+                  <a:schemeClr val="lt1"/>
+                </a:solidFill>
+                <a:latin typeface="+mn-lt"/>
+                <a:ea typeface="+mn-ea"/>
+                <a:cs typeface="+mn-cs"/>
+              </a:defRPr>
+            </a:lvl1pPr>
+            <a:lvl2pPr marL="457200" algn="l" defTabSz="914400" rtl="0" eaLnBrk="1" latinLnBrk="0" hangingPunct="1">
+              <a:defRPr sz="1800" kern="1200">
+                <a:solidFill>
+                  <a:schemeClr val="lt1"/>
+                </a:solidFill>
+                <a:latin typeface="+mn-lt"/>
+                <a:ea typeface="+mn-ea"/>
+                <a:cs typeface="+mn-cs"/>
+              </a:defRPr>
+            </a:lvl2pPr>
+            <a:lvl3pPr marL="914400" algn="l" defTabSz="914400" rtl="0" eaLnBrk="1" latinLnBrk="0" hangingPunct="1">
+              <a:defRPr sz="1800" kern="1200">
+                <a:solidFill>
+                  <a:schemeClr val="lt1"/>
+                </a:solidFill>
+                <a:latin typeface="+mn-lt"/>
+                <a:ea typeface="+mn-ea"/>
+                <a:cs typeface="+mn-cs"/>
+              </a:defRPr>
+            </a:lvl3pPr>
+            <a:lvl4pPr marL="1371600" algn="l" defTabSz="914400" rtl="0" eaLnBrk="1" latinLnBrk="0" hangingPunct="1">
+              <a:defRPr sz="1800" kern="1200">
+                <a:solidFill>
+                  <a:schemeClr val="lt1"/>
+                </a:solidFill>
+                <a:latin typeface="+mn-lt"/>
+                <a:ea typeface="+mn-ea"/>
+                <a:cs typeface="+mn-cs"/>
+              </a:defRPr>
+            </a:lvl4pPr>
+            <a:lvl5pPr marL="1828800" algn="l" defTabSz="914400" rtl="0" eaLnBrk="1" latinLnBrk="0" hangingPunct="1">
+              <a:defRPr sz="1800" kern="1200">
+                <a:solidFill>
+                  <a:schemeClr val="lt1"/>
+                </a:solidFill>
+                <a:latin typeface="+mn-lt"/>
+                <a:ea typeface="+mn-ea"/>
+                <a:cs typeface="+mn-cs"/>
+              </a:defRPr>
+            </a:lvl5pPr>
+            <a:lvl6pPr marL="2286000" algn="l" defTabSz="914400" rtl="0" eaLnBrk="1" latinLnBrk="0" hangingPunct="1">
+              <a:defRPr sz="1800" kern="1200">
+                <a:solidFill>
+                  <a:schemeClr val="lt1"/>
+                </a:solidFill>
+                <a:latin typeface="+mn-lt"/>
+                <a:ea typeface="+mn-ea"/>
+                <a:cs typeface="+mn-cs"/>
+              </a:defRPr>
+            </a:lvl6pPr>
+            <a:lvl7pPr marL="2743200" algn="l" defTabSz="914400" rtl="0" eaLnBrk="1" latinLnBrk="0" hangingPunct="1">
+              <a:defRPr sz="1800" kern="1200">
+                <a:solidFill>
+                  <a:schemeClr val="lt1"/>
+                </a:solidFill>
+                <a:latin typeface="+mn-lt"/>
+                <a:ea typeface="+mn-ea"/>
+                <a:cs typeface="+mn-cs"/>
+              </a:defRPr>
+            </a:lvl7pPr>
+            <a:lvl8pPr marL="3200400" algn="l" defTabSz="914400" rtl="0" eaLnBrk="1" latinLnBrk="0" hangingPunct="1">
+              <a:defRPr sz="1800" kern="1200">
+                <a:solidFill>
+                  <a:schemeClr val="lt1"/>
+                </a:solidFill>
+                <a:latin typeface="+mn-lt"/>
+                <a:ea typeface="+mn-ea"/>
+                <a:cs typeface="+mn-cs"/>
+              </a:defRPr>
+            </a:lvl8pPr>
+            <a:lvl9pPr marL="3657600" algn="l" defTabSz="914400" rtl="0" eaLnBrk="1" latinLnBrk="0" hangingPunct="1">
+              <a:defRPr sz="1800" kern="1200">
+                <a:solidFill>
+                  <a:schemeClr val="lt1"/>
+                </a:solidFill>
+                <a:latin typeface="+mn-lt"/>
+                <a:ea typeface="+mn-ea"/>
+                <a:cs typeface="+mn-cs"/>
+              </a:defRPr>
+            </a:lvl9pPr>
+          </a:lstStyle>
+          <a:p>
+            <a:pPr algn="ctr"/>
+            <a:endParaRPr lang="en-US" sz="1372"/>
+          </a:p>
+        </p:txBody>
+      </p:sp>
+      <p:sp>
+        <p:nvSpPr>
+          <p:cNvPr id="24" name="Rounded Rectangle 4">
+            <a:extLst>
+              <a:ext uri="{FF2B5EF4-FFF2-40B4-BE49-F238E27FC236}">
+                <a16:creationId xmlns:a16="http://schemas.microsoft.com/office/drawing/2014/main" id="{C388B1B6-B3C4-45E4-B133-66DD735B3F88}"/>
+              </a:ext>
+            </a:extLst>
+          </p:cNvPr>
+          <p:cNvSpPr/>
+          <p:nvPr/>
+        </p:nvSpPr>
+        <p:spPr>
+          <a:xfrm>
+            <a:off x="6491160" y="3323301"/>
+            <a:ext cx="1650319" cy="567257"/>
+          </a:xfrm>
+          <a:prstGeom prst="roundRect">
+            <a:avLst/>
+          </a:prstGeom>
+          <a:noFill/>
+          <a:ln>
+            <a:solidFill>
+              <a:srgbClr val="FF0000"/>
+            </a:solidFill>
+            <a:prstDash val="lgDash"/>
+          </a:ln>
+        </p:spPr>
+        <p:style>
+          <a:lnRef idx="2">
+            <a:schemeClr val="accent1">
+              <a:shade val="50000"/>
+            </a:schemeClr>
+          </a:lnRef>
+          <a:fillRef idx="1">
+            <a:schemeClr val="accent1"/>
+          </a:fillRef>
+          <a:effectRef idx="0">
+            <a:schemeClr val="accent1"/>
+          </a:effectRef>
+          <a:fontRef idx="minor">
+            <a:schemeClr val="lt1"/>
+          </a:fontRef>
+        </p:style>
+        <p:txBody>
+          <a:bodyPr rtlCol="0" anchor="ctr"/>
+          <a:lstStyle>
+            <a:defPPr>
+              <a:defRPr lang="en-US"/>
+            </a:defPPr>
+            <a:lvl1pPr marL="0" algn="l" defTabSz="914400" rtl="0" eaLnBrk="1" latinLnBrk="0" hangingPunct="1">
+              <a:defRPr sz="1800" kern="1200">
+                <a:solidFill>
+                  <a:schemeClr val="lt1"/>
+                </a:solidFill>
+                <a:latin typeface="+mn-lt"/>
+                <a:ea typeface="+mn-ea"/>
+                <a:cs typeface="+mn-cs"/>
+              </a:defRPr>
+            </a:lvl1pPr>
+            <a:lvl2pPr marL="457200" algn="l" defTabSz="914400" rtl="0" eaLnBrk="1" latinLnBrk="0" hangingPunct="1">
+              <a:defRPr sz="1800" kern="1200">
+                <a:solidFill>
+                  <a:schemeClr val="lt1"/>
+                </a:solidFill>
+                <a:latin typeface="+mn-lt"/>
+                <a:ea typeface="+mn-ea"/>
+                <a:cs typeface="+mn-cs"/>
+              </a:defRPr>
+            </a:lvl2pPr>
+            <a:lvl3pPr marL="914400" algn="l" defTabSz="914400" rtl="0" eaLnBrk="1" latinLnBrk="0" hangingPunct="1">
+              <a:defRPr sz="1800" kern="1200">
+                <a:solidFill>
+                  <a:schemeClr val="lt1"/>
+                </a:solidFill>
+                <a:latin typeface="+mn-lt"/>
+                <a:ea typeface="+mn-ea"/>
+                <a:cs typeface="+mn-cs"/>
+              </a:defRPr>
+            </a:lvl3pPr>
+            <a:lvl4pPr marL="1371600" algn="l" defTabSz="914400" rtl="0" eaLnBrk="1" latinLnBrk="0" hangingPunct="1">
+              <a:defRPr sz="1800" kern="1200">
+                <a:solidFill>
+                  <a:schemeClr val="lt1"/>
+                </a:solidFill>
+                <a:latin typeface="+mn-lt"/>
+                <a:ea typeface="+mn-ea"/>
+                <a:cs typeface="+mn-cs"/>
+              </a:defRPr>
+            </a:lvl4pPr>
+            <a:lvl5pPr marL="1828800" algn="l" defTabSz="914400" rtl="0" eaLnBrk="1" latinLnBrk="0" hangingPunct="1">
+              <a:defRPr sz="1800" kern="1200">
+                <a:solidFill>
+                  <a:schemeClr val="lt1"/>
+                </a:solidFill>
+                <a:latin typeface="+mn-lt"/>
+                <a:ea typeface="+mn-ea"/>
+                <a:cs typeface="+mn-cs"/>
+              </a:defRPr>
+            </a:lvl5pPr>
+            <a:lvl6pPr marL="2286000" algn="l" defTabSz="914400" rtl="0" eaLnBrk="1" latinLnBrk="0" hangingPunct="1">
+              <a:defRPr sz="1800" kern="1200">
+                <a:solidFill>
+                  <a:schemeClr val="lt1"/>
+                </a:solidFill>
+                <a:latin typeface="+mn-lt"/>
+                <a:ea typeface="+mn-ea"/>
+                <a:cs typeface="+mn-cs"/>
+              </a:defRPr>
+            </a:lvl6pPr>
+            <a:lvl7pPr marL="2743200" algn="l" defTabSz="914400" rtl="0" eaLnBrk="1" latinLnBrk="0" hangingPunct="1">
+              <a:defRPr sz="1800" kern="1200">
+                <a:solidFill>
+                  <a:schemeClr val="lt1"/>
+                </a:solidFill>
+                <a:latin typeface="+mn-lt"/>
+                <a:ea typeface="+mn-ea"/>
+                <a:cs typeface="+mn-cs"/>
+              </a:defRPr>
+            </a:lvl7pPr>
+            <a:lvl8pPr marL="3200400" algn="l" defTabSz="914400" rtl="0" eaLnBrk="1" latinLnBrk="0" hangingPunct="1">
+              <a:defRPr sz="1800" kern="1200">
+                <a:solidFill>
+                  <a:schemeClr val="lt1"/>
+                </a:solidFill>
+                <a:latin typeface="+mn-lt"/>
+                <a:ea typeface="+mn-ea"/>
+                <a:cs typeface="+mn-cs"/>
+              </a:defRPr>
+            </a:lvl8pPr>
+            <a:lvl9pPr marL="3657600" algn="l" defTabSz="914400" rtl="0" eaLnBrk="1" latinLnBrk="0" hangingPunct="1">
+              <a:defRPr sz="1800" kern="1200">
+                <a:solidFill>
+                  <a:schemeClr val="lt1"/>
+                </a:solidFill>
+                <a:latin typeface="+mn-lt"/>
+                <a:ea typeface="+mn-ea"/>
+                <a:cs typeface="+mn-cs"/>
+              </a:defRPr>
+            </a:lvl9pPr>
+          </a:lstStyle>
+          <a:p>
+            <a:pPr algn="ctr"/>
+            <a:endParaRPr lang="en-US" sz="1372"/>
+          </a:p>
+        </p:txBody>
+      </p:sp>
+      <p:sp>
+        <p:nvSpPr>
+          <p:cNvPr id="25" name="Rounded Rectangle 4">
+            <a:extLst>
+              <a:ext uri="{FF2B5EF4-FFF2-40B4-BE49-F238E27FC236}">
+                <a16:creationId xmlns:a16="http://schemas.microsoft.com/office/drawing/2014/main" id="{0C2D0C7D-E6B3-4F86-AC17-70EEC176BB95}"/>
+              </a:ext>
+            </a:extLst>
+          </p:cNvPr>
+          <p:cNvSpPr/>
+          <p:nvPr/>
+        </p:nvSpPr>
+        <p:spPr>
+          <a:xfrm>
+            <a:off x="8780361" y="3323286"/>
+            <a:ext cx="1650319" cy="567257"/>
+          </a:xfrm>
+          <a:prstGeom prst="roundRect">
+            <a:avLst/>
+          </a:prstGeom>
+          <a:noFill/>
+          <a:ln>
+            <a:solidFill>
+              <a:srgbClr val="FF0000"/>
+            </a:solidFill>
+            <a:prstDash val="lgDash"/>
+          </a:ln>
+        </p:spPr>
+        <p:style>
+          <a:lnRef idx="2">
+            <a:schemeClr val="accent1">
+              <a:shade val="50000"/>
+            </a:schemeClr>
+          </a:lnRef>
+          <a:fillRef idx="1">
+            <a:schemeClr val="accent1"/>
+          </a:fillRef>
+          <a:effectRef idx="0">
+            <a:schemeClr val="accent1"/>
+          </a:effectRef>
+          <a:fontRef idx="minor">
+            <a:schemeClr val="lt1"/>
+          </a:fontRef>
+        </p:style>
+        <p:txBody>
+          <a:bodyPr rtlCol="0" anchor="ctr"/>
+          <a:lstStyle>
+            <a:defPPr>
+              <a:defRPr lang="en-US"/>
+            </a:defPPr>
+            <a:lvl1pPr marL="0" algn="l" defTabSz="914400" rtl="0" eaLnBrk="1" latinLnBrk="0" hangingPunct="1">
+              <a:defRPr sz="1800" kern="1200">
+                <a:solidFill>
+                  <a:schemeClr val="lt1"/>
+                </a:solidFill>
+                <a:latin typeface="+mn-lt"/>
+                <a:ea typeface="+mn-ea"/>
+                <a:cs typeface="+mn-cs"/>
+              </a:defRPr>
+            </a:lvl1pPr>
+            <a:lvl2pPr marL="457200" algn="l" defTabSz="914400" rtl="0" eaLnBrk="1" latinLnBrk="0" hangingPunct="1">
+              <a:defRPr sz="1800" kern="1200">
+                <a:solidFill>
+                  <a:schemeClr val="lt1"/>
+                </a:solidFill>
+                <a:latin typeface="+mn-lt"/>
+                <a:ea typeface="+mn-ea"/>
+                <a:cs typeface="+mn-cs"/>
+              </a:defRPr>
+            </a:lvl2pPr>
+            <a:lvl3pPr marL="914400" algn="l" defTabSz="914400" rtl="0" eaLnBrk="1" latinLnBrk="0" hangingPunct="1">
+              <a:defRPr sz="1800" kern="1200">
+                <a:solidFill>
+                  <a:schemeClr val="lt1"/>
+                </a:solidFill>
+                <a:latin typeface="+mn-lt"/>
+                <a:ea typeface="+mn-ea"/>
+                <a:cs typeface="+mn-cs"/>
+              </a:defRPr>
+            </a:lvl3pPr>
+            <a:lvl4pPr marL="1371600" algn="l" defTabSz="914400" rtl="0" eaLnBrk="1" latinLnBrk="0" hangingPunct="1">
+              <a:defRPr sz="1800" kern="1200">
+                <a:solidFill>
+                  <a:schemeClr val="lt1"/>
+                </a:solidFill>
+                <a:latin typeface="+mn-lt"/>
+                <a:ea typeface="+mn-ea"/>
+                <a:cs typeface="+mn-cs"/>
+              </a:defRPr>
+            </a:lvl4pPr>
+            <a:lvl5pPr marL="1828800" algn="l" defTabSz="914400" rtl="0" eaLnBrk="1" latinLnBrk="0" hangingPunct="1">
+              <a:defRPr sz="1800" kern="1200">
+                <a:solidFill>
+                  <a:schemeClr val="lt1"/>
+                </a:solidFill>
+                <a:latin typeface="+mn-lt"/>
+                <a:ea typeface="+mn-ea"/>
+                <a:cs typeface="+mn-cs"/>
+              </a:defRPr>
+            </a:lvl5pPr>
+            <a:lvl6pPr marL="2286000" algn="l" defTabSz="914400" rtl="0" eaLnBrk="1" latinLnBrk="0" hangingPunct="1">
+              <a:defRPr sz="1800" kern="1200">
+                <a:solidFill>
+                  <a:schemeClr val="lt1"/>
+                </a:solidFill>
+                <a:latin typeface="+mn-lt"/>
+                <a:ea typeface="+mn-ea"/>
+                <a:cs typeface="+mn-cs"/>
+              </a:defRPr>
+            </a:lvl6pPr>
+            <a:lvl7pPr marL="2743200" algn="l" defTabSz="914400" rtl="0" eaLnBrk="1" latinLnBrk="0" hangingPunct="1">
+              <a:defRPr sz="1800" kern="1200">
+                <a:solidFill>
+                  <a:schemeClr val="lt1"/>
+                </a:solidFill>
+                <a:latin typeface="+mn-lt"/>
+                <a:ea typeface="+mn-ea"/>
+                <a:cs typeface="+mn-cs"/>
+              </a:defRPr>
+            </a:lvl7pPr>
+            <a:lvl8pPr marL="3200400" algn="l" defTabSz="914400" rtl="0" eaLnBrk="1" latinLnBrk="0" hangingPunct="1">
+              <a:defRPr sz="1800" kern="1200">
+                <a:solidFill>
+                  <a:schemeClr val="lt1"/>
+                </a:solidFill>
+                <a:latin typeface="+mn-lt"/>
+                <a:ea typeface="+mn-ea"/>
+                <a:cs typeface="+mn-cs"/>
+              </a:defRPr>
+            </a:lvl8pPr>
+            <a:lvl9pPr marL="3657600" algn="l" defTabSz="914400" rtl="0" eaLnBrk="1" latinLnBrk="0" hangingPunct="1">
+              <a:defRPr sz="1800" kern="1200">
+                <a:solidFill>
+                  <a:schemeClr val="lt1"/>
+                </a:solidFill>
+                <a:latin typeface="+mn-lt"/>
+                <a:ea typeface="+mn-ea"/>
+                <a:cs typeface="+mn-cs"/>
+              </a:defRPr>
+            </a:lvl9pPr>
+          </a:lstStyle>
+          <a:p>
+            <a:pPr algn="ctr"/>
+            <a:endParaRPr lang="en-US" sz="1372"/>
+          </a:p>
+        </p:txBody>
+      </p:sp>
+      <p:cxnSp>
+        <p:nvCxnSpPr>
+          <p:cNvPr id="26" name="Straight Arrow Connector 25">
+            <a:extLst>
+              <a:ext uri="{FF2B5EF4-FFF2-40B4-BE49-F238E27FC236}">
+                <a16:creationId xmlns:a16="http://schemas.microsoft.com/office/drawing/2014/main" id="{17BF3FC2-2886-4EDE-A3E2-BCC76291DAE6}"/>
+              </a:ext>
+            </a:extLst>
+          </p:cNvPr>
+          <p:cNvCxnSpPr>
+            <a:cxnSpLocks/>
+            <a:endCxn id="25" idx="0"/>
+          </p:cNvCxnSpPr>
+          <p:nvPr/>
+        </p:nvCxnSpPr>
+        <p:spPr>
+          <a:xfrm>
+            <a:off x="9605519" y="2757090"/>
+            <a:ext cx="2" cy="566196"/>
+          </a:xfrm>
+          <a:prstGeom prst="straightConnector1">
+            <a:avLst/>
+          </a:prstGeom>
+          <a:ln>
+            <a:tailEnd type="triangle"/>
+          </a:ln>
+        </p:spPr>
+        <p:style>
+          <a:lnRef idx="3">
+            <a:schemeClr val="accent1"/>
+          </a:lnRef>
+          <a:fillRef idx="0">
+            <a:schemeClr val="accent1"/>
+          </a:fillRef>
+          <a:effectRef idx="2">
+            <a:schemeClr val="accent1"/>
+          </a:effectRef>
+          <a:fontRef idx="minor">
+            <a:schemeClr val="tx1"/>
+          </a:fontRef>
+        </p:style>
+      </p:cxnSp>
+      <p:cxnSp>
+        <p:nvCxnSpPr>
+          <p:cNvPr id="27" name="Straight Arrow Connector 26">
+            <a:extLst>
+              <a:ext uri="{FF2B5EF4-FFF2-40B4-BE49-F238E27FC236}">
+                <a16:creationId xmlns:a16="http://schemas.microsoft.com/office/drawing/2014/main" id="{54443EAC-AC99-4A8C-BE0D-9EF2E75C496D}"/>
+              </a:ext>
+            </a:extLst>
+          </p:cNvPr>
+          <p:cNvCxnSpPr>
+            <a:cxnSpLocks/>
+            <a:endCxn id="24" idx="0"/>
+          </p:cNvCxnSpPr>
+          <p:nvPr/>
+        </p:nvCxnSpPr>
+        <p:spPr>
+          <a:xfrm>
+            <a:off x="7316320" y="2757090"/>
+            <a:ext cx="0" cy="566211"/>
+          </a:xfrm>
+          <a:prstGeom prst="straightConnector1">
+            <a:avLst/>
+          </a:prstGeom>
+          <a:ln>
+            <a:tailEnd type="triangle"/>
+          </a:ln>
+        </p:spPr>
+        <p:style>
+          <a:lnRef idx="3">
+            <a:schemeClr val="accent1"/>
+          </a:lnRef>
+          <a:fillRef idx="0">
+            <a:schemeClr val="accent1"/>
+          </a:fillRef>
+          <a:effectRef idx="2">
+            <a:schemeClr val="accent1"/>
+          </a:effectRef>
+          <a:fontRef idx="minor">
+            <a:schemeClr val="tx1"/>
+          </a:fontRef>
+        </p:style>
+      </p:cxnSp>
+      <p:cxnSp>
+        <p:nvCxnSpPr>
+          <p:cNvPr id="28" name="Straight Arrow Connector 27">
+            <a:extLst>
+              <a:ext uri="{FF2B5EF4-FFF2-40B4-BE49-F238E27FC236}">
+                <a16:creationId xmlns:a16="http://schemas.microsoft.com/office/drawing/2014/main" id="{0776B727-2BD6-49DE-8499-0539D693556B}"/>
+              </a:ext>
+            </a:extLst>
+          </p:cNvPr>
+          <p:cNvCxnSpPr>
+            <a:cxnSpLocks/>
+            <a:endCxn id="23" idx="0"/>
+          </p:cNvCxnSpPr>
+          <p:nvPr/>
+        </p:nvCxnSpPr>
+        <p:spPr>
+          <a:xfrm>
+            <a:off x="4944010" y="2757090"/>
+            <a:ext cx="0" cy="566196"/>
+          </a:xfrm>
+          <a:prstGeom prst="straightConnector1">
+            <a:avLst/>
+          </a:prstGeom>
+          <a:ln>
+            <a:tailEnd type="triangle"/>
+          </a:ln>
+        </p:spPr>
+        <p:style>
+          <a:lnRef idx="3">
+            <a:schemeClr val="accent1"/>
+          </a:lnRef>
+          <a:fillRef idx="0">
+            <a:schemeClr val="accent1"/>
+          </a:fillRef>
+          <a:effectRef idx="2">
+            <a:schemeClr val="accent1"/>
+          </a:effectRef>
+          <a:fontRef idx="minor">
+            <a:schemeClr val="tx1"/>
+          </a:fontRef>
+        </p:style>
+      </p:cxnSp>
+      <p:cxnSp>
+        <p:nvCxnSpPr>
+          <p:cNvPr id="29" name="Straight Arrow Connector 28">
+            <a:extLst>
+              <a:ext uri="{FF2B5EF4-FFF2-40B4-BE49-F238E27FC236}">
+                <a16:creationId xmlns:a16="http://schemas.microsoft.com/office/drawing/2014/main" id="{7E2AA6A5-B313-47B1-9D08-9ACD91D7D977}"/>
+              </a:ext>
+            </a:extLst>
+          </p:cNvPr>
+          <p:cNvCxnSpPr>
+            <a:cxnSpLocks/>
+            <a:endCxn id="22" idx="0"/>
+          </p:cNvCxnSpPr>
+          <p:nvPr/>
+        </p:nvCxnSpPr>
+        <p:spPr>
+          <a:xfrm>
+            <a:off x="2552612" y="2757090"/>
+            <a:ext cx="0" cy="566197"/>
+          </a:xfrm>
+          <a:prstGeom prst="straightConnector1">
+            <a:avLst/>
+          </a:prstGeom>
+          <a:ln>
+            <a:tailEnd type="triangle"/>
+          </a:ln>
+        </p:spPr>
+        <p:style>
+          <a:lnRef idx="3">
+            <a:schemeClr val="accent1"/>
+          </a:lnRef>
+          <a:fillRef idx="0">
+            <a:schemeClr val="accent1"/>
+          </a:fillRef>
+          <a:effectRef idx="2">
+            <a:schemeClr val="accent1"/>
+          </a:effectRef>
+          <a:fontRef idx="minor">
+            <a:schemeClr val="tx1"/>
+          </a:fontRef>
+        </p:style>
+      </p:cxnSp>
+      <p:sp>
+        <p:nvSpPr>
+          <p:cNvPr id="30" name="TextBox 38">
+            <a:extLst>
+              <a:ext uri="{FF2B5EF4-FFF2-40B4-BE49-F238E27FC236}">
+                <a16:creationId xmlns:a16="http://schemas.microsoft.com/office/drawing/2014/main" id="{E5048BB6-E8DC-407B-9D6C-BEB8032C986B}"/>
               </a:ext>
             </a:extLst>
           </p:cNvPr>
@@ -3975,8 +5143,8 @@
         </p:nvSpPr>
         <p:spPr>
           <a:xfrm>
-            <a:off x="8652868" y="1912311"/>
-            <a:ext cx="587020" cy="303481"/>
+            <a:off x="2532574" y="2912727"/>
+            <a:ext cx="675185" cy="303481"/>
           </a:xfrm>
           <a:prstGeom prst="rect">
             <a:avLst/>
@@ -3987,71 +5155,119 @@
           <a:bodyPr wrap="none" rtlCol="0">
             <a:spAutoFit/>
           </a:bodyPr>
-          <a:lstStyle/>
+          <a:lstStyle>
+            <a:defPPr>
+              <a:defRPr lang="en-US"/>
+            </a:defPPr>
+            <a:lvl1pPr marL="0" algn="l" defTabSz="914400" rtl="0" eaLnBrk="1" latinLnBrk="0" hangingPunct="1">
+              <a:defRPr sz="1800" kern="1200">
+                <a:solidFill>
+                  <a:schemeClr val="tx1"/>
+                </a:solidFill>
+                <a:latin typeface="+mn-lt"/>
+                <a:ea typeface="+mn-ea"/>
+                <a:cs typeface="+mn-cs"/>
+              </a:defRPr>
+            </a:lvl1pPr>
+            <a:lvl2pPr marL="457200" algn="l" defTabSz="914400" rtl="0" eaLnBrk="1" latinLnBrk="0" hangingPunct="1">
+              <a:defRPr sz="1800" kern="1200">
+                <a:solidFill>
+                  <a:schemeClr val="tx1"/>
+                </a:solidFill>
+                <a:latin typeface="+mn-lt"/>
+                <a:ea typeface="+mn-ea"/>
+                <a:cs typeface="+mn-cs"/>
+              </a:defRPr>
+            </a:lvl2pPr>
+            <a:lvl3pPr marL="914400" algn="l" defTabSz="914400" rtl="0" eaLnBrk="1" latinLnBrk="0" hangingPunct="1">
+              <a:defRPr sz="1800" kern="1200">
+                <a:solidFill>
+                  <a:schemeClr val="tx1"/>
+                </a:solidFill>
+                <a:latin typeface="+mn-lt"/>
+                <a:ea typeface="+mn-ea"/>
+                <a:cs typeface="+mn-cs"/>
+              </a:defRPr>
+            </a:lvl3pPr>
+            <a:lvl4pPr marL="1371600" algn="l" defTabSz="914400" rtl="0" eaLnBrk="1" latinLnBrk="0" hangingPunct="1">
+              <a:defRPr sz="1800" kern="1200">
+                <a:solidFill>
+                  <a:schemeClr val="tx1"/>
+                </a:solidFill>
+                <a:latin typeface="+mn-lt"/>
+                <a:ea typeface="+mn-ea"/>
+                <a:cs typeface="+mn-cs"/>
+              </a:defRPr>
+            </a:lvl4pPr>
+            <a:lvl5pPr marL="1828800" algn="l" defTabSz="914400" rtl="0" eaLnBrk="1" latinLnBrk="0" hangingPunct="1">
+              <a:defRPr sz="1800" kern="1200">
+                <a:solidFill>
+                  <a:schemeClr val="tx1"/>
+                </a:solidFill>
+                <a:latin typeface="+mn-lt"/>
+                <a:ea typeface="+mn-ea"/>
+                <a:cs typeface="+mn-cs"/>
+              </a:defRPr>
+            </a:lvl5pPr>
+            <a:lvl6pPr marL="2286000" algn="l" defTabSz="914400" rtl="0" eaLnBrk="1" latinLnBrk="0" hangingPunct="1">
+              <a:defRPr sz="1800" kern="1200">
+                <a:solidFill>
+                  <a:schemeClr val="tx1"/>
+                </a:solidFill>
+                <a:latin typeface="+mn-lt"/>
+                <a:ea typeface="+mn-ea"/>
+                <a:cs typeface="+mn-cs"/>
+              </a:defRPr>
+            </a:lvl6pPr>
+            <a:lvl7pPr marL="2743200" algn="l" defTabSz="914400" rtl="0" eaLnBrk="1" latinLnBrk="0" hangingPunct="1">
+              <a:defRPr sz="1800" kern="1200">
+                <a:solidFill>
+                  <a:schemeClr val="tx1"/>
+                </a:solidFill>
+                <a:latin typeface="+mn-lt"/>
+                <a:ea typeface="+mn-ea"/>
+                <a:cs typeface="+mn-cs"/>
+              </a:defRPr>
+            </a:lvl7pPr>
+            <a:lvl8pPr marL="3200400" algn="l" defTabSz="914400" rtl="0" eaLnBrk="1" latinLnBrk="0" hangingPunct="1">
+              <a:defRPr sz="1800" kern="1200">
+                <a:solidFill>
+                  <a:schemeClr val="tx1"/>
+                </a:solidFill>
+                <a:latin typeface="+mn-lt"/>
+                <a:ea typeface="+mn-ea"/>
+                <a:cs typeface="+mn-cs"/>
+              </a:defRPr>
+            </a:lvl8pPr>
+            <a:lvl9pPr marL="3657600" algn="l" defTabSz="914400" rtl="0" eaLnBrk="1" latinLnBrk="0" hangingPunct="1">
+              <a:defRPr sz="1800" kern="1200">
+                <a:solidFill>
+                  <a:schemeClr val="tx1"/>
+                </a:solidFill>
+                <a:latin typeface="+mn-lt"/>
+                <a:ea typeface="+mn-ea"/>
+                <a:cs typeface="+mn-cs"/>
+              </a:defRPr>
+            </a:lvl9pPr>
+          </a:lstStyle>
           <a:p>
             <a:r>
               <a:rPr lang="en-US" sz="1372" b="1" i="1" dirty="0">
                 <a:solidFill>
-                  <a:srgbClr val="FF0000"/>
+                  <a:schemeClr val="accent1"/>
                 </a:solidFill>
               </a:rPr>
-              <a:t>Users</a:t>
+              <a:t>/home</a:t>
             </a:r>
           </a:p>
         </p:txBody>
       </p:sp>
       <p:sp>
         <p:nvSpPr>
-          <p:cNvPr id="8" name="Arrow: Down 7">
+          <p:cNvPr id="31" name="TextBox 39">
             <a:extLst>
               <a:ext uri="{FF2B5EF4-FFF2-40B4-BE49-F238E27FC236}">
-                <a16:creationId xmlns:a16="http://schemas.microsoft.com/office/drawing/2014/main" id="{CFE9E673-E471-4177-9576-235C080150B8}"/>
-              </a:ext>
-            </a:extLst>
-          </p:cNvPr>
-          <p:cNvSpPr/>
-          <p:nvPr/>
-        </p:nvSpPr>
-        <p:spPr>
-          <a:xfrm rot="16200000">
-            <a:off x="6809452" y="1285887"/>
-            <a:ext cx="172192" cy="1293450"/>
-          </a:xfrm>
-          <a:prstGeom prst="downArrow">
-            <a:avLst/>
-          </a:prstGeom>
-        </p:spPr>
-        <p:style>
-          <a:lnRef idx="2">
-            <a:schemeClr val="accent6">
-              <a:shade val="50000"/>
-            </a:schemeClr>
-          </a:lnRef>
-          <a:fillRef idx="1">
-            <a:schemeClr val="accent6"/>
-          </a:fillRef>
-          <a:effectRef idx="0">
-            <a:schemeClr val="accent6"/>
-          </a:effectRef>
-          <a:fontRef idx="minor">
-            <a:schemeClr val="lt1"/>
-          </a:fontRef>
-        </p:style>
-        <p:txBody>
-          <a:bodyPr rtlCol="0" anchor="ctr"/>
-          <a:lstStyle/>
-          <a:p>
-            <a:pPr algn="ctr"/>
-            <a:endParaRPr lang="en-US"/>
-          </a:p>
-        </p:txBody>
-      </p:sp>
-      <p:sp>
-        <p:nvSpPr>
-          <p:cNvPr id="9" name="TextBox 8">
-            <a:extLst>
-              <a:ext uri="{FF2B5EF4-FFF2-40B4-BE49-F238E27FC236}">
-                <a16:creationId xmlns:a16="http://schemas.microsoft.com/office/drawing/2014/main" id="{400AD0A8-0AB1-4DEA-BAAF-7E292501C2DD}"/>
+                <a16:creationId xmlns:a16="http://schemas.microsoft.com/office/drawing/2014/main" id="{5E74C44A-27F5-4028-B52B-EAA7DA1B474A}"/>
               </a:ext>
             </a:extLst>
           </p:cNvPr>
@@ -4060,8 +5276,8 @@
         </p:nvSpPr>
         <p:spPr>
           <a:xfrm>
-            <a:off x="6332416" y="1521715"/>
-            <a:ext cx="568361" cy="338554"/>
+            <a:off x="4900959" y="2888447"/>
+            <a:ext cx="945067" cy="303481"/>
           </a:xfrm>
           <a:prstGeom prst="rect">
             <a:avLst/>
@@ -4072,25 +5288,119 @@
           <a:bodyPr wrap="none" rtlCol="0">
             <a:spAutoFit/>
           </a:bodyPr>
-          <a:lstStyle/>
+          <a:lstStyle>
+            <a:defPPr>
+              <a:defRPr lang="en-US"/>
+            </a:defPPr>
+            <a:lvl1pPr marL="0" algn="l" defTabSz="914400" rtl="0" eaLnBrk="1" latinLnBrk="0" hangingPunct="1">
+              <a:defRPr sz="1800" kern="1200">
+                <a:solidFill>
+                  <a:schemeClr val="tx1"/>
+                </a:solidFill>
+                <a:latin typeface="+mn-lt"/>
+                <a:ea typeface="+mn-ea"/>
+                <a:cs typeface="+mn-cs"/>
+              </a:defRPr>
+            </a:lvl1pPr>
+            <a:lvl2pPr marL="457200" algn="l" defTabSz="914400" rtl="0" eaLnBrk="1" latinLnBrk="0" hangingPunct="1">
+              <a:defRPr sz="1800" kern="1200">
+                <a:solidFill>
+                  <a:schemeClr val="tx1"/>
+                </a:solidFill>
+                <a:latin typeface="+mn-lt"/>
+                <a:ea typeface="+mn-ea"/>
+                <a:cs typeface="+mn-cs"/>
+              </a:defRPr>
+            </a:lvl2pPr>
+            <a:lvl3pPr marL="914400" algn="l" defTabSz="914400" rtl="0" eaLnBrk="1" latinLnBrk="0" hangingPunct="1">
+              <a:defRPr sz="1800" kern="1200">
+                <a:solidFill>
+                  <a:schemeClr val="tx1"/>
+                </a:solidFill>
+                <a:latin typeface="+mn-lt"/>
+                <a:ea typeface="+mn-ea"/>
+                <a:cs typeface="+mn-cs"/>
+              </a:defRPr>
+            </a:lvl3pPr>
+            <a:lvl4pPr marL="1371600" algn="l" defTabSz="914400" rtl="0" eaLnBrk="1" latinLnBrk="0" hangingPunct="1">
+              <a:defRPr sz="1800" kern="1200">
+                <a:solidFill>
+                  <a:schemeClr val="tx1"/>
+                </a:solidFill>
+                <a:latin typeface="+mn-lt"/>
+                <a:ea typeface="+mn-ea"/>
+                <a:cs typeface="+mn-cs"/>
+              </a:defRPr>
+            </a:lvl4pPr>
+            <a:lvl5pPr marL="1828800" algn="l" defTabSz="914400" rtl="0" eaLnBrk="1" latinLnBrk="0" hangingPunct="1">
+              <a:defRPr sz="1800" kern="1200">
+                <a:solidFill>
+                  <a:schemeClr val="tx1"/>
+                </a:solidFill>
+                <a:latin typeface="+mn-lt"/>
+                <a:ea typeface="+mn-ea"/>
+                <a:cs typeface="+mn-cs"/>
+              </a:defRPr>
+            </a:lvl5pPr>
+            <a:lvl6pPr marL="2286000" algn="l" defTabSz="914400" rtl="0" eaLnBrk="1" latinLnBrk="0" hangingPunct="1">
+              <a:defRPr sz="1800" kern="1200">
+                <a:solidFill>
+                  <a:schemeClr val="tx1"/>
+                </a:solidFill>
+                <a:latin typeface="+mn-lt"/>
+                <a:ea typeface="+mn-ea"/>
+                <a:cs typeface="+mn-cs"/>
+              </a:defRPr>
+            </a:lvl6pPr>
+            <a:lvl7pPr marL="2743200" algn="l" defTabSz="914400" rtl="0" eaLnBrk="1" latinLnBrk="0" hangingPunct="1">
+              <a:defRPr sz="1800" kern="1200">
+                <a:solidFill>
+                  <a:schemeClr val="tx1"/>
+                </a:solidFill>
+                <a:latin typeface="+mn-lt"/>
+                <a:ea typeface="+mn-ea"/>
+                <a:cs typeface="+mn-cs"/>
+              </a:defRPr>
+            </a:lvl7pPr>
+            <a:lvl8pPr marL="3200400" algn="l" defTabSz="914400" rtl="0" eaLnBrk="1" latinLnBrk="0" hangingPunct="1">
+              <a:defRPr sz="1800" kern="1200">
+                <a:solidFill>
+                  <a:schemeClr val="tx1"/>
+                </a:solidFill>
+                <a:latin typeface="+mn-lt"/>
+                <a:ea typeface="+mn-ea"/>
+                <a:cs typeface="+mn-cs"/>
+              </a:defRPr>
+            </a:lvl8pPr>
+            <a:lvl9pPr marL="3657600" algn="l" defTabSz="914400" rtl="0" eaLnBrk="1" latinLnBrk="0" hangingPunct="1">
+              <a:defRPr sz="1800" kern="1200">
+                <a:solidFill>
+                  <a:schemeClr val="tx1"/>
+                </a:solidFill>
+                <a:latin typeface="+mn-lt"/>
+                <a:ea typeface="+mn-ea"/>
+                <a:cs typeface="+mn-cs"/>
+              </a:defRPr>
+            </a:lvl9pPr>
+          </a:lstStyle>
           <a:p>
             <a:r>
-              <a:rPr lang="en-US" sz="1600" b="1" i="1" dirty="0">
-                <a:solidFill>
-                  <a:srgbClr val="FF0000"/>
+              <a:rPr lang="en-US" sz="1372" b="1" i="1" dirty="0">
+                <a:solidFill>
+                  <a:schemeClr val="accent1"/>
                 </a:solidFill>
               </a:rPr>
-              <a:t>Emit</a:t>
+              <a:t>/my-event</a:t>
             </a:r>
           </a:p>
         </p:txBody>
       </p:sp>
       <p:sp>
         <p:nvSpPr>
-          <p:cNvPr id="10" name="TextBox 9">
+          <p:cNvPr id="32" name="TextBox 40">
             <a:extLst>
               <a:ext uri="{FF2B5EF4-FFF2-40B4-BE49-F238E27FC236}">
-                <a16:creationId xmlns:a16="http://schemas.microsoft.com/office/drawing/2014/main" id="{207FF20E-2901-45EA-88FB-1818B01FDFDB}"/>
+                <a16:creationId xmlns:a16="http://schemas.microsoft.com/office/drawing/2014/main" id="{3E8C73EC-EE09-4455-A690-B2F0CD452C1A}"/>
               </a:ext>
             </a:extLst>
           </p:cNvPr>
@@ -4099,8 +5409,8 @@
         </p:nvSpPr>
         <p:spPr>
           <a:xfrm>
-            <a:off x="6385425" y="1951946"/>
-            <a:ext cx="849913" cy="338554"/>
+            <a:off x="7260044" y="2917544"/>
+            <a:ext cx="715260" cy="303481"/>
           </a:xfrm>
           <a:prstGeom prst="rect">
             <a:avLst/>
@@ -4108,24 +5418,122 @@
           <a:noFill/>
         </p:spPr>
         <p:txBody>
-          <a:bodyPr wrap="square" rtlCol="0">
+          <a:bodyPr wrap="none" rtlCol="0">
             <a:spAutoFit/>
           </a:bodyPr>
-          <a:lstStyle/>
+          <a:lstStyle>
+            <a:defPPr>
+              <a:defRPr lang="en-US"/>
+            </a:defPPr>
+            <a:lvl1pPr marL="0" algn="l" defTabSz="914400" rtl="0" eaLnBrk="1" latinLnBrk="0" hangingPunct="1">
+              <a:defRPr sz="1800" kern="1200">
+                <a:solidFill>
+                  <a:schemeClr val="tx1"/>
+                </a:solidFill>
+                <a:latin typeface="+mn-lt"/>
+                <a:ea typeface="+mn-ea"/>
+                <a:cs typeface="+mn-cs"/>
+              </a:defRPr>
+            </a:lvl1pPr>
+            <a:lvl2pPr marL="457200" algn="l" defTabSz="914400" rtl="0" eaLnBrk="1" latinLnBrk="0" hangingPunct="1">
+              <a:defRPr sz="1800" kern="1200">
+                <a:solidFill>
+                  <a:schemeClr val="tx1"/>
+                </a:solidFill>
+                <a:latin typeface="+mn-lt"/>
+                <a:ea typeface="+mn-ea"/>
+                <a:cs typeface="+mn-cs"/>
+              </a:defRPr>
+            </a:lvl2pPr>
+            <a:lvl3pPr marL="914400" algn="l" defTabSz="914400" rtl="0" eaLnBrk="1" latinLnBrk="0" hangingPunct="1">
+              <a:defRPr sz="1800" kern="1200">
+                <a:solidFill>
+                  <a:schemeClr val="tx1"/>
+                </a:solidFill>
+                <a:latin typeface="+mn-lt"/>
+                <a:ea typeface="+mn-ea"/>
+                <a:cs typeface="+mn-cs"/>
+              </a:defRPr>
+            </a:lvl3pPr>
+            <a:lvl4pPr marL="1371600" algn="l" defTabSz="914400" rtl="0" eaLnBrk="1" latinLnBrk="0" hangingPunct="1">
+              <a:defRPr sz="1800" kern="1200">
+                <a:solidFill>
+                  <a:schemeClr val="tx1"/>
+                </a:solidFill>
+                <a:latin typeface="+mn-lt"/>
+                <a:ea typeface="+mn-ea"/>
+                <a:cs typeface="+mn-cs"/>
+              </a:defRPr>
+            </a:lvl4pPr>
+            <a:lvl5pPr marL="1828800" algn="l" defTabSz="914400" rtl="0" eaLnBrk="1" latinLnBrk="0" hangingPunct="1">
+              <a:defRPr sz="1800" kern="1200">
+                <a:solidFill>
+                  <a:schemeClr val="tx1"/>
+                </a:solidFill>
+                <a:latin typeface="+mn-lt"/>
+                <a:ea typeface="+mn-ea"/>
+                <a:cs typeface="+mn-cs"/>
+              </a:defRPr>
+            </a:lvl5pPr>
+            <a:lvl6pPr marL="2286000" algn="l" defTabSz="914400" rtl="0" eaLnBrk="1" latinLnBrk="0" hangingPunct="1">
+              <a:defRPr sz="1800" kern="1200">
+                <a:solidFill>
+                  <a:schemeClr val="tx1"/>
+                </a:solidFill>
+                <a:latin typeface="+mn-lt"/>
+                <a:ea typeface="+mn-ea"/>
+                <a:cs typeface="+mn-cs"/>
+              </a:defRPr>
+            </a:lvl6pPr>
+            <a:lvl7pPr marL="2743200" algn="l" defTabSz="914400" rtl="0" eaLnBrk="1" latinLnBrk="0" hangingPunct="1">
+              <a:defRPr sz="1800" kern="1200">
+                <a:solidFill>
+                  <a:schemeClr val="tx1"/>
+                </a:solidFill>
+                <a:latin typeface="+mn-lt"/>
+                <a:ea typeface="+mn-ea"/>
+                <a:cs typeface="+mn-cs"/>
+              </a:defRPr>
+            </a:lvl7pPr>
+            <a:lvl8pPr marL="3200400" algn="l" defTabSz="914400" rtl="0" eaLnBrk="1" latinLnBrk="0" hangingPunct="1">
+              <a:defRPr sz="1800" kern="1200">
+                <a:solidFill>
+                  <a:schemeClr val="tx1"/>
+                </a:solidFill>
+                <a:latin typeface="+mn-lt"/>
+                <a:ea typeface="+mn-ea"/>
+                <a:cs typeface="+mn-cs"/>
+              </a:defRPr>
+            </a:lvl8pPr>
+            <a:lvl9pPr marL="3657600" algn="l" defTabSz="914400" rtl="0" eaLnBrk="1" latinLnBrk="0" hangingPunct="1">
+              <a:defRPr sz="1800" kern="1200">
+                <a:solidFill>
+                  <a:schemeClr val="tx1"/>
+                </a:solidFill>
+                <a:latin typeface="+mn-lt"/>
+                <a:ea typeface="+mn-ea"/>
+                <a:cs typeface="+mn-cs"/>
+              </a:defRPr>
+            </a:lvl9pPr>
+          </a:lstStyle>
           <a:p>
             <a:r>
-              <a:rPr lang="en-US" sz="1600" dirty="0"/>
-              <a:t>user</a:t>
+              <a:rPr lang="en-US" sz="1372" b="1" i="1" dirty="0">
+                <a:solidFill>
+                  <a:schemeClr val="accent1"/>
+                </a:solidFill>
+              </a:rPr>
+              <a:t>/joined</a:t>
             </a:r>
           </a:p>
         </p:txBody>
       </p:sp>
       <p:sp>
         <p:nvSpPr>
-          <p:cNvPr id="11" name="TextBox 10">
+          <p:cNvPr id="33" name="TextBox 41">
             <a:extLst>
               <a:ext uri="{FF2B5EF4-FFF2-40B4-BE49-F238E27FC236}">
-                <a16:creationId xmlns:a16="http://schemas.microsoft.com/office/drawing/2014/main" id="{1F230FCD-1EF8-4456-AB46-51772F254632}"/>
+                <a16:creationId xmlns:a16="http://schemas.microsoft.com/office/drawing/2014/main" id="{EF6B2926-AB1F-4CC1-B4FA-E23691624064}"/>
               </a:ext>
             </a:extLst>
           </p:cNvPr>
@@ -4134,8 +5542,8 @@
         </p:nvSpPr>
         <p:spPr>
           <a:xfrm>
-            <a:off x="4293704" y="3273287"/>
-            <a:ext cx="6546574" cy="1477328"/>
+            <a:off x="9564622" y="2887917"/>
+            <a:ext cx="899926" cy="303481"/>
           </a:xfrm>
           <a:prstGeom prst="rect">
             <a:avLst/>
@@ -4143,72 +5551,2211 @@
           <a:noFill/>
         </p:spPr>
         <p:txBody>
-          <a:bodyPr wrap="square" rtlCol="0">
+          <a:bodyPr wrap="none" rtlCol="0">
             <a:spAutoFit/>
           </a:bodyPr>
-          <a:lstStyle/>
+          <a:lstStyle>
+            <a:defPPr>
+              <a:defRPr lang="en-US"/>
+            </a:defPPr>
+            <a:lvl1pPr marL="0" algn="l" defTabSz="914400" rtl="0" eaLnBrk="1" latinLnBrk="0" hangingPunct="1">
+              <a:defRPr sz="1800" kern="1200">
+                <a:solidFill>
+                  <a:schemeClr val="tx1"/>
+                </a:solidFill>
+                <a:latin typeface="+mn-lt"/>
+                <a:ea typeface="+mn-ea"/>
+                <a:cs typeface="+mn-cs"/>
+              </a:defRPr>
+            </a:lvl1pPr>
+            <a:lvl2pPr marL="457200" algn="l" defTabSz="914400" rtl="0" eaLnBrk="1" latinLnBrk="0" hangingPunct="1">
+              <a:defRPr sz="1800" kern="1200">
+                <a:solidFill>
+                  <a:schemeClr val="tx1"/>
+                </a:solidFill>
+                <a:latin typeface="+mn-lt"/>
+                <a:ea typeface="+mn-ea"/>
+                <a:cs typeface="+mn-cs"/>
+              </a:defRPr>
+            </a:lvl2pPr>
+            <a:lvl3pPr marL="914400" algn="l" defTabSz="914400" rtl="0" eaLnBrk="1" latinLnBrk="0" hangingPunct="1">
+              <a:defRPr sz="1800" kern="1200">
+                <a:solidFill>
+                  <a:schemeClr val="tx1"/>
+                </a:solidFill>
+                <a:latin typeface="+mn-lt"/>
+                <a:ea typeface="+mn-ea"/>
+                <a:cs typeface="+mn-cs"/>
+              </a:defRPr>
+            </a:lvl3pPr>
+            <a:lvl4pPr marL="1371600" algn="l" defTabSz="914400" rtl="0" eaLnBrk="1" latinLnBrk="0" hangingPunct="1">
+              <a:defRPr sz="1800" kern="1200">
+                <a:solidFill>
+                  <a:schemeClr val="tx1"/>
+                </a:solidFill>
+                <a:latin typeface="+mn-lt"/>
+                <a:ea typeface="+mn-ea"/>
+                <a:cs typeface="+mn-cs"/>
+              </a:defRPr>
+            </a:lvl4pPr>
+            <a:lvl5pPr marL="1828800" algn="l" defTabSz="914400" rtl="0" eaLnBrk="1" latinLnBrk="0" hangingPunct="1">
+              <a:defRPr sz="1800" kern="1200">
+                <a:solidFill>
+                  <a:schemeClr val="tx1"/>
+                </a:solidFill>
+                <a:latin typeface="+mn-lt"/>
+                <a:ea typeface="+mn-ea"/>
+                <a:cs typeface="+mn-cs"/>
+              </a:defRPr>
+            </a:lvl5pPr>
+            <a:lvl6pPr marL="2286000" algn="l" defTabSz="914400" rtl="0" eaLnBrk="1" latinLnBrk="0" hangingPunct="1">
+              <a:defRPr sz="1800" kern="1200">
+                <a:solidFill>
+                  <a:schemeClr val="tx1"/>
+                </a:solidFill>
+                <a:latin typeface="+mn-lt"/>
+                <a:ea typeface="+mn-ea"/>
+                <a:cs typeface="+mn-cs"/>
+              </a:defRPr>
+            </a:lvl6pPr>
+            <a:lvl7pPr marL="2743200" algn="l" defTabSz="914400" rtl="0" eaLnBrk="1" latinLnBrk="0" hangingPunct="1">
+              <a:defRPr sz="1800" kern="1200">
+                <a:solidFill>
+                  <a:schemeClr val="tx1"/>
+                </a:solidFill>
+                <a:latin typeface="+mn-lt"/>
+                <a:ea typeface="+mn-ea"/>
+                <a:cs typeface="+mn-cs"/>
+              </a:defRPr>
+            </a:lvl7pPr>
+            <a:lvl8pPr marL="3200400" algn="l" defTabSz="914400" rtl="0" eaLnBrk="1" latinLnBrk="0" hangingPunct="1">
+              <a:defRPr sz="1800" kern="1200">
+                <a:solidFill>
+                  <a:schemeClr val="tx1"/>
+                </a:solidFill>
+                <a:latin typeface="+mn-lt"/>
+                <a:ea typeface="+mn-ea"/>
+                <a:cs typeface="+mn-cs"/>
+              </a:defRPr>
+            </a:lvl8pPr>
+            <a:lvl9pPr marL="3657600" algn="l" defTabSz="914400" rtl="0" eaLnBrk="1" latinLnBrk="0" hangingPunct="1">
+              <a:defRPr sz="1800" kern="1200">
+                <a:solidFill>
+                  <a:schemeClr val="tx1"/>
+                </a:solidFill>
+                <a:latin typeface="+mn-lt"/>
+                <a:ea typeface="+mn-ea"/>
+                <a:cs typeface="+mn-cs"/>
+              </a:defRPr>
+            </a:lvl9pPr>
+          </a:lstStyle>
           <a:p>
             <a:r>
-              <a:rPr lang="en-US" dirty="0"/>
-              <a:t>WHAT WILL HAPPENED:</a:t>
+              <a:rPr lang="en-US" sz="1372" b="1" i="1" dirty="0">
+                <a:solidFill>
+                  <a:schemeClr val="accent1"/>
+                </a:solidFill>
+              </a:rPr>
+              <a:t>/category</a:t>
             </a:r>
           </a:p>
-          <a:p>
-            <a:pPr marL="285750" indent="-285750">
-              <a:buFontTx/>
-              <a:buChar char="-"/>
-            </a:pPr>
-            <a:r>
-              <a:rPr lang="en-US" dirty="0"/>
-              <a:t>Check if the validation doesn’t match or doesn’t have in the data (new user).</a:t>
-            </a:r>
-          </a:p>
-          <a:p>
-            <a:pPr marL="285750" indent="-285750">
-              <a:buFontTx/>
-              <a:buChar char="-"/>
-            </a:pPr>
-            <a:r>
-              <a:rPr lang="en-US" dirty="0"/>
-              <a:t>Need to confirm password if the confirm pass match to the password, then we can register</a:t>
-            </a:r>
-          </a:p>
-        </p:txBody>
-      </p:sp>
-      <p:pic>
-        <p:nvPicPr>
-          <p:cNvPr id="12" name="Picture 11">
+        </p:txBody>
+      </p:sp>
+      <p:sp>
+        <p:nvSpPr>
+          <p:cNvPr id="34" name="TextBox 42">
             <a:extLst>
               <a:ext uri="{FF2B5EF4-FFF2-40B4-BE49-F238E27FC236}">
-                <a16:creationId xmlns:a16="http://schemas.microsoft.com/office/drawing/2014/main" id="{B3EB3590-65B4-4496-92D7-0D822A573C79}"/>
+                <a16:creationId xmlns:a16="http://schemas.microsoft.com/office/drawing/2014/main" id="{2EB0045F-7BFB-4DDC-9F7E-1CCDE44CA8F6}"/>
               </a:ext>
             </a:extLst>
           </p:cNvPr>
-          <p:cNvPicPr>
-            <a:picLocks noChangeAspect="1"/>
-          </p:cNvPicPr>
+          <p:cNvSpPr txBox="1"/>
           <p:nvPr/>
-        </p:nvPicPr>
-        <p:blipFill>
-          <a:blip r:embed="rId2"/>
-          <a:stretch>
-            <a:fillRect/>
-          </a:stretch>
-        </p:blipFill>
+        </p:nvSpPr>
         <p:spPr>
           <a:xfrm>
-            <a:off x="642822" y="1420674"/>
-            <a:ext cx="3305175" cy="3705225"/>
+            <a:off x="1972896" y="3450883"/>
+            <a:ext cx="1172372" cy="303481"/>
           </a:xfrm>
           <a:prstGeom prst="rect">
             <a:avLst/>
           </a:prstGeom>
+          <a:noFill/>
         </p:spPr>
-      </p:pic>
+        <p:txBody>
+          <a:bodyPr wrap="none" rtlCol="0">
+            <a:spAutoFit/>
+          </a:bodyPr>
+          <a:lstStyle>
+            <a:defPPr>
+              <a:defRPr lang="en-US"/>
+            </a:defPPr>
+            <a:lvl1pPr marL="0" algn="l" defTabSz="914400" rtl="0" eaLnBrk="1" latinLnBrk="0" hangingPunct="1">
+              <a:defRPr sz="1800" kern="1200">
+                <a:solidFill>
+                  <a:schemeClr val="tx1"/>
+                </a:solidFill>
+                <a:latin typeface="+mn-lt"/>
+                <a:ea typeface="+mn-ea"/>
+                <a:cs typeface="+mn-cs"/>
+              </a:defRPr>
+            </a:lvl1pPr>
+            <a:lvl2pPr marL="457200" algn="l" defTabSz="914400" rtl="0" eaLnBrk="1" latinLnBrk="0" hangingPunct="1">
+              <a:defRPr sz="1800" kern="1200">
+                <a:solidFill>
+                  <a:schemeClr val="tx1"/>
+                </a:solidFill>
+                <a:latin typeface="+mn-lt"/>
+                <a:ea typeface="+mn-ea"/>
+                <a:cs typeface="+mn-cs"/>
+              </a:defRPr>
+            </a:lvl2pPr>
+            <a:lvl3pPr marL="914400" algn="l" defTabSz="914400" rtl="0" eaLnBrk="1" latinLnBrk="0" hangingPunct="1">
+              <a:defRPr sz="1800" kern="1200">
+                <a:solidFill>
+                  <a:schemeClr val="tx1"/>
+                </a:solidFill>
+                <a:latin typeface="+mn-lt"/>
+                <a:ea typeface="+mn-ea"/>
+                <a:cs typeface="+mn-cs"/>
+              </a:defRPr>
+            </a:lvl3pPr>
+            <a:lvl4pPr marL="1371600" algn="l" defTabSz="914400" rtl="0" eaLnBrk="1" latinLnBrk="0" hangingPunct="1">
+              <a:defRPr sz="1800" kern="1200">
+                <a:solidFill>
+                  <a:schemeClr val="tx1"/>
+                </a:solidFill>
+                <a:latin typeface="+mn-lt"/>
+                <a:ea typeface="+mn-ea"/>
+                <a:cs typeface="+mn-cs"/>
+              </a:defRPr>
+            </a:lvl4pPr>
+            <a:lvl5pPr marL="1828800" algn="l" defTabSz="914400" rtl="0" eaLnBrk="1" latinLnBrk="0" hangingPunct="1">
+              <a:defRPr sz="1800" kern="1200">
+                <a:solidFill>
+                  <a:schemeClr val="tx1"/>
+                </a:solidFill>
+                <a:latin typeface="+mn-lt"/>
+                <a:ea typeface="+mn-ea"/>
+                <a:cs typeface="+mn-cs"/>
+              </a:defRPr>
+            </a:lvl5pPr>
+            <a:lvl6pPr marL="2286000" algn="l" defTabSz="914400" rtl="0" eaLnBrk="1" latinLnBrk="0" hangingPunct="1">
+              <a:defRPr sz="1800" kern="1200">
+                <a:solidFill>
+                  <a:schemeClr val="tx1"/>
+                </a:solidFill>
+                <a:latin typeface="+mn-lt"/>
+                <a:ea typeface="+mn-ea"/>
+                <a:cs typeface="+mn-cs"/>
+              </a:defRPr>
+            </a:lvl6pPr>
+            <a:lvl7pPr marL="2743200" algn="l" defTabSz="914400" rtl="0" eaLnBrk="1" latinLnBrk="0" hangingPunct="1">
+              <a:defRPr sz="1800" kern="1200">
+                <a:solidFill>
+                  <a:schemeClr val="tx1"/>
+                </a:solidFill>
+                <a:latin typeface="+mn-lt"/>
+                <a:ea typeface="+mn-ea"/>
+                <a:cs typeface="+mn-cs"/>
+              </a:defRPr>
+            </a:lvl7pPr>
+            <a:lvl8pPr marL="3200400" algn="l" defTabSz="914400" rtl="0" eaLnBrk="1" latinLnBrk="0" hangingPunct="1">
+              <a:defRPr sz="1800" kern="1200">
+                <a:solidFill>
+                  <a:schemeClr val="tx1"/>
+                </a:solidFill>
+                <a:latin typeface="+mn-lt"/>
+                <a:ea typeface="+mn-ea"/>
+                <a:cs typeface="+mn-cs"/>
+              </a:defRPr>
+            </a:lvl8pPr>
+            <a:lvl9pPr marL="3657600" algn="l" defTabSz="914400" rtl="0" eaLnBrk="1" latinLnBrk="0" hangingPunct="1">
+              <a:defRPr sz="1800" kern="1200">
+                <a:solidFill>
+                  <a:schemeClr val="tx1"/>
+                </a:solidFill>
+                <a:latin typeface="+mn-lt"/>
+                <a:ea typeface="+mn-ea"/>
+                <a:cs typeface="+mn-cs"/>
+              </a:defRPr>
+            </a:lvl9pPr>
+          </a:lstStyle>
+          <a:p>
+            <a:r>
+              <a:rPr lang="en-US" sz="1372" b="1" i="1" dirty="0">
+                <a:solidFill>
+                  <a:srgbClr val="FF0000"/>
+                </a:solidFill>
+              </a:rPr>
+              <a:t>&lt;home-view&gt;</a:t>
+            </a:r>
+          </a:p>
+        </p:txBody>
+      </p:sp>
+      <p:sp>
+        <p:nvSpPr>
+          <p:cNvPr id="35" name="TextBox 43">
+            <a:extLst>
+              <a:ext uri="{FF2B5EF4-FFF2-40B4-BE49-F238E27FC236}">
+                <a16:creationId xmlns:a16="http://schemas.microsoft.com/office/drawing/2014/main" id="{A7572E00-979E-4139-825C-B8D55B15DEB6}"/>
+              </a:ext>
+            </a:extLst>
+          </p:cNvPr>
+          <p:cNvSpPr txBox="1"/>
+          <p:nvPr/>
+        </p:nvSpPr>
+        <p:spPr>
+          <a:xfrm>
+            <a:off x="4275635" y="3450884"/>
+            <a:ext cx="1442254" cy="303481"/>
+          </a:xfrm>
+          <a:prstGeom prst="rect">
+            <a:avLst/>
+          </a:prstGeom>
+          <a:noFill/>
+        </p:spPr>
+        <p:txBody>
+          <a:bodyPr wrap="none" rtlCol="0">
+            <a:spAutoFit/>
+          </a:bodyPr>
+          <a:lstStyle>
+            <a:defPPr>
+              <a:defRPr lang="en-US"/>
+            </a:defPPr>
+            <a:lvl1pPr marL="0" algn="l" defTabSz="914400" rtl="0" eaLnBrk="1" latinLnBrk="0" hangingPunct="1">
+              <a:defRPr sz="1800" kern="1200">
+                <a:solidFill>
+                  <a:schemeClr val="tx1"/>
+                </a:solidFill>
+                <a:latin typeface="+mn-lt"/>
+                <a:ea typeface="+mn-ea"/>
+                <a:cs typeface="+mn-cs"/>
+              </a:defRPr>
+            </a:lvl1pPr>
+            <a:lvl2pPr marL="457200" algn="l" defTabSz="914400" rtl="0" eaLnBrk="1" latinLnBrk="0" hangingPunct="1">
+              <a:defRPr sz="1800" kern="1200">
+                <a:solidFill>
+                  <a:schemeClr val="tx1"/>
+                </a:solidFill>
+                <a:latin typeface="+mn-lt"/>
+                <a:ea typeface="+mn-ea"/>
+                <a:cs typeface="+mn-cs"/>
+              </a:defRPr>
+            </a:lvl2pPr>
+            <a:lvl3pPr marL="914400" algn="l" defTabSz="914400" rtl="0" eaLnBrk="1" latinLnBrk="0" hangingPunct="1">
+              <a:defRPr sz="1800" kern="1200">
+                <a:solidFill>
+                  <a:schemeClr val="tx1"/>
+                </a:solidFill>
+                <a:latin typeface="+mn-lt"/>
+                <a:ea typeface="+mn-ea"/>
+                <a:cs typeface="+mn-cs"/>
+              </a:defRPr>
+            </a:lvl3pPr>
+            <a:lvl4pPr marL="1371600" algn="l" defTabSz="914400" rtl="0" eaLnBrk="1" latinLnBrk="0" hangingPunct="1">
+              <a:defRPr sz="1800" kern="1200">
+                <a:solidFill>
+                  <a:schemeClr val="tx1"/>
+                </a:solidFill>
+                <a:latin typeface="+mn-lt"/>
+                <a:ea typeface="+mn-ea"/>
+                <a:cs typeface="+mn-cs"/>
+              </a:defRPr>
+            </a:lvl4pPr>
+            <a:lvl5pPr marL="1828800" algn="l" defTabSz="914400" rtl="0" eaLnBrk="1" latinLnBrk="0" hangingPunct="1">
+              <a:defRPr sz="1800" kern="1200">
+                <a:solidFill>
+                  <a:schemeClr val="tx1"/>
+                </a:solidFill>
+                <a:latin typeface="+mn-lt"/>
+                <a:ea typeface="+mn-ea"/>
+                <a:cs typeface="+mn-cs"/>
+              </a:defRPr>
+            </a:lvl5pPr>
+            <a:lvl6pPr marL="2286000" algn="l" defTabSz="914400" rtl="0" eaLnBrk="1" latinLnBrk="0" hangingPunct="1">
+              <a:defRPr sz="1800" kern="1200">
+                <a:solidFill>
+                  <a:schemeClr val="tx1"/>
+                </a:solidFill>
+                <a:latin typeface="+mn-lt"/>
+                <a:ea typeface="+mn-ea"/>
+                <a:cs typeface="+mn-cs"/>
+              </a:defRPr>
+            </a:lvl6pPr>
+            <a:lvl7pPr marL="2743200" algn="l" defTabSz="914400" rtl="0" eaLnBrk="1" latinLnBrk="0" hangingPunct="1">
+              <a:defRPr sz="1800" kern="1200">
+                <a:solidFill>
+                  <a:schemeClr val="tx1"/>
+                </a:solidFill>
+                <a:latin typeface="+mn-lt"/>
+                <a:ea typeface="+mn-ea"/>
+                <a:cs typeface="+mn-cs"/>
+              </a:defRPr>
+            </a:lvl7pPr>
+            <a:lvl8pPr marL="3200400" algn="l" defTabSz="914400" rtl="0" eaLnBrk="1" latinLnBrk="0" hangingPunct="1">
+              <a:defRPr sz="1800" kern="1200">
+                <a:solidFill>
+                  <a:schemeClr val="tx1"/>
+                </a:solidFill>
+                <a:latin typeface="+mn-lt"/>
+                <a:ea typeface="+mn-ea"/>
+                <a:cs typeface="+mn-cs"/>
+              </a:defRPr>
+            </a:lvl8pPr>
+            <a:lvl9pPr marL="3657600" algn="l" defTabSz="914400" rtl="0" eaLnBrk="1" latinLnBrk="0" hangingPunct="1">
+              <a:defRPr sz="1800" kern="1200">
+                <a:solidFill>
+                  <a:schemeClr val="tx1"/>
+                </a:solidFill>
+                <a:latin typeface="+mn-lt"/>
+                <a:ea typeface="+mn-ea"/>
+                <a:cs typeface="+mn-cs"/>
+              </a:defRPr>
+            </a:lvl9pPr>
+          </a:lstStyle>
+          <a:p>
+            <a:r>
+              <a:rPr lang="en-US" sz="1372" b="1" i="1" dirty="0">
+                <a:solidFill>
+                  <a:srgbClr val="FF0000"/>
+                </a:solidFill>
+              </a:rPr>
+              <a:t>&lt;my-event-view&gt;</a:t>
+            </a:r>
+          </a:p>
+        </p:txBody>
+      </p:sp>
+      <p:sp>
+        <p:nvSpPr>
+          <p:cNvPr id="36" name="TextBox 44">
+            <a:extLst>
+              <a:ext uri="{FF2B5EF4-FFF2-40B4-BE49-F238E27FC236}">
+                <a16:creationId xmlns:a16="http://schemas.microsoft.com/office/drawing/2014/main" id="{EE2B83B0-0F95-4CA2-BD00-F34ABD209B3D}"/>
+              </a:ext>
+            </a:extLst>
+          </p:cNvPr>
+          <p:cNvSpPr txBox="1"/>
+          <p:nvPr/>
+        </p:nvSpPr>
+        <p:spPr>
+          <a:xfrm>
+            <a:off x="6702362" y="3425577"/>
+            <a:ext cx="1212448" cy="303481"/>
+          </a:xfrm>
+          <a:prstGeom prst="rect">
+            <a:avLst/>
+          </a:prstGeom>
+          <a:noFill/>
+        </p:spPr>
+        <p:txBody>
+          <a:bodyPr wrap="none" rtlCol="0">
+            <a:spAutoFit/>
+          </a:bodyPr>
+          <a:lstStyle>
+            <a:defPPr>
+              <a:defRPr lang="en-US"/>
+            </a:defPPr>
+            <a:lvl1pPr marL="0" algn="l" defTabSz="914400" rtl="0" eaLnBrk="1" latinLnBrk="0" hangingPunct="1">
+              <a:defRPr sz="1800" kern="1200">
+                <a:solidFill>
+                  <a:schemeClr val="tx1"/>
+                </a:solidFill>
+                <a:latin typeface="+mn-lt"/>
+                <a:ea typeface="+mn-ea"/>
+                <a:cs typeface="+mn-cs"/>
+              </a:defRPr>
+            </a:lvl1pPr>
+            <a:lvl2pPr marL="457200" algn="l" defTabSz="914400" rtl="0" eaLnBrk="1" latinLnBrk="0" hangingPunct="1">
+              <a:defRPr sz="1800" kern="1200">
+                <a:solidFill>
+                  <a:schemeClr val="tx1"/>
+                </a:solidFill>
+                <a:latin typeface="+mn-lt"/>
+                <a:ea typeface="+mn-ea"/>
+                <a:cs typeface="+mn-cs"/>
+              </a:defRPr>
+            </a:lvl2pPr>
+            <a:lvl3pPr marL="914400" algn="l" defTabSz="914400" rtl="0" eaLnBrk="1" latinLnBrk="0" hangingPunct="1">
+              <a:defRPr sz="1800" kern="1200">
+                <a:solidFill>
+                  <a:schemeClr val="tx1"/>
+                </a:solidFill>
+                <a:latin typeface="+mn-lt"/>
+                <a:ea typeface="+mn-ea"/>
+                <a:cs typeface="+mn-cs"/>
+              </a:defRPr>
+            </a:lvl3pPr>
+            <a:lvl4pPr marL="1371600" algn="l" defTabSz="914400" rtl="0" eaLnBrk="1" latinLnBrk="0" hangingPunct="1">
+              <a:defRPr sz="1800" kern="1200">
+                <a:solidFill>
+                  <a:schemeClr val="tx1"/>
+                </a:solidFill>
+                <a:latin typeface="+mn-lt"/>
+                <a:ea typeface="+mn-ea"/>
+                <a:cs typeface="+mn-cs"/>
+              </a:defRPr>
+            </a:lvl4pPr>
+            <a:lvl5pPr marL="1828800" algn="l" defTabSz="914400" rtl="0" eaLnBrk="1" latinLnBrk="0" hangingPunct="1">
+              <a:defRPr sz="1800" kern="1200">
+                <a:solidFill>
+                  <a:schemeClr val="tx1"/>
+                </a:solidFill>
+                <a:latin typeface="+mn-lt"/>
+                <a:ea typeface="+mn-ea"/>
+                <a:cs typeface="+mn-cs"/>
+              </a:defRPr>
+            </a:lvl5pPr>
+            <a:lvl6pPr marL="2286000" algn="l" defTabSz="914400" rtl="0" eaLnBrk="1" latinLnBrk="0" hangingPunct="1">
+              <a:defRPr sz="1800" kern="1200">
+                <a:solidFill>
+                  <a:schemeClr val="tx1"/>
+                </a:solidFill>
+                <a:latin typeface="+mn-lt"/>
+                <a:ea typeface="+mn-ea"/>
+                <a:cs typeface="+mn-cs"/>
+              </a:defRPr>
+            </a:lvl6pPr>
+            <a:lvl7pPr marL="2743200" algn="l" defTabSz="914400" rtl="0" eaLnBrk="1" latinLnBrk="0" hangingPunct="1">
+              <a:defRPr sz="1800" kern="1200">
+                <a:solidFill>
+                  <a:schemeClr val="tx1"/>
+                </a:solidFill>
+                <a:latin typeface="+mn-lt"/>
+                <a:ea typeface="+mn-ea"/>
+                <a:cs typeface="+mn-cs"/>
+              </a:defRPr>
+            </a:lvl7pPr>
+            <a:lvl8pPr marL="3200400" algn="l" defTabSz="914400" rtl="0" eaLnBrk="1" latinLnBrk="0" hangingPunct="1">
+              <a:defRPr sz="1800" kern="1200">
+                <a:solidFill>
+                  <a:schemeClr val="tx1"/>
+                </a:solidFill>
+                <a:latin typeface="+mn-lt"/>
+                <a:ea typeface="+mn-ea"/>
+                <a:cs typeface="+mn-cs"/>
+              </a:defRPr>
+            </a:lvl8pPr>
+            <a:lvl9pPr marL="3657600" algn="l" defTabSz="914400" rtl="0" eaLnBrk="1" latinLnBrk="0" hangingPunct="1">
+              <a:defRPr sz="1800" kern="1200">
+                <a:solidFill>
+                  <a:schemeClr val="tx1"/>
+                </a:solidFill>
+                <a:latin typeface="+mn-lt"/>
+                <a:ea typeface="+mn-ea"/>
+                <a:cs typeface="+mn-cs"/>
+              </a:defRPr>
+            </a:lvl9pPr>
+          </a:lstStyle>
+          <a:p>
+            <a:r>
+              <a:rPr lang="en-US" sz="1372" b="1" i="1" dirty="0">
+                <a:solidFill>
+                  <a:srgbClr val="FF0000"/>
+                </a:solidFill>
+              </a:rPr>
+              <a:t>&lt;joined-view&gt;</a:t>
+            </a:r>
+          </a:p>
+        </p:txBody>
+      </p:sp>
+      <p:sp>
+        <p:nvSpPr>
+          <p:cNvPr id="37" name="TextBox 45">
+            <a:extLst>
+              <a:ext uri="{FF2B5EF4-FFF2-40B4-BE49-F238E27FC236}">
+                <a16:creationId xmlns:a16="http://schemas.microsoft.com/office/drawing/2014/main" id="{48BEA699-E283-4BE4-8BF2-A929BBCA8650}"/>
+              </a:ext>
+            </a:extLst>
+          </p:cNvPr>
+          <p:cNvSpPr txBox="1"/>
+          <p:nvPr/>
+        </p:nvSpPr>
+        <p:spPr>
+          <a:xfrm>
+            <a:off x="8955833" y="3425576"/>
+            <a:ext cx="1401409" cy="303481"/>
+          </a:xfrm>
+          <a:prstGeom prst="rect">
+            <a:avLst/>
+          </a:prstGeom>
+          <a:noFill/>
+        </p:spPr>
+        <p:txBody>
+          <a:bodyPr wrap="none" rtlCol="0">
+            <a:spAutoFit/>
+          </a:bodyPr>
+          <a:lstStyle>
+            <a:defPPr>
+              <a:defRPr lang="en-US"/>
+            </a:defPPr>
+            <a:lvl1pPr marL="0" algn="l" defTabSz="914400" rtl="0" eaLnBrk="1" latinLnBrk="0" hangingPunct="1">
+              <a:defRPr sz="1800" kern="1200">
+                <a:solidFill>
+                  <a:schemeClr val="tx1"/>
+                </a:solidFill>
+                <a:latin typeface="+mn-lt"/>
+                <a:ea typeface="+mn-ea"/>
+                <a:cs typeface="+mn-cs"/>
+              </a:defRPr>
+            </a:lvl1pPr>
+            <a:lvl2pPr marL="457200" algn="l" defTabSz="914400" rtl="0" eaLnBrk="1" latinLnBrk="0" hangingPunct="1">
+              <a:defRPr sz="1800" kern="1200">
+                <a:solidFill>
+                  <a:schemeClr val="tx1"/>
+                </a:solidFill>
+                <a:latin typeface="+mn-lt"/>
+                <a:ea typeface="+mn-ea"/>
+                <a:cs typeface="+mn-cs"/>
+              </a:defRPr>
+            </a:lvl2pPr>
+            <a:lvl3pPr marL="914400" algn="l" defTabSz="914400" rtl="0" eaLnBrk="1" latinLnBrk="0" hangingPunct="1">
+              <a:defRPr sz="1800" kern="1200">
+                <a:solidFill>
+                  <a:schemeClr val="tx1"/>
+                </a:solidFill>
+                <a:latin typeface="+mn-lt"/>
+                <a:ea typeface="+mn-ea"/>
+                <a:cs typeface="+mn-cs"/>
+              </a:defRPr>
+            </a:lvl3pPr>
+            <a:lvl4pPr marL="1371600" algn="l" defTabSz="914400" rtl="0" eaLnBrk="1" latinLnBrk="0" hangingPunct="1">
+              <a:defRPr sz="1800" kern="1200">
+                <a:solidFill>
+                  <a:schemeClr val="tx1"/>
+                </a:solidFill>
+                <a:latin typeface="+mn-lt"/>
+                <a:ea typeface="+mn-ea"/>
+                <a:cs typeface="+mn-cs"/>
+              </a:defRPr>
+            </a:lvl4pPr>
+            <a:lvl5pPr marL="1828800" algn="l" defTabSz="914400" rtl="0" eaLnBrk="1" latinLnBrk="0" hangingPunct="1">
+              <a:defRPr sz="1800" kern="1200">
+                <a:solidFill>
+                  <a:schemeClr val="tx1"/>
+                </a:solidFill>
+                <a:latin typeface="+mn-lt"/>
+                <a:ea typeface="+mn-ea"/>
+                <a:cs typeface="+mn-cs"/>
+              </a:defRPr>
+            </a:lvl5pPr>
+            <a:lvl6pPr marL="2286000" algn="l" defTabSz="914400" rtl="0" eaLnBrk="1" latinLnBrk="0" hangingPunct="1">
+              <a:defRPr sz="1800" kern="1200">
+                <a:solidFill>
+                  <a:schemeClr val="tx1"/>
+                </a:solidFill>
+                <a:latin typeface="+mn-lt"/>
+                <a:ea typeface="+mn-ea"/>
+                <a:cs typeface="+mn-cs"/>
+              </a:defRPr>
+            </a:lvl6pPr>
+            <a:lvl7pPr marL="2743200" algn="l" defTabSz="914400" rtl="0" eaLnBrk="1" latinLnBrk="0" hangingPunct="1">
+              <a:defRPr sz="1800" kern="1200">
+                <a:solidFill>
+                  <a:schemeClr val="tx1"/>
+                </a:solidFill>
+                <a:latin typeface="+mn-lt"/>
+                <a:ea typeface="+mn-ea"/>
+                <a:cs typeface="+mn-cs"/>
+              </a:defRPr>
+            </a:lvl7pPr>
+            <a:lvl8pPr marL="3200400" algn="l" defTabSz="914400" rtl="0" eaLnBrk="1" latinLnBrk="0" hangingPunct="1">
+              <a:defRPr sz="1800" kern="1200">
+                <a:solidFill>
+                  <a:schemeClr val="tx1"/>
+                </a:solidFill>
+                <a:latin typeface="+mn-lt"/>
+                <a:ea typeface="+mn-ea"/>
+                <a:cs typeface="+mn-cs"/>
+              </a:defRPr>
+            </a:lvl8pPr>
+            <a:lvl9pPr marL="3657600" algn="l" defTabSz="914400" rtl="0" eaLnBrk="1" latinLnBrk="0" hangingPunct="1">
+              <a:defRPr sz="1800" kern="1200">
+                <a:solidFill>
+                  <a:schemeClr val="tx1"/>
+                </a:solidFill>
+                <a:latin typeface="+mn-lt"/>
+                <a:ea typeface="+mn-ea"/>
+                <a:cs typeface="+mn-cs"/>
+              </a:defRPr>
+            </a:lvl9pPr>
+          </a:lstStyle>
+          <a:p>
+            <a:r>
+              <a:rPr lang="en-US" sz="1372" b="1" i="1" dirty="0">
+                <a:solidFill>
+                  <a:srgbClr val="FF0000"/>
+                </a:solidFill>
+              </a:rPr>
+              <a:t>&lt;category-view&gt;</a:t>
+            </a:r>
+          </a:p>
+        </p:txBody>
+      </p:sp>
+      <p:sp>
+        <p:nvSpPr>
+          <p:cNvPr id="38" name="Rounded Rectangle 4">
+            <a:extLst>
+              <a:ext uri="{FF2B5EF4-FFF2-40B4-BE49-F238E27FC236}">
+                <a16:creationId xmlns:a16="http://schemas.microsoft.com/office/drawing/2014/main" id="{EBFFA4EA-0E62-44A3-9ABF-4B3D4389B183}"/>
+              </a:ext>
+            </a:extLst>
+          </p:cNvPr>
+          <p:cNvSpPr/>
+          <p:nvPr/>
+        </p:nvSpPr>
+        <p:spPr>
+          <a:xfrm>
+            <a:off x="1727452" y="4573773"/>
+            <a:ext cx="1650319" cy="567257"/>
+          </a:xfrm>
+          <a:prstGeom prst="roundRect">
+            <a:avLst/>
+          </a:prstGeom>
+          <a:noFill/>
+          <a:ln>
+            <a:solidFill>
+              <a:srgbClr val="FF0000"/>
+            </a:solidFill>
+            <a:prstDash val="lgDash"/>
+          </a:ln>
+        </p:spPr>
+        <p:style>
+          <a:lnRef idx="2">
+            <a:schemeClr val="accent1">
+              <a:shade val="50000"/>
+            </a:schemeClr>
+          </a:lnRef>
+          <a:fillRef idx="1">
+            <a:schemeClr val="accent1"/>
+          </a:fillRef>
+          <a:effectRef idx="0">
+            <a:schemeClr val="accent1"/>
+          </a:effectRef>
+          <a:fontRef idx="minor">
+            <a:schemeClr val="lt1"/>
+          </a:fontRef>
+        </p:style>
+        <p:txBody>
+          <a:bodyPr rtlCol="0" anchor="ctr"/>
+          <a:lstStyle>
+            <a:defPPr>
+              <a:defRPr lang="en-US"/>
+            </a:defPPr>
+            <a:lvl1pPr marL="0" algn="l" defTabSz="914400" rtl="0" eaLnBrk="1" latinLnBrk="0" hangingPunct="1">
+              <a:defRPr sz="1800" kern="1200">
+                <a:solidFill>
+                  <a:schemeClr val="lt1"/>
+                </a:solidFill>
+                <a:latin typeface="+mn-lt"/>
+                <a:ea typeface="+mn-ea"/>
+                <a:cs typeface="+mn-cs"/>
+              </a:defRPr>
+            </a:lvl1pPr>
+            <a:lvl2pPr marL="457200" algn="l" defTabSz="914400" rtl="0" eaLnBrk="1" latinLnBrk="0" hangingPunct="1">
+              <a:defRPr sz="1800" kern="1200">
+                <a:solidFill>
+                  <a:schemeClr val="lt1"/>
+                </a:solidFill>
+                <a:latin typeface="+mn-lt"/>
+                <a:ea typeface="+mn-ea"/>
+                <a:cs typeface="+mn-cs"/>
+              </a:defRPr>
+            </a:lvl2pPr>
+            <a:lvl3pPr marL="914400" algn="l" defTabSz="914400" rtl="0" eaLnBrk="1" latinLnBrk="0" hangingPunct="1">
+              <a:defRPr sz="1800" kern="1200">
+                <a:solidFill>
+                  <a:schemeClr val="lt1"/>
+                </a:solidFill>
+                <a:latin typeface="+mn-lt"/>
+                <a:ea typeface="+mn-ea"/>
+                <a:cs typeface="+mn-cs"/>
+              </a:defRPr>
+            </a:lvl3pPr>
+            <a:lvl4pPr marL="1371600" algn="l" defTabSz="914400" rtl="0" eaLnBrk="1" latinLnBrk="0" hangingPunct="1">
+              <a:defRPr sz="1800" kern="1200">
+                <a:solidFill>
+                  <a:schemeClr val="lt1"/>
+                </a:solidFill>
+                <a:latin typeface="+mn-lt"/>
+                <a:ea typeface="+mn-ea"/>
+                <a:cs typeface="+mn-cs"/>
+              </a:defRPr>
+            </a:lvl4pPr>
+            <a:lvl5pPr marL="1828800" algn="l" defTabSz="914400" rtl="0" eaLnBrk="1" latinLnBrk="0" hangingPunct="1">
+              <a:defRPr sz="1800" kern="1200">
+                <a:solidFill>
+                  <a:schemeClr val="lt1"/>
+                </a:solidFill>
+                <a:latin typeface="+mn-lt"/>
+                <a:ea typeface="+mn-ea"/>
+                <a:cs typeface="+mn-cs"/>
+              </a:defRPr>
+            </a:lvl5pPr>
+            <a:lvl6pPr marL="2286000" algn="l" defTabSz="914400" rtl="0" eaLnBrk="1" latinLnBrk="0" hangingPunct="1">
+              <a:defRPr sz="1800" kern="1200">
+                <a:solidFill>
+                  <a:schemeClr val="lt1"/>
+                </a:solidFill>
+                <a:latin typeface="+mn-lt"/>
+                <a:ea typeface="+mn-ea"/>
+                <a:cs typeface="+mn-cs"/>
+              </a:defRPr>
+            </a:lvl6pPr>
+            <a:lvl7pPr marL="2743200" algn="l" defTabSz="914400" rtl="0" eaLnBrk="1" latinLnBrk="0" hangingPunct="1">
+              <a:defRPr sz="1800" kern="1200">
+                <a:solidFill>
+                  <a:schemeClr val="lt1"/>
+                </a:solidFill>
+                <a:latin typeface="+mn-lt"/>
+                <a:ea typeface="+mn-ea"/>
+                <a:cs typeface="+mn-cs"/>
+              </a:defRPr>
+            </a:lvl7pPr>
+            <a:lvl8pPr marL="3200400" algn="l" defTabSz="914400" rtl="0" eaLnBrk="1" latinLnBrk="0" hangingPunct="1">
+              <a:defRPr sz="1800" kern="1200">
+                <a:solidFill>
+                  <a:schemeClr val="lt1"/>
+                </a:solidFill>
+                <a:latin typeface="+mn-lt"/>
+                <a:ea typeface="+mn-ea"/>
+                <a:cs typeface="+mn-cs"/>
+              </a:defRPr>
+            </a:lvl8pPr>
+            <a:lvl9pPr marL="3657600" algn="l" defTabSz="914400" rtl="0" eaLnBrk="1" latinLnBrk="0" hangingPunct="1">
+              <a:defRPr sz="1800" kern="1200">
+                <a:solidFill>
+                  <a:schemeClr val="lt1"/>
+                </a:solidFill>
+                <a:latin typeface="+mn-lt"/>
+                <a:ea typeface="+mn-ea"/>
+                <a:cs typeface="+mn-cs"/>
+              </a:defRPr>
+            </a:lvl9pPr>
+          </a:lstStyle>
+          <a:p>
+            <a:pPr algn="ctr"/>
+            <a:endParaRPr lang="en-US" sz="1372"/>
+          </a:p>
+        </p:txBody>
+      </p:sp>
+      <p:sp>
+        <p:nvSpPr>
+          <p:cNvPr id="39" name="Rounded Rectangle 4">
+            <a:extLst>
+              <a:ext uri="{FF2B5EF4-FFF2-40B4-BE49-F238E27FC236}">
+                <a16:creationId xmlns:a16="http://schemas.microsoft.com/office/drawing/2014/main" id="{9718C553-4775-488F-9C9D-B549D1E707A0}"/>
+              </a:ext>
+            </a:extLst>
+          </p:cNvPr>
+          <p:cNvSpPr/>
+          <p:nvPr/>
+        </p:nvSpPr>
+        <p:spPr>
+          <a:xfrm>
+            <a:off x="4118850" y="4573772"/>
+            <a:ext cx="1650319" cy="567257"/>
+          </a:xfrm>
+          <a:prstGeom prst="roundRect">
+            <a:avLst/>
+          </a:prstGeom>
+          <a:noFill/>
+          <a:ln>
+            <a:solidFill>
+              <a:srgbClr val="FF0000"/>
+            </a:solidFill>
+            <a:prstDash val="lgDash"/>
+          </a:ln>
+        </p:spPr>
+        <p:style>
+          <a:lnRef idx="2">
+            <a:schemeClr val="accent1">
+              <a:shade val="50000"/>
+            </a:schemeClr>
+          </a:lnRef>
+          <a:fillRef idx="1">
+            <a:schemeClr val="accent1"/>
+          </a:fillRef>
+          <a:effectRef idx="0">
+            <a:schemeClr val="accent1"/>
+          </a:effectRef>
+          <a:fontRef idx="minor">
+            <a:schemeClr val="lt1"/>
+          </a:fontRef>
+        </p:style>
+        <p:txBody>
+          <a:bodyPr rtlCol="0" anchor="ctr"/>
+          <a:lstStyle>
+            <a:defPPr>
+              <a:defRPr lang="en-US"/>
+            </a:defPPr>
+            <a:lvl1pPr marL="0" algn="l" defTabSz="914400" rtl="0" eaLnBrk="1" latinLnBrk="0" hangingPunct="1">
+              <a:defRPr sz="1800" kern="1200">
+                <a:solidFill>
+                  <a:schemeClr val="lt1"/>
+                </a:solidFill>
+                <a:latin typeface="+mn-lt"/>
+                <a:ea typeface="+mn-ea"/>
+                <a:cs typeface="+mn-cs"/>
+              </a:defRPr>
+            </a:lvl1pPr>
+            <a:lvl2pPr marL="457200" algn="l" defTabSz="914400" rtl="0" eaLnBrk="1" latinLnBrk="0" hangingPunct="1">
+              <a:defRPr sz="1800" kern="1200">
+                <a:solidFill>
+                  <a:schemeClr val="lt1"/>
+                </a:solidFill>
+                <a:latin typeface="+mn-lt"/>
+                <a:ea typeface="+mn-ea"/>
+                <a:cs typeface="+mn-cs"/>
+              </a:defRPr>
+            </a:lvl2pPr>
+            <a:lvl3pPr marL="914400" algn="l" defTabSz="914400" rtl="0" eaLnBrk="1" latinLnBrk="0" hangingPunct="1">
+              <a:defRPr sz="1800" kern="1200">
+                <a:solidFill>
+                  <a:schemeClr val="lt1"/>
+                </a:solidFill>
+                <a:latin typeface="+mn-lt"/>
+                <a:ea typeface="+mn-ea"/>
+                <a:cs typeface="+mn-cs"/>
+              </a:defRPr>
+            </a:lvl3pPr>
+            <a:lvl4pPr marL="1371600" algn="l" defTabSz="914400" rtl="0" eaLnBrk="1" latinLnBrk="0" hangingPunct="1">
+              <a:defRPr sz="1800" kern="1200">
+                <a:solidFill>
+                  <a:schemeClr val="lt1"/>
+                </a:solidFill>
+                <a:latin typeface="+mn-lt"/>
+                <a:ea typeface="+mn-ea"/>
+                <a:cs typeface="+mn-cs"/>
+              </a:defRPr>
+            </a:lvl4pPr>
+            <a:lvl5pPr marL="1828800" algn="l" defTabSz="914400" rtl="0" eaLnBrk="1" latinLnBrk="0" hangingPunct="1">
+              <a:defRPr sz="1800" kern="1200">
+                <a:solidFill>
+                  <a:schemeClr val="lt1"/>
+                </a:solidFill>
+                <a:latin typeface="+mn-lt"/>
+                <a:ea typeface="+mn-ea"/>
+                <a:cs typeface="+mn-cs"/>
+              </a:defRPr>
+            </a:lvl5pPr>
+            <a:lvl6pPr marL="2286000" algn="l" defTabSz="914400" rtl="0" eaLnBrk="1" latinLnBrk="0" hangingPunct="1">
+              <a:defRPr sz="1800" kern="1200">
+                <a:solidFill>
+                  <a:schemeClr val="lt1"/>
+                </a:solidFill>
+                <a:latin typeface="+mn-lt"/>
+                <a:ea typeface="+mn-ea"/>
+                <a:cs typeface="+mn-cs"/>
+              </a:defRPr>
+            </a:lvl6pPr>
+            <a:lvl7pPr marL="2743200" algn="l" defTabSz="914400" rtl="0" eaLnBrk="1" latinLnBrk="0" hangingPunct="1">
+              <a:defRPr sz="1800" kern="1200">
+                <a:solidFill>
+                  <a:schemeClr val="lt1"/>
+                </a:solidFill>
+                <a:latin typeface="+mn-lt"/>
+                <a:ea typeface="+mn-ea"/>
+                <a:cs typeface="+mn-cs"/>
+              </a:defRPr>
+            </a:lvl7pPr>
+            <a:lvl8pPr marL="3200400" algn="l" defTabSz="914400" rtl="0" eaLnBrk="1" latinLnBrk="0" hangingPunct="1">
+              <a:defRPr sz="1800" kern="1200">
+                <a:solidFill>
+                  <a:schemeClr val="lt1"/>
+                </a:solidFill>
+                <a:latin typeface="+mn-lt"/>
+                <a:ea typeface="+mn-ea"/>
+                <a:cs typeface="+mn-cs"/>
+              </a:defRPr>
+            </a:lvl8pPr>
+            <a:lvl9pPr marL="3657600" algn="l" defTabSz="914400" rtl="0" eaLnBrk="1" latinLnBrk="0" hangingPunct="1">
+              <a:defRPr sz="1800" kern="1200">
+                <a:solidFill>
+                  <a:schemeClr val="lt1"/>
+                </a:solidFill>
+                <a:latin typeface="+mn-lt"/>
+                <a:ea typeface="+mn-ea"/>
+                <a:cs typeface="+mn-cs"/>
+              </a:defRPr>
+            </a:lvl9pPr>
+          </a:lstStyle>
+          <a:p>
+            <a:pPr algn="ctr"/>
+            <a:endParaRPr lang="en-US" sz="1372"/>
+          </a:p>
+        </p:txBody>
+      </p:sp>
+      <p:sp>
+        <p:nvSpPr>
+          <p:cNvPr id="40" name="Rounded Rectangle 4">
+            <a:extLst>
+              <a:ext uri="{FF2B5EF4-FFF2-40B4-BE49-F238E27FC236}">
+                <a16:creationId xmlns:a16="http://schemas.microsoft.com/office/drawing/2014/main" id="{CCD69186-7866-440F-ABF4-6494BCFBB47D}"/>
+              </a:ext>
+            </a:extLst>
+          </p:cNvPr>
+          <p:cNvSpPr/>
+          <p:nvPr/>
+        </p:nvSpPr>
+        <p:spPr>
+          <a:xfrm>
+            <a:off x="6491160" y="4573787"/>
+            <a:ext cx="1650319" cy="567257"/>
+          </a:xfrm>
+          <a:prstGeom prst="roundRect">
+            <a:avLst/>
+          </a:prstGeom>
+          <a:noFill/>
+          <a:ln>
+            <a:solidFill>
+              <a:srgbClr val="FF0000"/>
+            </a:solidFill>
+            <a:prstDash val="lgDash"/>
+          </a:ln>
+        </p:spPr>
+        <p:style>
+          <a:lnRef idx="2">
+            <a:schemeClr val="accent1">
+              <a:shade val="50000"/>
+            </a:schemeClr>
+          </a:lnRef>
+          <a:fillRef idx="1">
+            <a:schemeClr val="accent1"/>
+          </a:fillRef>
+          <a:effectRef idx="0">
+            <a:schemeClr val="accent1"/>
+          </a:effectRef>
+          <a:fontRef idx="minor">
+            <a:schemeClr val="lt1"/>
+          </a:fontRef>
+        </p:style>
+        <p:txBody>
+          <a:bodyPr rtlCol="0" anchor="ctr"/>
+          <a:lstStyle>
+            <a:defPPr>
+              <a:defRPr lang="en-US"/>
+            </a:defPPr>
+            <a:lvl1pPr marL="0" algn="l" defTabSz="914400" rtl="0" eaLnBrk="1" latinLnBrk="0" hangingPunct="1">
+              <a:defRPr sz="1800" kern="1200">
+                <a:solidFill>
+                  <a:schemeClr val="lt1"/>
+                </a:solidFill>
+                <a:latin typeface="+mn-lt"/>
+                <a:ea typeface="+mn-ea"/>
+                <a:cs typeface="+mn-cs"/>
+              </a:defRPr>
+            </a:lvl1pPr>
+            <a:lvl2pPr marL="457200" algn="l" defTabSz="914400" rtl="0" eaLnBrk="1" latinLnBrk="0" hangingPunct="1">
+              <a:defRPr sz="1800" kern="1200">
+                <a:solidFill>
+                  <a:schemeClr val="lt1"/>
+                </a:solidFill>
+                <a:latin typeface="+mn-lt"/>
+                <a:ea typeface="+mn-ea"/>
+                <a:cs typeface="+mn-cs"/>
+              </a:defRPr>
+            </a:lvl2pPr>
+            <a:lvl3pPr marL="914400" algn="l" defTabSz="914400" rtl="0" eaLnBrk="1" latinLnBrk="0" hangingPunct="1">
+              <a:defRPr sz="1800" kern="1200">
+                <a:solidFill>
+                  <a:schemeClr val="lt1"/>
+                </a:solidFill>
+                <a:latin typeface="+mn-lt"/>
+                <a:ea typeface="+mn-ea"/>
+                <a:cs typeface="+mn-cs"/>
+              </a:defRPr>
+            </a:lvl3pPr>
+            <a:lvl4pPr marL="1371600" algn="l" defTabSz="914400" rtl="0" eaLnBrk="1" latinLnBrk="0" hangingPunct="1">
+              <a:defRPr sz="1800" kern="1200">
+                <a:solidFill>
+                  <a:schemeClr val="lt1"/>
+                </a:solidFill>
+                <a:latin typeface="+mn-lt"/>
+                <a:ea typeface="+mn-ea"/>
+                <a:cs typeface="+mn-cs"/>
+              </a:defRPr>
+            </a:lvl4pPr>
+            <a:lvl5pPr marL="1828800" algn="l" defTabSz="914400" rtl="0" eaLnBrk="1" latinLnBrk="0" hangingPunct="1">
+              <a:defRPr sz="1800" kern="1200">
+                <a:solidFill>
+                  <a:schemeClr val="lt1"/>
+                </a:solidFill>
+                <a:latin typeface="+mn-lt"/>
+                <a:ea typeface="+mn-ea"/>
+                <a:cs typeface="+mn-cs"/>
+              </a:defRPr>
+            </a:lvl5pPr>
+            <a:lvl6pPr marL="2286000" algn="l" defTabSz="914400" rtl="0" eaLnBrk="1" latinLnBrk="0" hangingPunct="1">
+              <a:defRPr sz="1800" kern="1200">
+                <a:solidFill>
+                  <a:schemeClr val="lt1"/>
+                </a:solidFill>
+                <a:latin typeface="+mn-lt"/>
+                <a:ea typeface="+mn-ea"/>
+                <a:cs typeface="+mn-cs"/>
+              </a:defRPr>
+            </a:lvl6pPr>
+            <a:lvl7pPr marL="2743200" algn="l" defTabSz="914400" rtl="0" eaLnBrk="1" latinLnBrk="0" hangingPunct="1">
+              <a:defRPr sz="1800" kern="1200">
+                <a:solidFill>
+                  <a:schemeClr val="lt1"/>
+                </a:solidFill>
+                <a:latin typeface="+mn-lt"/>
+                <a:ea typeface="+mn-ea"/>
+                <a:cs typeface="+mn-cs"/>
+              </a:defRPr>
+            </a:lvl7pPr>
+            <a:lvl8pPr marL="3200400" algn="l" defTabSz="914400" rtl="0" eaLnBrk="1" latinLnBrk="0" hangingPunct="1">
+              <a:defRPr sz="1800" kern="1200">
+                <a:solidFill>
+                  <a:schemeClr val="lt1"/>
+                </a:solidFill>
+                <a:latin typeface="+mn-lt"/>
+                <a:ea typeface="+mn-ea"/>
+                <a:cs typeface="+mn-cs"/>
+              </a:defRPr>
+            </a:lvl8pPr>
+            <a:lvl9pPr marL="3657600" algn="l" defTabSz="914400" rtl="0" eaLnBrk="1" latinLnBrk="0" hangingPunct="1">
+              <a:defRPr sz="1800" kern="1200">
+                <a:solidFill>
+                  <a:schemeClr val="lt1"/>
+                </a:solidFill>
+                <a:latin typeface="+mn-lt"/>
+                <a:ea typeface="+mn-ea"/>
+                <a:cs typeface="+mn-cs"/>
+              </a:defRPr>
+            </a:lvl9pPr>
+          </a:lstStyle>
+          <a:p>
+            <a:pPr algn="ctr"/>
+            <a:endParaRPr lang="en-US" sz="1372"/>
+          </a:p>
+        </p:txBody>
+      </p:sp>
+      <p:sp>
+        <p:nvSpPr>
+          <p:cNvPr id="41" name="Rounded Rectangle 4">
+            <a:extLst>
+              <a:ext uri="{FF2B5EF4-FFF2-40B4-BE49-F238E27FC236}">
+                <a16:creationId xmlns:a16="http://schemas.microsoft.com/office/drawing/2014/main" id="{2031453D-96DD-420B-A8F4-E02BD2E97FA4}"/>
+              </a:ext>
+            </a:extLst>
+          </p:cNvPr>
+          <p:cNvSpPr/>
+          <p:nvPr/>
+        </p:nvSpPr>
+        <p:spPr>
+          <a:xfrm>
+            <a:off x="8780361" y="4573772"/>
+            <a:ext cx="1650319" cy="567257"/>
+          </a:xfrm>
+          <a:prstGeom prst="roundRect">
+            <a:avLst/>
+          </a:prstGeom>
+          <a:noFill/>
+          <a:ln>
+            <a:solidFill>
+              <a:srgbClr val="FF0000"/>
+            </a:solidFill>
+            <a:prstDash val="lgDash"/>
+          </a:ln>
+        </p:spPr>
+        <p:style>
+          <a:lnRef idx="2">
+            <a:schemeClr val="accent1">
+              <a:shade val="50000"/>
+            </a:schemeClr>
+          </a:lnRef>
+          <a:fillRef idx="1">
+            <a:schemeClr val="accent1"/>
+          </a:fillRef>
+          <a:effectRef idx="0">
+            <a:schemeClr val="accent1"/>
+          </a:effectRef>
+          <a:fontRef idx="minor">
+            <a:schemeClr val="lt1"/>
+          </a:fontRef>
+        </p:style>
+        <p:txBody>
+          <a:bodyPr rtlCol="0" anchor="ctr"/>
+          <a:lstStyle>
+            <a:defPPr>
+              <a:defRPr lang="en-US"/>
+            </a:defPPr>
+            <a:lvl1pPr marL="0" algn="l" defTabSz="914400" rtl="0" eaLnBrk="1" latinLnBrk="0" hangingPunct="1">
+              <a:defRPr sz="1800" kern="1200">
+                <a:solidFill>
+                  <a:schemeClr val="lt1"/>
+                </a:solidFill>
+                <a:latin typeface="+mn-lt"/>
+                <a:ea typeface="+mn-ea"/>
+                <a:cs typeface="+mn-cs"/>
+              </a:defRPr>
+            </a:lvl1pPr>
+            <a:lvl2pPr marL="457200" algn="l" defTabSz="914400" rtl="0" eaLnBrk="1" latinLnBrk="0" hangingPunct="1">
+              <a:defRPr sz="1800" kern="1200">
+                <a:solidFill>
+                  <a:schemeClr val="lt1"/>
+                </a:solidFill>
+                <a:latin typeface="+mn-lt"/>
+                <a:ea typeface="+mn-ea"/>
+                <a:cs typeface="+mn-cs"/>
+              </a:defRPr>
+            </a:lvl2pPr>
+            <a:lvl3pPr marL="914400" algn="l" defTabSz="914400" rtl="0" eaLnBrk="1" latinLnBrk="0" hangingPunct="1">
+              <a:defRPr sz="1800" kern="1200">
+                <a:solidFill>
+                  <a:schemeClr val="lt1"/>
+                </a:solidFill>
+                <a:latin typeface="+mn-lt"/>
+                <a:ea typeface="+mn-ea"/>
+                <a:cs typeface="+mn-cs"/>
+              </a:defRPr>
+            </a:lvl3pPr>
+            <a:lvl4pPr marL="1371600" algn="l" defTabSz="914400" rtl="0" eaLnBrk="1" latinLnBrk="0" hangingPunct="1">
+              <a:defRPr sz="1800" kern="1200">
+                <a:solidFill>
+                  <a:schemeClr val="lt1"/>
+                </a:solidFill>
+                <a:latin typeface="+mn-lt"/>
+                <a:ea typeface="+mn-ea"/>
+                <a:cs typeface="+mn-cs"/>
+              </a:defRPr>
+            </a:lvl4pPr>
+            <a:lvl5pPr marL="1828800" algn="l" defTabSz="914400" rtl="0" eaLnBrk="1" latinLnBrk="0" hangingPunct="1">
+              <a:defRPr sz="1800" kern="1200">
+                <a:solidFill>
+                  <a:schemeClr val="lt1"/>
+                </a:solidFill>
+                <a:latin typeface="+mn-lt"/>
+                <a:ea typeface="+mn-ea"/>
+                <a:cs typeface="+mn-cs"/>
+              </a:defRPr>
+            </a:lvl5pPr>
+            <a:lvl6pPr marL="2286000" algn="l" defTabSz="914400" rtl="0" eaLnBrk="1" latinLnBrk="0" hangingPunct="1">
+              <a:defRPr sz="1800" kern="1200">
+                <a:solidFill>
+                  <a:schemeClr val="lt1"/>
+                </a:solidFill>
+                <a:latin typeface="+mn-lt"/>
+                <a:ea typeface="+mn-ea"/>
+                <a:cs typeface="+mn-cs"/>
+              </a:defRPr>
+            </a:lvl6pPr>
+            <a:lvl7pPr marL="2743200" algn="l" defTabSz="914400" rtl="0" eaLnBrk="1" latinLnBrk="0" hangingPunct="1">
+              <a:defRPr sz="1800" kern="1200">
+                <a:solidFill>
+                  <a:schemeClr val="lt1"/>
+                </a:solidFill>
+                <a:latin typeface="+mn-lt"/>
+                <a:ea typeface="+mn-ea"/>
+                <a:cs typeface="+mn-cs"/>
+              </a:defRPr>
+            </a:lvl7pPr>
+            <a:lvl8pPr marL="3200400" algn="l" defTabSz="914400" rtl="0" eaLnBrk="1" latinLnBrk="0" hangingPunct="1">
+              <a:defRPr sz="1800" kern="1200">
+                <a:solidFill>
+                  <a:schemeClr val="lt1"/>
+                </a:solidFill>
+                <a:latin typeface="+mn-lt"/>
+                <a:ea typeface="+mn-ea"/>
+                <a:cs typeface="+mn-cs"/>
+              </a:defRPr>
+            </a:lvl8pPr>
+            <a:lvl9pPr marL="3657600" algn="l" defTabSz="914400" rtl="0" eaLnBrk="1" latinLnBrk="0" hangingPunct="1">
+              <a:defRPr sz="1800" kern="1200">
+                <a:solidFill>
+                  <a:schemeClr val="lt1"/>
+                </a:solidFill>
+                <a:latin typeface="+mn-lt"/>
+                <a:ea typeface="+mn-ea"/>
+                <a:cs typeface="+mn-cs"/>
+              </a:defRPr>
+            </a:lvl9pPr>
+          </a:lstStyle>
+          <a:p>
+            <a:pPr algn="ctr"/>
+            <a:endParaRPr lang="en-US" sz="1372"/>
+          </a:p>
+        </p:txBody>
+      </p:sp>
+      <p:sp>
+        <p:nvSpPr>
+          <p:cNvPr id="42" name="TextBox 50">
+            <a:extLst>
+              <a:ext uri="{FF2B5EF4-FFF2-40B4-BE49-F238E27FC236}">
+                <a16:creationId xmlns:a16="http://schemas.microsoft.com/office/drawing/2014/main" id="{9B90995F-F96F-444F-A642-EA6F3AA194A4}"/>
+              </a:ext>
+            </a:extLst>
+          </p:cNvPr>
+          <p:cNvSpPr txBox="1"/>
+          <p:nvPr/>
+        </p:nvSpPr>
+        <p:spPr>
+          <a:xfrm>
+            <a:off x="2004646" y="4701369"/>
+            <a:ext cx="1142044" cy="303481"/>
+          </a:xfrm>
+          <a:prstGeom prst="rect">
+            <a:avLst/>
+          </a:prstGeom>
+          <a:noFill/>
+        </p:spPr>
+        <p:txBody>
+          <a:bodyPr wrap="none" rtlCol="0">
+            <a:spAutoFit/>
+          </a:bodyPr>
+          <a:lstStyle>
+            <a:defPPr>
+              <a:defRPr lang="en-US"/>
+            </a:defPPr>
+            <a:lvl1pPr marL="0" algn="l" defTabSz="914400" rtl="0" eaLnBrk="1" latinLnBrk="0" hangingPunct="1">
+              <a:defRPr sz="1800" kern="1200">
+                <a:solidFill>
+                  <a:schemeClr val="tx1"/>
+                </a:solidFill>
+                <a:latin typeface="+mn-lt"/>
+                <a:ea typeface="+mn-ea"/>
+                <a:cs typeface="+mn-cs"/>
+              </a:defRPr>
+            </a:lvl1pPr>
+            <a:lvl2pPr marL="457200" algn="l" defTabSz="914400" rtl="0" eaLnBrk="1" latinLnBrk="0" hangingPunct="1">
+              <a:defRPr sz="1800" kern="1200">
+                <a:solidFill>
+                  <a:schemeClr val="tx1"/>
+                </a:solidFill>
+                <a:latin typeface="+mn-lt"/>
+                <a:ea typeface="+mn-ea"/>
+                <a:cs typeface="+mn-cs"/>
+              </a:defRPr>
+            </a:lvl2pPr>
+            <a:lvl3pPr marL="914400" algn="l" defTabSz="914400" rtl="0" eaLnBrk="1" latinLnBrk="0" hangingPunct="1">
+              <a:defRPr sz="1800" kern="1200">
+                <a:solidFill>
+                  <a:schemeClr val="tx1"/>
+                </a:solidFill>
+                <a:latin typeface="+mn-lt"/>
+                <a:ea typeface="+mn-ea"/>
+                <a:cs typeface="+mn-cs"/>
+              </a:defRPr>
+            </a:lvl3pPr>
+            <a:lvl4pPr marL="1371600" algn="l" defTabSz="914400" rtl="0" eaLnBrk="1" latinLnBrk="0" hangingPunct="1">
+              <a:defRPr sz="1800" kern="1200">
+                <a:solidFill>
+                  <a:schemeClr val="tx1"/>
+                </a:solidFill>
+                <a:latin typeface="+mn-lt"/>
+                <a:ea typeface="+mn-ea"/>
+                <a:cs typeface="+mn-cs"/>
+              </a:defRPr>
+            </a:lvl4pPr>
+            <a:lvl5pPr marL="1828800" algn="l" defTabSz="914400" rtl="0" eaLnBrk="1" latinLnBrk="0" hangingPunct="1">
+              <a:defRPr sz="1800" kern="1200">
+                <a:solidFill>
+                  <a:schemeClr val="tx1"/>
+                </a:solidFill>
+                <a:latin typeface="+mn-lt"/>
+                <a:ea typeface="+mn-ea"/>
+                <a:cs typeface="+mn-cs"/>
+              </a:defRPr>
+            </a:lvl5pPr>
+            <a:lvl6pPr marL="2286000" algn="l" defTabSz="914400" rtl="0" eaLnBrk="1" latinLnBrk="0" hangingPunct="1">
+              <a:defRPr sz="1800" kern="1200">
+                <a:solidFill>
+                  <a:schemeClr val="tx1"/>
+                </a:solidFill>
+                <a:latin typeface="+mn-lt"/>
+                <a:ea typeface="+mn-ea"/>
+                <a:cs typeface="+mn-cs"/>
+              </a:defRPr>
+            </a:lvl6pPr>
+            <a:lvl7pPr marL="2743200" algn="l" defTabSz="914400" rtl="0" eaLnBrk="1" latinLnBrk="0" hangingPunct="1">
+              <a:defRPr sz="1800" kern="1200">
+                <a:solidFill>
+                  <a:schemeClr val="tx1"/>
+                </a:solidFill>
+                <a:latin typeface="+mn-lt"/>
+                <a:ea typeface="+mn-ea"/>
+                <a:cs typeface="+mn-cs"/>
+              </a:defRPr>
+            </a:lvl7pPr>
+            <a:lvl8pPr marL="3200400" algn="l" defTabSz="914400" rtl="0" eaLnBrk="1" latinLnBrk="0" hangingPunct="1">
+              <a:defRPr sz="1800" kern="1200">
+                <a:solidFill>
+                  <a:schemeClr val="tx1"/>
+                </a:solidFill>
+                <a:latin typeface="+mn-lt"/>
+                <a:ea typeface="+mn-ea"/>
+                <a:cs typeface="+mn-cs"/>
+              </a:defRPr>
+            </a:lvl8pPr>
+            <a:lvl9pPr marL="3657600" algn="l" defTabSz="914400" rtl="0" eaLnBrk="1" latinLnBrk="0" hangingPunct="1">
+              <a:defRPr sz="1800" kern="1200">
+                <a:solidFill>
+                  <a:schemeClr val="tx1"/>
+                </a:solidFill>
+                <a:latin typeface="+mn-lt"/>
+                <a:ea typeface="+mn-ea"/>
+                <a:cs typeface="+mn-cs"/>
+              </a:defRPr>
+            </a:lvl9pPr>
+          </a:lstStyle>
+          <a:p>
+            <a:r>
+              <a:rPr lang="en-US" sz="1372" b="1" i="1" dirty="0">
+                <a:solidFill>
+                  <a:srgbClr val="FF0000"/>
+                </a:solidFill>
+              </a:rPr>
+              <a:t>&lt;event-card&gt;</a:t>
+            </a:r>
+          </a:p>
+        </p:txBody>
+      </p:sp>
+      <p:sp>
+        <p:nvSpPr>
+          <p:cNvPr id="43" name="TextBox 54">
+            <a:extLst>
+              <a:ext uri="{FF2B5EF4-FFF2-40B4-BE49-F238E27FC236}">
+                <a16:creationId xmlns:a16="http://schemas.microsoft.com/office/drawing/2014/main" id="{92A31547-0B6B-4DFF-A100-CEC82D7A6D64}"/>
+              </a:ext>
+            </a:extLst>
+          </p:cNvPr>
+          <p:cNvSpPr txBox="1"/>
+          <p:nvPr/>
+        </p:nvSpPr>
+        <p:spPr>
+          <a:xfrm>
+            <a:off x="9019333" y="4701369"/>
+            <a:ext cx="1142044" cy="303481"/>
+          </a:xfrm>
+          <a:prstGeom prst="rect">
+            <a:avLst/>
+          </a:prstGeom>
+          <a:noFill/>
+        </p:spPr>
+        <p:txBody>
+          <a:bodyPr wrap="none" rtlCol="0">
+            <a:spAutoFit/>
+          </a:bodyPr>
+          <a:lstStyle>
+            <a:defPPr>
+              <a:defRPr lang="en-US"/>
+            </a:defPPr>
+            <a:lvl1pPr marL="0" algn="l" defTabSz="914400" rtl="0" eaLnBrk="1" latinLnBrk="0" hangingPunct="1">
+              <a:defRPr sz="1800" kern="1200">
+                <a:solidFill>
+                  <a:schemeClr val="tx1"/>
+                </a:solidFill>
+                <a:latin typeface="+mn-lt"/>
+                <a:ea typeface="+mn-ea"/>
+                <a:cs typeface="+mn-cs"/>
+              </a:defRPr>
+            </a:lvl1pPr>
+            <a:lvl2pPr marL="457200" algn="l" defTabSz="914400" rtl="0" eaLnBrk="1" latinLnBrk="0" hangingPunct="1">
+              <a:defRPr sz="1800" kern="1200">
+                <a:solidFill>
+                  <a:schemeClr val="tx1"/>
+                </a:solidFill>
+                <a:latin typeface="+mn-lt"/>
+                <a:ea typeface="+mn-ea"/>
+                <a:cs typeface="+mn-cs"/>
+              </a:defRPr>
+            </a:lvl2pPr>
+            <a:lvl3pPr marL="914400" algn="l" defTabSz="914400" rtl="0" eaLnBrk="1" latinLnBrk="0" hangingPunct="1">
+              <a:defRPr sz="1800" kern="1200">
+                <a:solidFill>
+                  <a:schemeClr val="tx1"/>
+                </a:solidFill>
+                <a:latin typeface="+mn-lt"/>
+                <a:ea typeface="+mn-ea"/>
+                <a:cs typeface="+mn-cs"/>
+              </a:defRPr>
+            </a:lvl3pPr>
+            <a:lvl4pPr marL="1371600" algn="l" defTabSz="914400" rtl="0" eaLnBrk="1" latinLnBrk="0" hangingPunct="1">
+              <a:defRPr sz="1800" kern="1200">
+                <a:solidFill>
+                  <a:schemeClr val="tx1"/>
+                </a:solidFill>
+                <a:latin typeface="+mn-lt"/>
+                <a:ea typeface="+mn-ea"/>
+                <a:cs typeface="+mn-cs"/>
+              </a:defRPr>
+            </a:lvl4pPr>
+            <a:lvl5pPr marL="1828800" algn="l" defTabSz="914400" rtl="0" eaLnBrk="1" latinLnBrk="0" hangingPunct="1">
+              <a:defRPr sz="1800" kern="1200">
+                <a:solidFill>
+                  <a:schemeClr val="tx1"/>
+                </a:solidFill>
+                <a:latin typeface="+mn-lt"/>
+                <a:ea typeface="+mn-ea"/>
+                <a:cs typeface="+mn-cs"/>
+              </a:defRPr>
+            </a:lvl5pPr>
+            <a:lvl6pPr marL="2286000" algn="l" defTabSz="914400" rtl="0" eaLnBrk="1" latinLnBrk="0" hangingPunct="1">
+              <a:defRPr sz="1800" kern="1200">
+                <a:solidFill>
+                  <a:schemeClr val="tx1"/>
+                </a:solidFill>
+                <a:latin typeface="+mn-lt"/>
+                <a:ea typeface="+mn-ea"/>
+                <a:cs typeface="+mn-cs"/>
+              </a:defRPr>
+            </a:lvl6pPr>
+            <a:lvl7pPr marL="2743200" algn="l" defTabSz="914400" rtl="0" eaLnBrk="1" latinLnBrk="0" hangingPunct="1">
+              <a:defRPr sz="1800" kern="1200">
+                <a:solidFill>
+                  <a:schemeClr val="tx1"/>
+                </a:solidFill>
+                <a:latin typeface="+mn-lt"/>
+                <a:ea typeface="+mn-ea"/>
+                <a:cs typeface="+mn-cs"/>
+              </a:defRPr>
+            </a:lvl7pPr>
+            <a:lvl8pPr marL="3200400" algn="l" defTabSz="914400" rtl="0" eaLnBrk="1" latinLnBrk="0" hangingPunct="1">
+              <a:defRPr sz="1800" kern="1200">
+                <a:solidFill>
+                  <a:schemeClr val="tx1"/>
+                </a:solidFill>
+                <a:latin typeface="+mn-lt"/>
+                <a:ea typeface="+mn-ea"/>
+                <a:cs typeface="+mn-cs"/>
+              </a:defRPr>
+            </a:lvl8pPr>
+            <a:lvl9pPr marL="3657600" algn="l" defTabSz="914400" rtl="0" eaLnBrk="1" latinLnBrk="0" hangingPunct="1">
+              <a:defRPr sz="1800" kern="1200">
+                <a:solidFill>
+                  <a:schemeClr val="tx1"/>
+                </a:solidFill>
+                <a:latin typeface="+mn-lt"/>
+                <a:ea typeface="+mn-ea"/>
+                <a:cs typeface="+mn-cs"/>
+              </a:defRPr>
+            </a:lvl9pPr>
+          </a:lstStyle>
+          <a:p>
+            <a:r>
+              <a:rPr lang="en-US" sz="1372" b="1" i="1" dirty="0">
+                <a:solidFill>
+                  <a:srgbClr val="FF0000"/>
+                </a:solidFill>
+              </a:rPr>
+              <a:t>&lt;event-card&gt;</a:t>
+            </a:r>
+          </a:p>
+        </p:txBody>
+      </p:sp>
+      <p:sp>
+        <p:nvSpPr>
+          <p:cNvPr id="44" name="TextBox 55">
+            <a:extLst>
+              <a:ext uri="{FF2B5EF4-FFF2-40B4-BE49-F238E27FC236}">
+                <a16:creationId xmlns:a16="http://schemas.microsoft.com/office/drawing/2014/main" id="{FFF1C9C7-4857-4D1D-9E57-6EB238B85D04}"/>
+              </a:ext>
+            </a:extLst>
+          </p:cNvPr>
+          <p:cNvSpPr txBox="1"/>
+          <p:nvPr/>
+        </p:nvSpPr>
+        <p:spPr>
+          <a:xfrm>
+            <a:off x="6737564" y="4701369"/>
+            <a:ext cx="1142044" cy="303481"/>
+          </a:xfrm>
+          <a:prstGeom prst="rect">
+            <a:avLst/>
+          </a:prstGeom>
+          <a:noFill/>
+        </p:spPr>
+        <p:txBody>
+          <a:bodyPr wrap="none" rtlCol="0">
+            <a:spAutoFit/>
+          </a:bodyPr>
+          <a:lstStyle>
+            <a:defPPr>
+              <a:defRPr lang="en-US"/>
+            </a:defPPr>
+            <a:lvl1pPr marL="0" algn="l" defTabSz="914400" rtl="0" eaLnBrk="1" latinLnBrk="0" hangingPunct="1">
+              <a:defRPr sz="1800" kern="1200">
+                <a:solidFill>
+                  <a:schemeClr val="tx1"/>
+                </a:solidFill>
+                <a:latin typeface="+mn-lt"/>
+                <a:ea typeface="+mn-ea"/>
+                <a:cs typeface="+mn-cs"/>
+              </a:defRPr>
+            </a:lvl1pPr>
+            <a:lvl2pPr marL="457200" algn="l" defTabSz="914400" rtl="0" eaLnBrk="1" latinLnBrk="0" hangingPunct="1">
+              <a:defRPr sz="1800" kern="1200">
+                <a:solidFill>
+                  <a:schemeClr val="tx1"/>
+                </a:solidFill>
+                <a:latin typeface="+mn-lt"/>
+                <a:ea typeface="+mn-ea"/>
+                <a:cs typeface="+mn-cs"/>
+              </a:defRPr>
+            </a:lvl2pPr>
+            <a:lvl3pPr marL="914400" algn="l" defTabSz="914400" rtl="0" eaLnBrk="1" latinLnBrk="0" hangingPunct="1">
+              <a:defRPr sz="1800" kern="1200">
+                <a:solidFill>
+                  <a:schemeClr val="tx1"/>
+                </a:solidFill>
+                <a:latin typeface="+mn-lt"/>
+                <a:ea typeface="+mn-ea"/>
+                <a:cs typeface="+mn-cs"/>
+              </a:defRPr>
+            </a:lvl3pPr>
+            <a:lvl4pPr marL="1371600" algn="l" defTabSz="914400" rtl="0" eaLnBrk="1" latinLnBrk="0" hangingPunct="1">
+              <a:defRPr sz="1800" kern="1200">
+                <a:solidFill>
+                  <a:schemeClr val="tx1"/>
+                </a:solidFill>
+                <a:latin typeface="+mn-lt"/>
+                <a:ea typeface="+mn-ea"/>
+                <a:cs typeface="+mn-cs"/>
+              </a:defRPr>
+            </a:lvl4pPr>
+            <a:lvl5pPr marL="1828800" algn="l" defTabSz="914400" rtl="0" eaLnBrk="1" latinLnBrk="0" hangingPunct="1">
+              <a:defRPr sz="1800" kern="1200">
+                <a:solidFill>
+                  <a:schemeClr val="tx1"/>
+                </a:solidFill>
+                <a:latin typeface="+mn-lt"/>
+                <a:ea typeface="+mn-ea"/>
+                <a:cs typeface="+mn-cs"/>
+              </a:defRPr>
+            </a:lvl5pPr>
+            <a:lvl6pPr marL="2286000" algn="l" defTabSz="914400" rtl="0" eaLnBrk="1" latinLnBrk="0" hangingPunct="1">
+              <a:defRPr sz="1800" kern="1200">
+                <a:solidFill>
+                  <a:schemeClr val="tx1"/>
+                </a:solidFill>
+                <a:latin typeface="+mn-lt"/>
+                <a:ea typeface="+mn-ea"/>
+                <a:cs typeface="+mn-cs"/>
+              </a:defRPr>
+            </a:lvl6pPr>
+            <a:lvl7pPr marL="2743200" algn="l" defTabSz="914400" rtl="0" eaLnBrk="1" latinLnBrk="0" hangingPunct="1">
+              <a:defRPr sz="1800" kern="1200">
+                <a:solidFill>
+                  <a:schemeClr val="tx1"/>
+                </a:solidFill>
+                <a:latin typeface="+mn-lt"/>
+                <a:ea typeface="+mn-ea"/>
+                <a:cs typeface="+mn-cs"/>
+              </a:defRPr>
+            </a:lvl7pPr>
+            <a:lvl8pPr marL="3200400" algn="l" defTabSz="914400" rtl="0" eaLnBrk="1" latinLnBrk="0" hangingPunct="1">
+              <a:defRPr sz="1800" kern="1200">
+                <a:solidFill>
+                  <a:schemeClr val="tx1"/>
+                </a:solidFill>
+                <a:latin typeface="+mn-lt"/>
+                <a:ea typeface="+mn-ea"/>
+                <a:cs typeface="+mn-cs"/>
+              </a:defRPr>
+            </a:lvl8pPr>
+            <a:lvl9pPr marL="3657600" algn="l" defTabSz="914400" rtl="0" eaLnBrk="1" latinLnBrk="0" hangingPunct="1">
+              <a:defRPr sz="1800" kern="1200">
+                <a:solidFill>
+                  <a:schemeClr val="tx1"/>
+                </a:solidFill>
+                <a:latin typeface="+mn-lt"/>
+                <a:ea typeface="+mn-ea"/>
+                <a:cs typeface="+mn-cs"/>
+              </a:defRPr>
+            </a:lvl9pPr>
+          </a:lstStyle>
+          <a:p>
+            <a:r>
+              <a:rPr lang="en-US" sz="1372" b="1" i="1" dirty="0">
+                <a:solidFill>
+                  <a:srgbClr val="FF0000"/>
+                </a:solidFill>
+              </a:rPr>
+              <a:t>&lt;event-card&gt;</a:t>
+            </a:r>
+          </a:p>
+        </p:txBody>
+      </p:sp>
+      <p:sp>
+        <p:nvSpPr>
+          <p:cNvPr id="45" name="TextBox 56">
+            <a:extLst>
+              <a:ext uri="{FF2B5EF4-FFF2-40B4-BE49-F238E27FC236}">
+                <a16:creationId xmlns:a16="http://schemas.microsoft.com/office/drawing/2014/main" id="{75C0880C-26CE-4E61-AD01-ECCC790F2860}"/>
+              </a:ext>
+            </a:extLst>
+          </p:cNvPr>
+          <p:cNvSpPr txBox="1"/>
+          <p:nvPr/>
+        </p:nvSpPr>
+        <p:spPr>
+          <a:xfrm>
+            <a:off x="4367121" y="4701369"/>
+            <a:ext cx="1142044" cy="303481"/>
+          </a:xfrm>
+          <a:prstGeom prst="rect">
+            <a:avLst/>
+          </a:prstGeom>
+          <a:noFill/>
+        </p:spPr>
+        <p:txBody>
+          <a:bodyPr wrap="none" rtlCol="0">
+            <a:spAutoFit/>
+          </a:bodyPr>
+          <a:lstStyle>
+            <a:defPPr>
+              <a:defRPr lang="en-US"/>
+            </a:defPPr>
+            <a:lvl1pPr marL="0" algn="l" defTabSz="914400" rtl="0" eaLnBrk="1" latinLnBrk="0" hangingPunct="1">
+              <a:defRPr sz="1800" kern="1200">
+                <a:solidFill>
+                  <a:schemeClr val="tx1"/>
+                </a:solidFill>
+                <a:latin typeface="+mn-lt"/>
+                <a:ea typeface="+mn-ea"/>
+                <a:cs typeface="+mn-cs"/>
+              </a:defRPr>
+            </a:lvl1pPr>
+            <a:lvl2pPr marL="457200" algn="l" defTabSz="914400" rtl="0" eaLnBrk="1" latinLnBrk="0" hangingPunct="1">
+              <a:defRPr sz="1800" kern="1200">
+                <a:solidFill>
+                  <a:schemeClr val="tx1"/>
+                </a:solidFill>
+                <a:latin typeface="+mn-lt"/>
+                <a:ea typeface="+mn-ea"/>
+                <a:cs typeface="+mn-cs"/>
+              </a:defRPr>
+            </a:lvl2pPr>
+            <a:lvl3pPr marL="914400" algn="l" defTabSz="914400" rtl="0" eaLnBrk="1" latinLnBrk="0" hangingPunct="1">
+              <a:defRPr sz="1800" kern="1200">
+                <a:solidFill>
+                  <a:schemeClr val="tx1"/>
+                </a:solidFill>
+                <a:latin typeface="+mn-lt"/>
+                <a:ea typeface="+mn-ea"/>
+                <a:cs typeface="+mn-cs"/>
+              </a:defRPr>
+            </a:lvl3pPr>
+            <a:lvl4pPr marL="1371600" algn="l" defTabSz="914400" rtl="0" eaLnBrk="1" latinLnBrk="0" hangingPunct="1">
+              <a:defRPr sz="1800" kern="1200">
+                <a:solidFill>
+                  <a:schemeClr val="tx1"/>
+                </a:solidFill>
+                <a:latin typeface="+mn-lt"/>
+                <a:ea typeface="+mn-ea"/>
+                <a:cs typeface="+mn-cs"/>
+              </a:defRPr>
+            </a:lvl4pPr>
+            <a:lvl5pPr marL="1828800" algn="l" defTabSz="914400" rtl="0" eaLnBrk="1" latinLnBrk="0" hangingPunct="1">
+              <a:defRPr sz="1800" kern="1200">
+                <a:solidFill>
+                  <a:schemeClr val="tx1"/>
+                </a:solidFill>
+                <a:latin typeface="+mn-lt"/>
+                <a:ea typeface="+mn-ea"/>
+                <a:cs typeface="+mn-cs"/>
+              </a:defRPr>
+            </a:lvl5pPr>
+            <a:lvl6pPr marL="2286000" algn="l" defTabSz="914400" rtl="0" eaLnBrk="1" latinLnBrk="0" hangingPunct="1">
+              <a:defRPr sz="1800" kern="1200">
+                <a:solidFill>
+                  <a:schemeClr val="tx1"/>
+                </a:solidFill>
+                <a:latin typeface="+mn-lt"/>
+                <a:ea typeface="+mn-ea"/>
+                <a:cs typeface="+mn-cs"/>
+              </a:defRPr>
+            </a:lvl6pPr>
+            <a:lvl7pPr marL="2743200" algn="l" defTabSz="914400" rtl="0" eaLnBrk="1" latinLnBrk="0" hangingPunct="1">
+              <a:defRPr sz="1800" kern="1200">
+                <a:solidFill>
+                  <a:schemeClr val="tx1"/>
+                </a:solidFill>
+                <a:latin typeface="+mn-lt"/>
+                <a:ea typeface="+mn-ea"/>
+                <a:cs typeface="+mn-cs"/>
+              </a:defRPr>
+            </a:lvl7pPr>
+            <a:lvl8pPr marL="3200400" algn="l" defTabSz="914400" rtl="0" eaLnBrk="1" latinLnBrk="0" hangingPunct="1">
+              <a:defRPr sz="1800" kern="1200">
+                <a:solidFill>
+                  <a:schemeClr val="tx1"/>
+                </a:solidFill>
+                <a:latin typeface="+mn-lt"/>
+                <a:ea typeface="+mn-ea"/>
+                <a:cs typeface="+mn-cs"/>
+              </a:defRPr>
+            </a:lvl8pPr>
+            <a:lvl9pPr marL="3657600" algn="l" defTabSz="914400" rtl="0" eaLnBrk="1" latinLnBrk="0" hangingPunct="1">
+              <a:defRPr sz="1800" kern="1200">
+                <a:solidFill>
+                  <a:schemeClr val="tx1"/>
+                </a:solidFill>
+                <a:latin typeface="+mn-lt"/>
+                <a:ea typeface="+mn-ea"/>
+                <a:cs typeface="+mn-cs"/>
+              </a:defRPr>
+            </a:lvl9pPr>
+          </a:lstStyle>
+          <a:p>
+            <a:r>
+              <a:rPr lang="en-US" sz="1372" b="1" i="1" dirty="0">
+                <a:solidFill>
+                  <a:srgbClr val="FF0000"/>
+                </a:solidFill>
+              </a:rPr>
+              <a:t>&lt;event-card&gt;</a:t>
+            </a:r>
+          </a:p>
+        </p:txBody>
+      </p:sp>
+      <p:cxnSp>
+        <p:nvCxnSpPr>
+          <p:cNvPr id="46" name="Straight Arrow Connector 45">
+            <a:extLst>
+              <a:ext uri="{FF2B5EF4-FFF2-40B4-BE49-F238E27FC236}">
+                <a16:creationId xmlns:a16="http://schemas.microsoft.com/office/drawing/2014/main" id="{A721FDBE-BE3C-4944-9798-C45538D439BD}"/>
+              </a:ext>
+            </a:extLst>
+          </p:cNvPr>
+          <p:cNvCxnSpPr>
+            <a:cxnSpLocks/>
+            <a:endCxn id="38" idx="0"/>
+          </p:cNvCxnSpPr>
+          <p:nvPr/>
+        </p:nvCxnSpPr>
+        <p:spPr>
+          <a:xfrm flipH="1">
+            <a:off x="2552612" y="3890543"/>
+            <a:ext cx="6470" cy="683230"/>
+          </a:xfrm>
+          <a:prstGeom prst="straightConnector1">
+            <a:avLst/>
+          </a:prstGeom>
+          <a:ln>
+            <a:tailEnd type="triangle"/>
+          </a:ln>
+        </p:spPr>
+        <p:style>
+          <a:lnRef idx="3">
+            <a:schemeClr val="accent1"/>
+          </a:lnRef>
+          <a:fillRef idx="0">
+            <a:schemeClr val="accent1"/>
+          </a:fillRef>
+          <a:effectRef idx="2">
+            <a:schemeClr val="accent1"/>
+          </a:effectRef>
+          <a:fontRef idx="minor">
+            <a:schemeClr val="tx1"/>
+          </a:fontRef>
+        </p:style>
+      </p:cxnSp>
+      <p:cxnSp>
+        <p:nvCxnSpPr>
+          <p:cNvPr id="47" name="Straight Arrow Connector 46">
+            <a:extLst>
+              <a:ext uri="{FF2B5EF4-FFF2-40B4-BE49-F238E27FC236}">
+                <a16:creationId xmlns:a16="http://schemas.microsoft.com/office/drawing/2014/main" id="{41BFA7DF-310B-43CB-8E5E-AEF50761B7C4}"/>
+              </a:ext>
+            </a:extLst>
+          </p:cNvPr>
+          <p:cNvCxnSpPr>
+            <a:cxnSpLocks/>
+          </p:cNvCxnSpPr>
+          <p:nvPr/>
+        </p:nvCxnSpPr>
+        <p:spPr>
+          <a:xfrm flipH="1">
+            <a:off x="9606485" y="3883828"/>
+            <a:ext cx="6470" cy="683230"/>
+          </a:xfrm>
+          <a:prstGeom prst="straightConnector1">
+            <a:avLst/>
+          </a:prstGeom>
+          <a:ln>
+            <a:tailEnd type="triangle"/>
+          </a:ln>
+        </p:spPr>
+        <p:style>
+          <a:lnRef idx="3">
+            <a:schemeClr val="accent1"/>
+          </a:lnRef>
+          <a:fillRef idx="0">
+            <a:schemeClr val="accent1"/>
+          </a:fillRef>
+          <a:effectRef idx="2">
+            <a:schemeClr val="accent1"/>
+          </a:effectRef>
+          <a:fontRef idx="minor">
+            <a:schemeClr val="tx1"/>
+          </a:fontRef>
+        </p:style>
+      </p:cxnSp>
+      <p:cxnSp>
+        <p:nvCxnSpPr>
+          <p:cNvPr id="48" name="Straight Arrow Connector 47">
+            <a:extLst>
+              <a:ext uri="{FF2B5EF4-FFF2-40B4-BE49-F238E27FC236}">
+                <a16:creationId xmlns:a16="http://schemas.microsoft.com/office/drawing/2014/main" id="{07DC3A99-7517-4DEB-8DF2-40AF9C12BCB8}"/>
+              </a:ext>
+            </a:extLst>
+          </p:cNvPr>
+          <p:cNvCxnSpPr>
+            <a:cxnSpLocks/>
+          </p:cNvCxnSpPr>
+          <p:nvPr/>
+        </p:nvCxnSpPr>
+        <p:spPr>
+          <a:xfrm flipH="1">
+            <a:off x="7316319" y="3883828"/>
+            <a:ext cx="6470" cy="683230"/>
+          </a:xfrm>
+          <a:prstGeom prst="straightConnector1">
+            <a:avLst/>
+          </a:prstGeom>
+          <a:ln>
+            <a:tailEnd type="triangle"/>
+          </a:ln>
+        </p:spPr>
+        <p:style>
+          <a:lnRef idx="3">
+            <a:schemeClr val="accent1"/>
+          </a:lnRef>
+          <a:fillRef idx="0">
+            <a:schemeClr val="accent1"/>
+          </a:fillRef>
+          <a:effectRef idx="2">
+            <a:schemeClr val="accent1"/>
+          </a:effectRef>
+          <a:fontRef idx="minor">
+            <a:schemeClr val="tx1"/>
+          </a:fontRef>
+        </p:style>
+      </p:cxnSp>
+      <p:cxnSp>
+        <p:nvCxnSpPr>
+          <p:cNvPr id="49" name="Straight Arrow Connector 48">
+            <a:extLst>
+              <a:ext uri="{FF2B5EF4-FFF2-40B4-BE49-F238E27FC236}">
+                <a16:creationId xmlns:a16="http://schemas.microsoft.com/office/drawing/2014/main" id="{05882833-3A74-4668-B3BC-2CC0B6024919}"/>
+              </a:ext>
+            </a:extLst>
+          </p:cNvPr>
+          <p:cNvCxnSpPr>
+            <a:cxnSpLocks/>
+          </p:cNvCxnSpPr>
+          <p:nvPr/>
+        </p:nvCxnSpPr>
+        <p:spPr>
+          <a:xfrm flipH="1">
+            <a:off x="4944008" y="3875157"/>
+            <a:ext cx="6470" cy="683230"/>
+          </a:xfrm>
+          <a:prstGeom prst="straightConnector1">
+            <a:avLst/>
+          </a:prstGeom>
+          <a:ln>
+            <a:tailEnd type="triangle"/>
+          </a:ln>
+        </p:spPr>
+        <p:style>
+          <a:lnRef idx="3">
+            <a:schemeClr val="accent1"/>
+          </a:lnRef>
+          <a:fillRef idx="0">
+            <a:schemeClr val="accent1"/>
+          </a:fillRef>
+          <a:effectRef idx="2">
+            <a:schemeClr val="accent1"/>
+          </a:effectRef>
+          <a:fontRef idx="minor">
+            <a:schemeClr val="tx1"/>
+          </a:fontRef>
+        </p:style>
+      </p:cxnSp>
+      <p:sp>
+        <p:nvSpPr>
+          <p:cNvPr id="50" name="Left Brace 49">
+            <a:extLst>
+              <a:ext uri="{FF2B5EF4-FFF2-40B4-BE49-F238E27FC236}">
+                <a16:creationId xmlns:a16="http://schemas.microsoft.com/office/drawing/2014/main" id="{5BBE628C-51BE-4150-B5FE-8E1D9875822A}"/>
+              </a:ext>
+            </a:extLst>
+          </p:cNvPr>
+          <p:cNvSpPr/>
+          <p:nvPr/>
+        </p:nvSpPr>
+        <p:spPr>
+          <a:xfrm rot="16200000">
+            <a:off x="5927325" y="920734"/>
+            <a:ext cx="303482" cy="8703229"/>
+          </a:xfrm>
+          <a:prstGeom prst="leftBrace">
+            <a:avLst>
+              <a:gd name="adj1" fmla="val 8333"/>
+              <a:gd name="adj2" fmla="val 49854"/>
+            </a:avLst>
+          </a:prstGeom>
+        </p:spPr>
+        <p:style>
+          <a:lnRef idx="3">
+            <a:schemeClr val="accent1"/>
+          </a:lnRef>
+          <a:fillRef idx="0">
+            <a:schemeClr val="accent1"/>
+          </a:fillRef>
+          <a:effectRef idx="2">
+            <a:schemeClr val="accent1"/>
+          </a:effectRef>
+          <a:fontRef idx="minor">
+            <a:schemeClr val="tx1"/>
+          </a:fontRef>
+        </p:style>
+        <p:txBody>
+          <a:bodyPr rtlCol="0" anchor="ctr"/>
+          <a:lstStyle>
+            <a:defPPr>
+              <a:defRPr lang="en-US"/>
+            </a:defPPr>
+            <a:lvl1pPr marL="0" algn="l" defTabSz="914400" rtl="0" eaLnBrk="1" latinLnBrk="0" hangingPunct="1">
+              <a:defRPr sz="1800" kern="1200">
+                <a:solidFill>
+                  <a:schemeClr val="tx1"/>
+                </a:solidFill>
+                <a:latin typeface="+mn-lt"/>
+                <a:ea typeface="+mn-ea"/>
+                <a:cs typeface="+mn-cs"/>
+              </a:defRPr>
+            </a:lvl1pPr>
+            <a:lvl2pPr marL="457200" algn="l" defTabSz="914400" rtl="0" eaLnBrk="1" latinLnBrk="0" hangingPunct="1">
+              <a:defRPr sz="1800" kern="1200">
+                <a:solidFill>
+                  <a:schemeClr val="tx1"/>
+                </a:solidFill>
+                <a:latin typeface="+mn-lt"/>
+                <a:ea typeface="+mn-ea"/>
+                <a:cs typeface="+mn-cs"/>
+              </a:defRPr>
+            </a:lvl2pPr>
+            <a:lvl3pPr marL="914400" algn="l" defTabSz="914400" rtl="0" eaLnBrk="1" latinLnBrk="0" hangingPunct="1">
+              <a:defRPr sz="1800" kern="1200">
+                <a:solidFill>
+                  <a:schemeClr val="tx1"/>
+                </a:solidFill>
+                <a:latin typeface="+mn-lt"/>
+                <a:ea typeface="+mn-ea"/>
+                <a:cs typeface="+mn-cs"/>
+              </a:defRPr>
+            </a:lvl3pPr>
+            <a:lvl4pPr marL="1371600" algn="l" defTabSz="914400" rtl="0" eaLnBrk="1" latinLnBrk="0" hangingPunct="1">
+              <a:defRPr sz="1800" kern="1200">
+                <a:solidFill>
+                  <a:schemeClr val="tx1"/>
+                </a:solidFill>
+                <a:latin typeface="+mn-lt"/>
+                <a:ea typeface="+mn-ea"/>
+                <a:cs typeface="+mn-cs"/>
+              </a:defRPr>
+            </a:lvl4pPr>
+            <a:lvl5pPr marL="1828800" algn="l" defTabSz="914400" rtl="0" eaLnBrk="1" latinLnBrk="0" hangingPunct="1">
+              <a:defRPr sz="1800" kern="1200">
+                <a:solidFill>
+                  <a:schemeClr val="tx1"/>
+                </a:solidFill>
+                <a:latin typeface="+mn-lt"/>
+                <a:ea typeface="+mn-ea"/>
+                <a:cs typeface="+mn-cs"/>
+              </a:defRPr>
+            </a:lvl5pPr>
+            <a:lvl6pPr marL="2286000" algn="l" defTabSz="914400" rtl="0" eaLnBrk="1" latinLnBrk="0" hangingPunct="1">
+              <a:defRPr sz="1800" kern="1200">
+                <a:solidFill>
+                  <a:schemeClr val="tx1"/>
+                </a:solidFill>
+                <a:latin typeface="+mn-lt"/>
+                <a:ea typeface="+mn-ea"/>
+                <a:cs typeface="+mn-cs"/>
+              </a:defRPr>
+            </a:lvl6pPr>
+            <a:lvl7pPr marL="2743200" algn="l" defTabSz="914400" rtl="0" eaLnBrk="1" latinLnBrk="0" hangingPunct="1">
+              <a:defRPr sz="1800" kern="1200">
+                <a:solidFill>
+                  <a:schemeClr val="tx1"/>
+                </a:solidFill>
+                <a:latin typeface="+mn-lt"/>
+                <a:ea typeface="+mn-ea"/>
+                <a:cs typeface="+mn-cs"/>
+              </a:defRPr>
+            </a:lvl7pPr>
+            <a:lvl8pPr marL="3200400" algn="l" defTabSz="914400" rtl="0" eaLnBrk="1" latinLnBrk="0" hangingPunct="1">
+              <a:defRPr sz="1800" kern="1200">
+                <a:solidFill>
+                  <a:schemeClr val="tx1"/>
+                </a:solidFill>
+                <a:latin typeface="+mn-lt"/>
+                <a:ea typeface="+mn-ea"/>
+                <a:cs typeface="+mn-cs"/>
+              </a:defRPr>
+            </a:lvl8pPr>
+            <a:lvl9pPr marL="3657600" algn="l" defTabSz="914400" rtl="0" eaLnBrk="1" latinLnBrk="0" hangingPunct="1">
+              <a:defRPr sz="1800" kern="1200">
+                <a:solidFill>
+                  <a:schemeClr val="tx1"/>
+                </a:solidFill>
+                <a:latin typeface="+mn-lt"/>
+                <a:ea typeface="+mn-ea"/>
+                <a:cs typeface="+mn-cs"/>
+              </a:defRPr>
+            </a:lvl9pPr>
+          </a:lstStyle>
+          <a:p>
+            <a:pPr algn="ctr"/>
+            <a:endParaRPr lang="en-US"/>
+          </a:p>
+        </p:txBody>
+      </p:sp>
+      <p:sp>
+        <p:nvSpPr>
+          <p:cNvPr id="51" name="TextBox 63">
+            <a:extLst>
+              <a:ext uri="{FF2B5EF4-FFF2-40B4-BE49-F238E27FC236}">
+                <a16:creationId xmlns:a16="http://schemas.microsoft.com/office/drawing/2014/main" id="{AAFD8EA3-112F-492B-BF12-A485FB0632C2}"/>
+              </a:ext>
+            </a:extLst>
+          </p:cNvPr>
+          <p:cNvSpPr txBox="1"/>
+          <p:nvPr/>
+        </p:nvSpPr>
+        <p:spPr>
+          <a:xfrm>
+            <a:off x="5741473" y="5437836"/>
+            <a:ext cx="588623" cy="303481"/>
+          </a:xfrm>
+          <a:prstGeom prst="rect">
+            <a:avLst/>
+          </a:prstGeom>
+          <a:noFill/>
+        </p:spPr>
+        <p:txBody>
+          <a:bodyPr wrap="none" rtlCol="0">
+            <a:spAutoFit/>
+          </a:bodyPr>
+          <a:lstStyle>
+            <a:defPPr>
+              <a:defRPr lang="en-US"/>
+            </a:defPPr>
+            <a:lvl1pPr marL="0" algn="l" defTabSz="914400" rtl="0" eaLnBrk="1" latinLnBrk="0" hangingPunct="1">
+              <a:defRPr sz="1800" kern="1200">
+                <a:solidFill>
+                  <a:schemeClr val="tx1"/>
+                </a:solidFill>
+                <a:latin typeface="+mn-lt"/>
+                <a:ea typeface="+mn-ea"/>
+                <a:cs typeface="+mn-cs"/>
+              </a:defRPr>
+            </a:lvl1pPr>
+            <a:lvl2pPr marL="457200" algn="l" defTabSz="914400" rtl="0" eaLnBrk="1" latinLnBrk="0" hangingPunct="1">
+              <a:defRPr sz="1800" kern="1200">
+                <a:solidFill>
+                  <a:schemeClr val="tx1"/>
+                </a:solidFill>
+                <a:latin typeface="+mn-lt"/>
+                <a:ea typeface="+mn-ea"/>
+                <a:cs typeface="+mn-cs"/>
+              </a:defRPr>
+            </a:lvl2pPr>
+            <a:lvl3pPr marL="914400" algn="l" defTabSz="914400" rtl="0" eaLnBrk="1" latinLnBrk="0" hangingPunct="1">
+              <a:defRPr sz="1800" kern="1200">
+                <a:solidFill>
+                  <a:schemeClr val="tx1"/>
+                </a:solidFill>
+                <a:latin typeface="+mn-lt"/>
+                <a:ea typeface="+mn-ea"/>
+                <a:cs typeface="+mn-cs"/>
+              </a:defRPr>
+            </a:lvl3pPr>
+            <a:lvl4pPr marL="1371600" algn="l" defTabSz="914400" rtl="0" eaLnBrk="1" latinLnBrk="0" hangingPunct="1">
+              <a:defRPr sz="1800" kern="1200">
+                <a:solidFill>
+                  <a:schemeClr val="tx1"/>
+                </a:solidFill>
+                <a:latin typeface="+mn-lt"/>
+                <a:ea typeface="+mn-ea"/>
+                <a:cs typeface="+mn-cs"/>
+              </a:defRPr>
+            </a:lvl4pPr>
+            <a:lvl5pPr marL="1828800" algn="l" defTabSz="914400" rtl="0" eaLnBrk="1" latinLnBrk="0" hangingPunct="1">
+              <a:defRPr sz="1800" kern="1200">
+                <a:solidFill>
+                  <a:schemeClr val="tx1"/>
+                </a:solidFill>
+                <a:latin typeface="+mn-lt"/>
+                <a:ea typeface="+mn-ea"/>
+                <a:cs typeface="+mn-cs"/>
+              </a:defRPr>
+            </a:lvl5pPr>
+            <a:lvl6pPr marL="2286000" algn="l" defTabSz="914400" rtl="0" eaLnBrk="1" latinLnBrk="0" hangingPunct="1">
+              <a:defRPr sz="1800" kern="1200">
+                <a:solidFill>
+                  <a:schemeClr val="tx1"/>
+                </a:solidFill>
+                <a:latin typeface="+mn-lt"/>
+                <a:ea typeface="+mn-ea"/>
+                <a:cs typeface="+mn-cs"/>
+              </a:defRPr>
+            </a:lvl6pPr>
+            <a:lvl7pPr marL="2743200" algn="l" defTabSz="914400" rtl="0" eaLnBrk="1" latinLnBrk="0" hangingPunct="1">
+              <a:defRPr sz="1800" kern="1200">
+                <a:solidFill>
+                  <a:schemeClr val="tx1"/>
+                </a:solidFill>
+                <a:latin typeface="+mn-lt"/>
+                <a:ea typeface="+mn-ea"/>
+                <a:cs typeface="+mn-cs"/>
+              </a:defRPr>
+            </a:lvl7pPr>
+            <a:lvl8pPr marL="3200400" algn="l" defTabSz="914400" rtl="0" eaLnBrk="1" latinLnBrk="0" hangingPunct="1">
+              <a:defRPr sz="1800" kern="1200">
+                <a:solidFill>
+                  <a:schemeClr val="tx1"/>
+                </a:solidFill>
+                <a:latin typeface="+mn-lt"/>
+                <a:ea typeface="+mn-ea"/>
+                <a:cs typeface="+mn-cs"/>
+              </a:defRPr>
+            </a:lvl8pPr>
+            <a:lvl9pPr marL="3657600" algn="l" defTabSz="914400" rtl="0" eaLnBrk="1" latinLnBrk="0" hangingPunct="1">
+              <a:defRPr sz="1800" kern="1200">
+                <a:solidFill>
+                  <a:schemeClr val="tx1"/>
+                </a:solidFill>
+                <a:latin typeface="+mn-lt"/>
+                <a:ea typeface="+mn-ea"/>
+                <a:cs typeface="+mn-cs"/>
+              </a:defRPr>
+            </a:lvl9pPr>
+          </a:lstStyle>
+          <a:p>
+            <a:r>
+              <a:rPr lang="en-US" sz="1372" b="1" i="1" dirty="0">
+                <a:solidFill>
+                  <a:schemeClr val="accent1"/>
+                </a:solidFill>
+              </a:rPr>
+              <a:t>Inject</a:t>
+            </a:r>
+          </a:p>
+        </p:txBody>
+      </p:sp>
     </p:spTree>
     <p:extLst>
       <p:ext uri="{BB962C8B-B14F-4D97-AF65-F5344CB8AC3E}">
-        <p14:creationId xmlns:p14="http://schemas.microsoft.com/office/powerpoint/2010/main" val="746292408"/>
+        <p14:creationId xmlns:p14="http://schemas.microsoft.com/office/powerpoint/2010/main" val="2923802873"/>
       </p:ext>
     </p:extLst>
   </p:cSld>
